--- a/gpt程式交易測試紀錄/GPT程式交易測試紀錄.pptx
+++ b/gpt程式交易測試紀錄/GPT程式交易測試紀錄.pptx
@@ -4,6 +4,9 @@
   <p:sldMasterIdLst>
     <p:sldMasterId id="2147483648" r:id="rId1"/>
   </p:sldMasterIdLst>
+  <p:notesMasterIdLst>
+    <p:notesMasterId r:id="rId32"/>
+  </p:notesMasterIdLst>
   <p:sldIdLst>
     <p:sldId id="280" r:id="rId2"/>
     <p:sldId id="264" r:id="rId3"/>
@@ -13,24 +16,28 @@
     <p:sldId id="265" r:id="rId7"/>
     <p:sldId id="284" r:id="rId8"/>
     <p:sldId id="267" r:id="rId9"/>
-    <p:sldId id="268" r:id="rId10"/>
-    <p:sldId id="269" r:id="rId11"/>
-    <p:sldId id="286" r:id="rId12"/>
-    <p:sldId id="287" r:id="rId13"/>
-    <p:sldId id="288" r:id="rId14"/>
-    <p:sldId id="270" r:id="rId15"/>
-    <p:sldId id="271" r:id="rId16"/>
-    <p:sldId id="272" r:id="rId17"/>
-    <p:sldId id="273" r:id="rId18"/>
-    <p:sldId id="274" r:id="rId19"/>
-    <p:sldId id="263" r:id="rId20"/>
-    <p:sldId id="289" r:id="rId21"/>
-    <p:sldId id="291" r:id="rId22"/>
-    <p:sldId id="292" r:id="rId23"/>
-    <p:sldId id="290" r:id="rId24"/>
-    <p:sldId id="293" r:id="rId25"/>
-    <p:sldId id="294" r:id="rId26"/>
-    <p:sldId id="279" r:id="rId27"/>
+    <p:sldId id="297" r:id="rId10"/>
+    <p:sldId id="298" r:id="rId11"/>
+    <p:sldId id="299" r:id="rId12"/>
+    <p:sldId id="269" r:id="rId13"/>
+    <p:sldId id="286" r:id="rId14"/>
+    <p:sldId id="287" r:id="rId15"/>
+    <p:sldId id="295" r:id="rId16"/>
+    <p:sldId id="288" r:id="rId17"/>
+    <p:sldId id="296" r:id="rId18"/>
+    <p:sldId id="270" r:id="rId19"/>
+    <p:sldId id="271" r:id="rId20"/>
+    <p:sldId id="272" r:id="rId21"/>
+    <p:sldId id="273" r:id="rId22"/>
+    <p:sldId id="274" r:id="rId23"/>
+    <p:sldId id="263" r:id="rId24"/>
+    <p:sldId id="289" r:id="rId25"/>
+    <p:sldId id="291" r:id="rId26"/>
+    <p:sldId id="292" r:id="rId27"/>
+    <p:sldId id="290" r:id="rId28"/>
+    <p:sldId id="293" r:id="rId29"/>
+    <p:sldId id="294" r:id="rId30"/>
+    <p:sldId id="279" r:id="rId31"/>
   </p:sldIdLst>
   <p:sldSz cx="12192000" cy="6858000"/>
   <p:notesSz cx="6858000" cy="9144000"/>
@@ -146,7 +153,9 @@
             <p14:sldId id="265"/>
             <p14:sldId id="284"/>
             <p14:sldId id="267"/>
-            <p14:sldId id="268"/>
+            <p14:sldId id="297"/>
+            <p14:sldId id="298"/>
+            <p14:sldId id="299"/>
           </p14:sldIdLst>
         </p14:section>
         <p14:section name="k棒趨勢" id="{E823EE4C-74B5-4F35-B929-DE55906ADDAD}">
@@ -154,7 +163,9 @@
             <p14:sldId id="269"/>
             <p14:sldId id="286"/>
             <p14:sldId id="287"/>
+            <p14:sldId id="295"/>
             <p14:sldId id="288"/>
+            <p14:sldId id="296"/>
             <p14:sldId id="270"/>
             <p14:sldId id="271"/>
             <p14:sldId id="272"/>
@@ -186,7 +197,7 @@
 <file path=ppt/revisionInfo.xml><?xml version="1.0" encoding="utf-8"?>
 <p1510:revInfo xmlns:a="http://schemas.openxmlformats.org/drawingml/2006/main" xmlns:r="http://schemas.openxmlformats.org/officeDocument/2006/relationships" xmlns:p1510="http://schemas.microsoft.com/office/powerpoint/2015/10/main">
   <p1510:revLst>
-    <p1510:client id="{E08F33E6-2DC9-48F1-B6E2-F18231C7AA92}" v="7" dt="2024-10-04T05:13:54.448"/>
+    <p1510:client id="{5CB07B92-942B-44A7-AB85-191B10554879}" v="30" dt="2024-12-27T04:53:26.558"/>
   </p1510:revLst>
 </p1510:revInfo>
 </file>
@@ -195,11 +206,26 @@
 <pc:chgInfo xmlns:a="http://schemas.openxmlformats.org/drawingml/2006/main" xmlns:r="http://schemas.openxmlformats.org/officeDocument/2006/relationships" xmlns:ac="http://schemas.microsoft.com/office/drawing/2013/main/command" xmlns:pc="http://schemas.microsoft.com/office/powerpoint/2013/main/command">
   <pc:docChgLst>
     <pc:chgData name="李茗宇" userId="c3c76665-5d13-4c74-93a1-21f2499b5a75" providerId="ADAL" clId="{E08F33E6-2DC9-48F1-B6E2-F18231C7AA92}"/>
-    <pc:docChg chg="undo custSel addSld delSld modSld modSection">
-      <pc:chgData name="李茗宇" userId="c3c76665-5d13-4c74-93a1-21f2499b5a75" providerId="ADAL" clId="{E08F33E6-2DC9-48F1-B6E2-F18231C7AA92}" dt="2024-10-04T06:25:43.492" v="223"/>
+    <pc:docChg chg="undo redo custSel addSld delSld modSld modSection">
+      <pc:chgData name="李茗宇" userId="c3c76665-5d13-4c74-93a1-21f2499b5a75" providerId="ADAL" clId="{E08F33E6-2DC9-48F1-B6E2-F18231C7AA92}" dt="2024-11-15T03:41:51.678" v="1228" actId="1076"/>
       <pc:docMkLst>
         <pc:docMk/>
       </pc:docMkLst>
+      <pc:sldChg chg="modSp mod">
+        <pc:chgData name="李茗宇" userId="c3c76665-5d13-4c74-93a1-21f2499b5a75" providerId="ADAL" clId="{E08F33E6-2DC9-48F1-B6E2-F18231C7AA92}" dt="2024-11-15T03:08:49.320" v="1125" actId="20577"/>
+        <pc:sldMkLst>
+          <pc:docMk/>
+          <pc:sldMk cId="2333580445" sldId="265"/>
+        </pc:sldMkLst>
+        <pc:spChg chg="mod">
+          <ac:chgData name="李茗宇" userId="c3c76665-5d13-4c74-93a1-21f2499b5a75" providerId="ADAL" clId="{E08F33E6-2DC9-48F1-B6E2-F18231C7AA92}" dt="2024-11-15T03:08:49.320" v="1125" actId="20577"/>
+          <ac:spMkLst>
+            <pc:docMk/>
+            <pc:sldMk cId="2333580445" sldId="265"/>
+            <ac:spMk id="4" creationId="{C523353C-DBB9-DD4E-4DC6-0ED74EACD040}"/>
+          </ac:spMkLst>
+        </pc:spChg>
+      </pc:sldChg>
       <pc:sldChg chg="addSp modSp mod">
         <pc:chgData name="李茗宇" userId="c3c76665-5d13-4c74-93a1-21f2499b5a75" providerId="ADAL" clId="{E08F33E6-2DC9-48F1-B6E2-F18231C7AA92}" dt="2024-10-04T03:30:12.065" v="51"/>
         <pc:sldMkLst>
@@ -214,14 +240,13 @@
             <ac:spMk id="3" creationId="{9EFB2AD0-79CE-4047-445C-C8B63EFA0B23}"/>
           </ac:spMkLst>
         </pc:spChg>
-        <pc:spChg chg="add mod">
-          <ac:chgData name="李茗宇" userId="c3c76665-5d13-4c74-93a1-21f2499b5a75" providerId="ADAL" clId="{E08F33E6-2DC9-48F1-B6E2-F18231C7AA92}" dt="2024-10-04T03:30:12.065" v="51"/>
-          <ac:spMkLst>
-            <pc:docMk/>
-            <pc:sldMk cId="1523592936" sldId="267"/>
-            <ac:spMk id="4" creationId="{457218EA-BAB5-03E6-F196-FD12862D09AD}"/>
-          </ac:spMkLst>
-        </pc:spChg>
+      </pc:sldChg>
+      <pc:sldChg chg="modSp mod">
+        <pc:chgData name="李茗宇" userId="c3c76665-5d13-4c74-93a1-21f2499b5a75" providerId="ADAL" clId="{E08F33E6-2DC9-48F1-B6E2-F18231C7AA92}" dt="2024-10-25T06:47:51.030" v="907" actId="1076"/>
+        <pc:sldMkLst>
+          <pc:docMk/>
+          <pc:sldMk cId="1265714151" sldId="268"/>
+        </pc:sldMkLst>
       </pc:sldChg>
       <pc:sldChg chg="addSp modSp mod">
         <pc:chgData name="李茗宇" userId="c3c76665-5d13-4c74-93a1-21f2499b5a75" providerId="ADAL" clId="{E08F33E6-2DC9-48F1-B6E2-F18231C7AA92}" dt="2024-10-04T03:30:25.551" v="55" actId="1076"/>
@@ -276,50 +301,65 @@
         </pc:spChg>
       </pc:sldChg>
       <pc:sldChg chg="addSp delSp modSp mod">
-        <pc:chgData name="李茗宇" userId="c3c76665-5d13-4c74-93a1-21f2499b5a75" providerId="ADAL" clId="{E08F33E6-2DC9-48F1-B6E2-F18231C7AA92}" dt="2024-10-04T03:26:15.118" v="6" actId="1076"/>
+        <pc:chgData name="李茗宇" userId="c3c76665-5d13-4c74-93a1-21f2499b5a75" providerId="ADAL" clId="{E08F33E6-2DC9-48F1-B6E2-F18231C7AA92}" dt="2024-11-15T03:09:05.129" v="1136" actId="20577"/>
         <pc:sldMkLst>
           <pc:docMk/>
           <pc:sldMk cId="476806371" sldId="282"/>
         </pc:sldMkLst>
-        <pc:spChg chg="del">
-          <ac:chgData name="李茗宇" userId="c3c76665-5d13-4c74-93a1-21f2499b5a75" providerId="ADAL" clId="{E08F33E6-2DC9-48F1-B6E2-F18231C7AA92}" dt="2024-10-04T03:25:34.018" v="0" actId="22"/>
+        <pc:spChg chg="add mod">
+          <ac:chgData name="李茗宇" userId="c3c76665-5d13-4c74-93a1-21f2499b5a75" providerId="ADAL" clId="{E08F33E6-2DC9-48F1-B6E2-F18231C7AA92}" dt="2024-11-15T03:09:05.129" v="1136" actId="20577"/>
           <ac:spMkLst>
             <pc:docMk/>
             <pc:sldMk cId="476806371" sldId="282"/>
-            <ac:spMk id="3" creationId="{C7DD91E3-4CA3-1DC8-D095-0A61B5489E04}"/>
+            <ac:spMk id="7" creationId="{E6731358-F122-91DF-F90B-39C9F48B6018}"/>
           </ac:spMkLst>
         </pc:spChg>
-        <pc:picChg chg="add mod ord">
-          <ac:chgData name="李茗宇" userId="c3c76665-5d13-4c74-93a1-21f2499b5a75" providerId="ADAL" clId="{E08F33E6-2DC9-48F1-B6E2-F18231C7AA92}" dt="2024-10-04T03:26:15.118" v="6" actId="1076"/>
+        <pc:picChg chg="add del mod ord modCrop">
+          <ac:chgData name="李茗宇" userId="c3c76665-5d13-4c74-93a1-21f2499b5a75" providerId="ADAL" clId="{E08F33E6-2DC9-48F1-B6E2-F18231C7AA92}" dt="2024-10-11T02:37:21.420" v="251" actId="1076"/>
           <ac:picMkLst>
             <pc:docMk/>
             <pc:sldMk cId="476806371" sldId="282"/>
             <ac:picMk id="5" creationId="{6DA87858-5614-2C86-8D3C-DA75E5601B2B}"/>
           </ac:picMkLst>
         </pc:picChg>
+        <pc:inkChg chg="add">
+          <ac:chgData name="李茗宇" userId="c3c76665-5d13-4c74-93a1-21f2499b5a75" providerId="ADAL" clId="{E08F33E6-2DC9-48F1-B6E2-F18231C7AA92}" dt="2024-11-15T02:56:53.246" v="1085" actId="9405"/>
+          <ac:inkMkLst>
+            <pc:docMk/>
+            <pc:sldMk cId="476806371" sldId="282"/>
+            <ac:inkMk id="3" creationId="{4CD8F8E6-612B-B608-C0A3-A9326313EC0B}"/>
+          </ac:inkMkLst>
+        </pc:inkChg>
       </pc:sldChg>
       <pc:sldChg chg="addSp delSp modSp mod">
-        <pc:chgData name="李茗宇" userId="c3c76665-5d13-4c74-93a1-21f2499b5a75" providerId="ADAL" clId="{E08F33E6-2DC9-48F1-B6E2-F18231C7AA92}" dt="2024-10-04T03:28:17.794" v="10" actId="1076"/>
+        <pc:chgData name="李茗宇" userId="c3c76665-5d13-4c74-93a1-21f2499b5a75" providerId="ADAL" clId="{E08F33E6-2DC9-48F1-B6E2-F18231C7AA92}" dt="2024-11-15T03:08:51.951" v="1132" actId="20577"/>
         <pc:sldMkLst>
           <pc:docMk/>
           <pc:sldMk cId="1272074819" sldId="283"/>
         </pc:sldMkLst>
-        <pc:spChg chg="del">
-          <ac:chgData name="李茗宇" userId="c3c76665-5d13-4c74-93a1-21f2499b5a75" providerId="ADAL" clId="{E08F33E6-2DC9-48F1-B6E2-F18231C7AA92}" dt="2024-10-04T03:28:13.440" v="7" actId="22"/>
-          <ac:spMkLst>
-            <pc:docMk/>
-            <pc:sldMk cId="1272074819" sldId="283"/>
-            <ac:spMk id="3" creationId="{26F48521-600B-8B59-4FBD-CAB1456AEBA5}"/>
-          </ac:spMkLst>
-        </pc:spChg>
         <pc:picChg chg="add mod ord">
-          <ac:chgData name="李茗宇" userId="c3c76665-5d13-4c74-93a1-21f2499b5a75" providerId="ADAL" clId="{E08F33E6-2DC9-48F1-B6E2-F18231C7AA92}" dt="2024-10-04T03:28:17.794" v="10" actId="1076"/>
+          <ac:chgData name="李茗宇" userId="c3c76665-5d13-4c74-93a1-21f2499b5a75" providerId="ADAL" clId="{E08F33E6-2DC9-48F1-B6E2-F18231C7AA92}" dt="2024-10-11T02:35:13.136" v="236" actId="1076"/>
           <ac:picMkLst>
             <pc:docMk/>
             <pc:sldMk cId="1272074819" sldId="283"/>
             <ac:picMk id="5" creationId="{C675DCFA-D92B-062B-8A04-67720245EB01}"/>
           </ac:picMkLst>
         </pc:picChg>
+      </pc:sldChg>
+      <pc:sldChg chg="modSp mod">
+        <pc:chgData name="李茗宇" userId="c3c76665-5d13-4c74-93a1-21f2499b5a75" providerId="ADAL" clId="{E08F33E6-2DC9-48F1-B6E2-F18231C7AA92}" dt="2024-10-11T02:40:49.714" v="350" actId="207"/>
+        <pc:sldMkLst>
+          <pc:docMk/>
+          <pc:sldMk cId="2196318589" sldId="284"/>
+        </pc:sldMkLst>
+        <pc:spChg chg="mod">
+          <ac:chgData name="李茗宇" userId="c3c76665-5d13-4c74-93a1-21f2499b5a75" providerId="ADAL" clId="{E08F33E6-2DC9-48F1-B6E2-F18231C7AA92}" dt="2024-10-11T02:40:49.714" v="350" actId="207"/>
+          <ac:spMkLst>
+            <pc:docMk/>
+            <pc:sldMk cId="2196318589" sldId="284"/>
+            <ac:spMk id="3" creationId="{6DC82CC0-4B50-D915-01D1-A98FA09D3DBF}"/>
+          </ac:spMkLst>
+        </pc:spChg>
       </pc:sldChg>
       <pc:sldChg chg="modSp mod">
         <pc:chgData name="李茗宇" userId="c3c76665-5d13-4c74-93a1-21f2499b5a75" providerId="ADAL" clId="{E08F33E6-2DC9-48F1-B6E2-F18231C7AA92}" dt="2024-10-04T04:44:14.030" v="185" actId="20577"/>
@@ -336,35 +376,35 @@
           </ac:spMkLst>
         </pc:spChg>
       </pc:sldChg>
-      <pc:sldChg chg="addSp modSp">
-        <pc:chgData name="李茗宇" userId="c3c76665-5d13-4c74-93a1-21f2499b5a75" providerId="ADAL" clId="{E08F33E6-2DC9-48F1-B6E2-F18231C7AA92}" dt="2024-10-04T05:13:46.828" v="217"/>
+      <pc:sldChg chg="addSp delSp modSp mod">
+        <pc:chgData name="李茗宇" userId="c3c76665-5d13-4c74-93a1-21f2499b5a75" providerId="ADAL" clId="{E08F33E6-2DC9-48F1-B6E2-F18231C7AA92}" dt="2024-10-11T02:42:23.544" v="374" actId="20577"/>
         <pc:sldMkLst>
           <pc:docMk/>
           <pc:sldMk cId="1659597999" sldId="287"/>
         </pc:sldMkLst>
-        <pc:picChg chg="add mod">
-          <ac:chgData name="李茗宇" userId="c3c76665-5d13-4c74-93a1-21f2499b5a75" providerId="ADAL" clId="{E08F33E6-2DC9-48F1-B6E2-F18231C7AA92}" dt="2024-10-04T05:13:46.828" v="217"/>
-          <ac:picMkLst>
+        <pc:spChg chg="mod">
+          <ac:chgData name="李茗宇" userId="c3c76665-5d13-4c74-93a1-21f2499b5a75" providerId="ADAL" clId="{E08F33E6-2DC9-48F1-B6E2-F18231C7AA92}" dt="2024-10-11T02:42:23.544" v="374" actId="20577"/>
+          <ac:spMkLst>
             <pc:docMk/>
             <pc:sldMk cId="1659597999" sldId="287"/>
-            <ac:picMk id="9" creationId="{DABCD5A8-BB74-DB87-0C44-093C13E3C6A1}"/>
-          </ac:picMkLst>
-        </pc:picChg>
+            <ac:spMk id="3" creationId="{C7DD91E3-4CA3-1DC8-D095-0A61B5489E04}"/>
+          </ac:spMkLst>
+        </pc:spChg>
       </pc:sldChg>
-      <pc:sldChg chg="addSp modSp">
-        <pc:chgData name="李茗宇" userId="c3c76665-5d13-4c74-93a1-21f2499b5a75" providerId="ADAL" clId="{E08F33E6-2DC9-48F1-B6E2-F18231C7AA92}" dt="2024-10-04T05:13:54.448" v="219"/>
+      <pc:sldChg chg="addSp delSp modSp mod">
+        <pc:chgData name="李茗宇" userId="c3c76665-5d13-4c74-93a1-21f2499b5a75" providerId="ADAL" clId="{E08F33E6-2DC9-48F1-B6E2-F18231C7AA92}" dt="2024-10-11T02:42:16.631" v="371"/>
         <pc:sldMkLst>
           <pc:docMk/>
           <pc:sldMk cId="1219279302" sldId="288"/>
         </pc:sldMkLst>
-        <pc:picChg chg="add mod">
-          <ac:chgData name="李茗宇" userId="c3c76665-5d13-4c74-93a1-21f2499b5a75" providerId="ADAL" clId="{E08F33E6-2DC9-48F1-B6E2-F18231C7AA92}" dt="2024-10-04T05:13:54.448" v="219"/>
-          <ac:picMkLst>
+        <pc:spChg chg="mod">
+          <ac:chgData name="李茗宇" userId="c3c76665-5d13-4c74-93a1-21f2499b5a75" providerId="ADAL" clId="{E08F33E6-2DC9-48F1-B6E2-F18231C7AA92}" dt="2024-10-11T02:42:16.631" v="371"/>
+          <ac:spMkLst>
             <pc:docMk/>
             <pc:sldMk cId="1219279302" sldId="288"/>
-            <ac:picMk id="5" creationId="{27959BA3-3FE1-A84C-16CC-D2CA8B9842E0}"/>
-          </ac:picMkLst>
-        </pc:picChg>
+            <ac:spMk id="3" creationId="{26F48521-600B-8B59-4FBD-CAB1456AEBA5}"/>
+          </ac:spMkLst>
+        </pc:spChg>
       </pc:sldChg>
       <pc:sldChg chg="modSp mod">
         <pc:chgData name="李茗宇" userId="c3c76665-5d13-4c74-93a1-21f2499b5a75" providerId="ADAL" clId="{E08F33E6-2DC9-48F1-B6E2-F18231C7AA92}" dt="2024-10-04T04:44:51.335" v="198" actId="20577"/>
@@ -395,14 +435,6 @@
             <ac:spMk id="2" creationId="{C12097BB-174D-9823-7C38-5FE21AAFEA55}"/>
           </ac:spMkLst>
         </pc:spChg>
-        <pc:spChg chg="del">
-          <ac:chgData name="李茗宇" userId="c3c76665-5d13-4c74-93a1-21f2499b5a75" providerId="ADAL" clId="{E08F33E6-2DC9-48F1-B6E2-F18231C7AA92}" dt="2024-10-04T04:48:40.458" v="206" actId="22"/>
-          <ac:spMkLst>
-            <pc:docMk/>
-            <pc:sldMk cId="1216268166" sldId="291"/>
-            <ac:spMk id="3" creationId="{C7DD91E3-4CA3-1DC8-D095-0A61B5489E04}"/>
-          </ac:spMkLst>
-        </pc:spChg>
         <pc:spChg chg="add mod">
           <ac:chgData name="李茗宇" userId="c3c76665-5d13-4c74-93a1-21f2499b5a75" providerId="ADAL" clId="{E08F33E6-2DC9-48F1-B6E2-F18231C7AA92}" dt="2024-10-04T04:49:09.200" v="207" actId="21"/>
           <ac:spMkLst>
@@ -411,22 +443,6 @@
             <ac:spMk id="7" creationId="{D48F1601-4C84-458A-735E-00EE066F30DF}"/>
           </ac:spMkLst>
         </pc:spChg>
-        <pc:picChg chg="add del mod ord">
-          <ac:chgData name="李茗宇" userId="c3c76665-5d13-4c74-93a1-21f2499b5a75" providerId="ADAL" clId="{E08F33E6-2DC9-48F1-B6E2-F18231C7AA92}" dt="2024-10-04T04:49:09.200" v="207" actId="21"/>
-          <ac:picMkLst>
-            <pc:docMk/>
-            <pc:sldMk cId="1216268166" sldId="291"/>
-            <ac:picMk id="5" creationId="{27959BA3-3FE1-A84C-16CC-D2CA8B9842E0}"/>
-          </ac:picMkLst>
-        </pc:picChg>
-        <pc:picChg chg="add del mod">
-          <ac:chgData name="李茗宇" userId="c3c76665-5d13-4c74-93a1-21f2499b5a75" providerId="ADAL" clId="{E08F33E6-2DC9-48F1-B6E2-F18231C7AA92}" dt="2024-10-04T05:13:43.799" v="216" actId="21"/>
-          <ac:picMkLst>
-            <pc:docMk/>
-            <pc:sldMk cId="1216268166" sldId="291"/>
-            <ac:picMk id="9" creationId="{DABCD5A8-BB74-DB87-0C44-093C13E3C6A1}"/>
-          </ac:picMkLst>
-        </pc:picChg>
         <pc:picChg chg="add mod">
           <ac:chgData name="李茗宇" userId="c3c76665-5d13-4c74-93a1-21f2499b5a75" providerId="ADAL" clId="{E08F33E6-2DC9-48F1-B6E2-F18231C7AA92}" dt="2024-10-04T06:25:26.548" v="222" actId="1076"/>
           <ac:picMkLst>
@@ -450,22 +466,6 @@
             <ac:spMk id="2" creationId="{51F1270B-40D2-6DB2-7756-A594BBDB2245}"/>
           </ac:spMkLst>
         </pc:spChg>
-        <pc:spChg chg="del">
-          <ac:chgData name="李茗宇" userId="c3c76665-5d13-4c74-93a1-21f2499b5a75" providerId="ADAL" clId="{E08F33E6-2DC9-48F1-B6E2-F18231C7AA92}" dt="2024-10-04T06:09:54.510" v="220" actId="22"/>
-          <ac:spMkLst>
-            <pc:docMk/>
-            <pc:sldMk cId="1447389459" sldId="292"/>
-            <ac:spMk id="3" creationId="{26F48521-600B-8B59-4FBD-CAB1456AEBA5}"/>
-          </ac:spMkLst>
-        </pc:spChg>
-        <pc:picChg chg="add del mod">
-          <ac:chgData name="李茗宇" userId="c3c76665-5d13-4c74-93a1-21f2499b5a75" providerId="ADAL" clId="{E08F33E6-2DC9-48F1-B6E2-F18231C7AA92}" dt="2024-10-04T05:13:51.402" v="218" actId="21"/>
-          <ac:picMkLst>
-            <pc:docMk/>
-            <pc:sldMk cId="1447389459" sldId="292"/>
-            <ac:picMk id="5" creationId="{27959BA3-3FE1-A84C-16CC-D2CA8B9842E0}"/>
-          </ac:picMkLst>
-        </pc:picChg>
         <pc:picChg chg="add mod ord">
           <ac:chgData name="李茗宇" userId="c3c76665-5d13-4c74-93a1-21f2499b5a75" providerId="ADAL" clId="{E08F33E6-2DC9-48F1-B6E2-F18231C7AA92}" dt="2024-10-04T06:09:54.510" v="220" actId="22"/>
           <ac:picMkLst>
@@ -513,9 +513,1109 @@
           </ac:spMkLst>
         </pc:spChg>
       </pc:sldChg>
+      <pc:sldChg chg="addSp modSp new">
+        <pc:chgData name="李茗宇" userId="c3c76665-5d13-4c74-93a1-21f2499b5a75" providerId="ADAL" clId="{E08F33E6-2DC9-48F1-B6E2-F18231C7AA92}" dt="2024-10-11T02:41:21.806" v="353"/>
+        <pc:sldMkLst>
+          <pc:docMk/>
+          <pc:sldMk cId="4003988740" sldId="295"/>
+        </pc:sldMkLst>
+        <pc:picChg chg="add mod">
+          <ac:chgData name="李茗宇" userId="c3c76665-5d13-4c74-93a1-21f2499b5a75" providerId="ADAL" clId="{E08F33E6-2DC9-48F1-B6E2-F18231C7AA92}" dt="2024-10-11T02:41:21.806" v="353"/>
+          <ac:picMkLst>
+            <pc:docMk/>
+            <pc:sldMk cId="4003988740" sldId="295"/>
+            <ac:picMk id="9" creationId="{DABCD5A8-BB74-DB87-0C44-093C13E3C6A1}"/>
+          </ac:picMkLst>
+        </pc:picChg>
+      </pc:sldChg>
+      <pc:sldChg chg="addSp modSp new">
+        <pc:chgData name="李茗宇" userId="c3c76665-5d13-4c74-93a1-21f2499b5a75" providerId="ADAL" clId="{E08F33E6-2DC9-48F1-B6E2-F18231C7AA92}" dt="2024-10-11T02:41:50.742" v="361"/>
+        <pc:sldMkLst>
+          <pc:docMk/>
+          <pc:sldMk cId="771146129" sldId="296"/>
+        </pc:sldMkLst>
+        <pc:picChg chg="add mod">
+          <ac:chgData name="李茗宇" userId="c3c76665-5d13-4c74-93a1-21f2499b5a75" providerId="ADAL" clId="{E08F33E6-2DC9-48F1-B6E2-F18231C7AA92}" dt="2024-10-11T02:41:50.742" v="361"/>
+          <ac:picMkLst>
+            <pc:docMk/>
+            <pc:sldMk cId="771146129" sldId="296"/>
+            <ac:picMk id="5" creationId="{27959BA3-3FE1-A84C-16CC-D2CA8B9842E0}"/>
+          </ac:picMkLst>
+        </pc:picChg>
+      </pc:sldChg>
+      <pc:sldChg chg="addSp delSp modSp new mod">
+        <pc:chgData name="李茗宇" userId="c3c76665-5d13-4c74-93a1-21f2499b5a75" providerId="ADAL" clId="{E08F33E6-2DC9-48F1-B6E2-F18231C7AA92}" dt="2024-11-15T03:41:51.678" v="1228" actId="1076"/>
+        <pc:sldMkLst>
+          <pc:docMk/>
+          <pc:sldMk cId="386610510" sldId="297"/>
+        </pc:sldMkLst>
+      </pc:sldChg>
+      <pc:sldChg chg="new">
+        <pc:chgData name="李茗宇" userId="c3c76665-5d13-4c74-93a1-21f2499b5a75" providerId="ADAL" clId="{E08F33E6-2DC9-48F1-B6E2-F18231C7AA92}" dt="2024-11-08T02:11:57.449" v="1076" actId="680"/>
+        <pc:sldMkLst>
+          <pc:docMk/>
+          <pc:sldMk cId="2285485523" sldId="298"/>
+        </pc:sldMkLst>
+      </pc:sldChg>
+    </pc:docChg>
+  </pc:docChgLst>
+  <pc:docChgLst>
+    <pc:chgData name="李茗宇" userId="c3c76665-5d13-4c74-93a1-21f2499b5a75" providerId="ADAL" clId="{5CB07B92-942B-44A7-AB85-191B10554879}"/>
+    <pc:docChg chg="undo custSel addSld delSld modSld modSection">
+      <pc:chgData name="李茗宇" userId="c3c76665-5d13-4c74-93a1-21f2499b5a75" providerId="ADAL" clId="{5CB07B92-942B-44A7-AB85-191B10554879}" dt="2024-12-27T04:57:48.730" v="1048" actId="20577"/>
+      <pc:docMkLst>
+        <pc:docMk/>
+      </pc:docMkLst>
+      <pc:sldChg chg="modSp mod">
+        <pc:chgData name="李茗宇" userId="c3c76665-5d13-4c74-93a1-21f2499b5a75" providerId="ADAL" clId="{5CB07B92-942B-44A7-AB85-191B10554879}" dt="2024-12-27T02:30:01.046" v="709" actId="20577"/>
+        <pc:sldMkLst>
+          <pc:docMk/>
+          <pc:sldMk cId="2333580445" sldId="265"/>
+        </pc:sldMkLst>
+        <pc:spChg chg="mod">
+          <ac:chgData name="李茗宇" userId="c3c76665-5d13-4c74-93a1-21f2499b5a75" providerId="ADAL" clId="{5CB07B92-942B-44A7-AB85-191B10554879}" dt="2024-12-27T02:30:01.046" v="709" actId="20577"/>
+          <ac:spMkLst>
+            <pc:docMk/>
+            <pc:sldMk cId="2333580445" sldId="265"/>
+            <ac:spMk id="4" creationId="{C523353C-DBB9-DD4E-4DC6-0ED74EACD040}"/>
+          </ac:spMkLst>
+        </pc:spChg>
+      </pc:sldChg>
+      <pc:sldChg chg="addSp delSp modSp mod">
+        <pc:chgData name="李茗宇" userId="c3c76665-5d13-4c74-93a1-21f2499b5a75" providerId="ADAL" clId="{5CB07B92-942B-44A7-AB85-191B10554879}" dt="2024-12-27T02:31:03.462" v="717" actId="1076"/>
+        <pc:sldMkLst>
+          <pc:docMk/>
+          <pc:sldMk cId="1523592936" sldId="267"/>
+        </pc:sldMkLst>
+        <pc:picChg chg="del">
+          <ac:chgData name="李茗宇" userId="c3c76665-5d13-4c74-93a1-21f2499b5a75" providerId="ADAL" clId="{5CB07B92-942B-44A7-AB85-191B10554879}" dt="2024-12-27T02:30:21.335" v="713" actId="478"/>
+          <ac:picMkLst>
+            <pc:docMk/>
+            <pc:sldMk cId="1523592936" sldId="267"/>
+            <ac:picMk id="2" creationId="{6F01F3B2-14C9-A717-7E0D-DA04CD9B2276}"/>
+          </ac:picMkLst>
+        </pc:picChg>
+        <pc:picChg chg="del">
+          <ac:chgData name="李茗宇" userId="c3c76665-5d13-4c74-93a1-21f2499b5a75" providerId="ADAL" clId="{5CB07B92-942B-44A7-AB85-191B10554879}" dt="2024-12-27T02:30:22.218" v="714" actId="478"/>
+          <ac:picMkLst>
+            <pc:docMk/>
+            <pc:sldMk cId="1523592936" sldId="267"/>
+            <ac:picMk id="5" creationId="{353B4A7F-768C-DB10-A6B3-0C50FDE80552}"/>
+          </ac:picMkLst>
+        </pc:picChg>
+        <pc:picChg chg="add mod">
+          <ac:chgData name="李茗宇" userId="c3c76665-5d13-4c74-93a1-21f2499b5a75" providerId="ADAL" clId="{5CB07B92-942B-44A7-AB85-191B10554879}" dt="2024-12-27T02:31:03.462" v="717" actId="1076"/>
+          <ac:picMkLst>
+            <pc:docMk/>
+            <pc:sldMk cId="1523592936" sldId="267"/>
+            <ac:picMk id="6" creationId="{344E2396-28EC-BE14-BA44-9B0690C4CBE9}"/>
+          </ac:picMkLst>
+        </pc:picChg>
+      </pc:sldChg>
+      <pc:sldChg chg="del">
+        <pc:chgData name="李茗宇" userId="c3c76665-5d13-4c74-93a1-21f2499b5a75" providerId="ADAL" clId="{5CB07B92-942B-44A7-AB85-191B10554879}" dt="2024-12-27T02:30:16.143" v="710" actId="47"/>
+        <pc:sldMkLst>
+          <pc:docMk/>
+          <pc:sldMk cId="1265714151" sldId="268"/>
+        </pc:sldMkLst>
+      </pc:sldChg>
+      <pc:sldChg chg="addSp delSp modSp mod">
+        <pc:chgData name="李茗宇" userId="c3c76665-5d13-4c74-93a1-21f2499b5a75" providerId="ADAL" clId="{5CB07B92-942B-44A7-AB85-191B10554879}" dt="2024-12-27T03:24:19.564" v="894" actId="20577"/>
+        <pc:sldMkLst>
+          <pc:docMk/>
+          <pc:sldMk cId="476806371" sldId="282"/>
+        </pc:sldMkLst>
+        <pc:spChg chg="add del mod">
+          <ac:chgData name="李茗宇" userId="c3c76665-5d13-4c74-93a1-21f2499b5a75" providerId="ADAL" clId="{5CB07B92-942B-44A7-AB85-191B10554879}" dt="2024-12-27T02:27:31.097" v="574"/>
+          <ac:spMkLst>
+            <pc:docMk/>
+            <pc:sldMk cId="476806371" sldId="282"/>
+            <ac:spMk id="4" creationId="{6D086C11-8282-2D11-2B21-03A609239A72}"/>
+          </ac:spMkLst>
+        </pc:spChg>
+        <pc:spChg chg="mod">
+          <ac:chgData name="李茗宇" userId="c3c76665-5d13-4c74-93a1-21f2499b5a75" providerId="ADAL" clId="{5CB07B92-942B-44A7-AB85-191B10554879}" dt="2024-12-27T03:24:19.564" v="894" actId="20577"/>
+          <ac:spMkLst>
+            <pc:docMk/>
+            <pc:sldMk cId="476806371" sldId="282"/>
+            <ac:spMk id="7" creationId="{E6731358-F122-91DF-F90B-39C9F48B6018}"/>
+          </ac:spMkLst>
+        </pc:spChg>
+      </pc:sldChg>
+      <pc:sldChg chg="addSp delSp modSp mod">
+        <pc:chgData name="李茗宇" userId="c3c76665-5d13-4c74-93a1-21f2499b5a75" providerId="ADAL" clId="{5CB07B92-942B-44A7-AB85-191B10554879}" dt="2024-12-27T03:24:54.437" v="904" actId="20577"/>
+        <pc:sldMkLst>
+          <pc:docMk/>
+          <pc:sldMk cId="1272074819" sldId="283"/>
+        </pc:sldMkLst>
+        <pc:spChg chg="del mod">
+          <ac:chgData name="李茗宇" userId="c3c76665-5d13-4c74-93a1-21f2499b5a75" providerId="ADAL" clId="{5CB07B92-942B-44A7-AB85-191B10554879}" dt="2024-12-27T02:27:23.081" v="570"/>
+          <ac:spMkLst>
+            <pc:docMk/>
+            <pc:sldMk cId="1272074819" sldId="283"/>
+            <ac:spMk id="3" creationId="{580EBD91-3CD9-56D7-67E3-F2EDC8FAE257}"/>
+          </ac:spMkLst>
+        </pc:spChg>
+        <pc:spChg chg="add mod">
+          <ac:chgData name="李茗宇" userId="c3c76665-5d13-4c74-93a1-21f2499b5a75" providerId="ADAL" clId="{5CB07B92-942B-44A7-AB85-191B10554879}" dt="2024-12-27T03:24:54.437" v="904" actId="20577"/>
+          <ac:spMkLst>
+            <pc:docMk/>
+            <pc:sldMk cId="1272074819" sldId="283"/>
+            <ac:spMk id="6" creationId="{E3592205-77E0-40AF-48AB-89E8C495526A}"/>
+          </ac:spMkLst>
+        </pc:spChg>
+      </pc:sldChg>
+      <pc:sldChg chg="del">
+        <pc:chgData name="李茗宇" userId="c3c76665-5d13-4c74-93a1-21f2499b5a75" providerId="ADAL" clId="{5CB07B92-942B-44A7-AB85-191B10554879}" dt="2024-12-27T02:30:19.067" v="712" actId="47"/>
+        <pc:sldMkLst>
+          <pc:docMk/>
+          <pc:sldMk cId="386610510" sldId="297"/>
+        </pc:sldMkLst>
+      </pc:sldChg>
+      <pc:sldChg chg="addSp delSp modSp new mod">
+        <pc:chgData name="李茗宇" userId="c3c76665-5d13-4c74-93a1-21f2499b5a75" providerId="ADAL" clId="{5CB07B92-942B-44A7-AB85-191B10554879}" dt="2024-12-27T04:03:27.442" v="931" actId="14100"/>
+        <pc:sldMkLst>
+          <pc:docMk/>
+          <pc:sldMk cId="1294268311" sldId="297"/>
+        </pc:sldMkLst>
+        <pc:spChg chg="add del mod">
+          <ac:chgData name="李茗宇" userId="c3c76665-5d13-4c74-93a1-21f2499b5a75" providerId="ADAL" clId="{5CB07B92-942B-44A7-AB85-191B10554879}" dt="2024-12-27T02:32:11.291" v="758" actId="14100"/>
+          <ac:spMkLst>
+            <pc:docMk/>
+            <pc:sldMk cId="1294268311" sldId="297"/>
+            <ac:spMk id="2" creationId="{4F5260EF-96A2-4534-3255-20233E0BEF8A}"/>
+          </ac:spMkLst>
+        </pc:spChg>
+        <pc:spChg chg="add del">
+          <ac:chgData name="李茗宇" userId="c3c76665-5d13-4c74-93a1-21f2499b5a75" providerId="ADAL" clId="{5CB07B92-942B-44A7-AB85-191B10554879}" dt="2024-12-27T02:31:27.302" v="723" actId="478"/>
+          <ac:spMkLst>
+            <pc:docMk/>
+            <pc:sldMk cId="1294268311" sldId="297"/>
+            <ac:spMk id="3" creationId="{228F8A5D-ACED-6907-F622-51C553EDC46B}"/>
+          </ac:spMkLst>
+        </pc:spChg>
+        <pc:spChg chg="add mod">
+          <ac:chgData name="李茗宇" userId="c3c76665-5d13-4c74-93a1-21f2499b5a75" providerId="ADAL" clId="{5CB07B92-942B-44A7-AB85-191B10554879}" dt="2024-12-27T02:49:31.068" v="781" actId="1076"/>
+          <ac:spMkLst>
+            <pc:docMk/>
+            <pc:sldMk cId="1294268311" sldId="297"/>
+            <ac:spMk id="6" creationId="{BF8D6D6A-32CE-5552-7019-C746800A03AD}"/>
+          </ac:spMkLst>
+        </pc:spChg>
+        <pc:spChg chg="add mod">
+          <ac:chgData name="李茗宇" userId="c3c76665-5d13-4c74-93a1-21f2499b5a75" providerId="ADAL" clId="{5CB07B92-942B-44A7-AB85-191B10554879}" dt="2024-12-27T04:03:22.646" v="930" actId="1076"/>
+          <ac:spMkLst>
+            <pc:docMk/>
+            <pc:sldMk cId="1294268311" sldId="297"/>
+            <ac:spMk id="13" creationId="{E919A987-A533-8E85-8386-881613AD4ED0}"/>
+          </ac:spMkLst>
+        </pc:spChg>
+        <pc:spChg chg="add mod">
+          <ac:chgData name="李茗宇" userId="c3c76665-5d13-4c74-93a1-21f2499b5a75" providerId="ADAL" clId="{5CB07B92-942B-44A7-AB85-191B10554879}" dt="2024-12-27T03:21:41.778" v="802" actId="1076"/>
+          <ac:spMkLst>
+            <pc:docMk/>
+            <pc:sldMk cId="1294268311" sldId="297"/>
+            <ac:spMk id="15" creationId="{58713552-BDA2-28BA-3196-D1489E3B4E2F}"/>
+          </ac:spMkLst>
+        </pc:spChg>
+        <pc:spChg chg="add del mod">
+          <ac:chgData name="李茗宇" userId="c3c76665-5d13-4c74-93a1-21f2499b5a75" providerId="ADAL" clId="{5CB07B92-942B-44A7-AB85-191B10554879}" dt="2024-12-27T04:02:57.702" v="926" actId="478"/>
+          <ac:spMkLst>
+            <pc:docMk/>
+            <pc:sldMk cId="1294268311" sldId="297"/>
+            <ac:spMk id="19" creationId="{95C5BA02-9A35-5385-1F4E-896444710F59}"/>
+          </ac:spMkLst>
+        </pc:spChg>
+        <pc:spChg chg="add mod">
+          <ac:chgData name="李茗宇" userId="c3c76665-5d13-4c74-93a1-21f2499b5a75" providerId="ADAL" clId="{5CB07B92-942B-44A7-AB85-191B10554879}" dt="2024-12-27T03:29:44.680" v="915" actId="1076"/>
+          <ac:spMkLst>
+            <pc:docMk/>
+            <pc:sldMk cId="1294268311" sldId="297"/>
+            <ac:spMk id="21" creationId="{72D34F03-1671-53D3-5FD9-10A412FD1E40}"/>
+          </ac:spMkLst>
+        </pc:spChg>
+        <pc:spChg chg="add del mod">
+          <ac:chgData name="李茗宇" userId="c3c76665-5d13-4c74-93a1-21f2499b5a75" providerId="ADAL" clId="{5CB07B92-942B-44A7-AB85-191B10554879}" dt="2024-12-27T03:31:03.998" v="920" actId="478"/>
+          <ac:spMkLst>
+            <pc:docMk/>
+            <pc:sldMk cId="1294268311" sldId="297"/>
+            <ac:spMk id="23" creationId="{0D4EF425-021B-AC31-961E-CAD677581EDE}"/>
+          </ac:spMkLst>
+        </pc:spChg>
+        <pc:picChg chg="add mod">
+          <ac:chgData name="李茗宇" userId="c3c76665-5d13-4c74-93a1-21f2499b5a75" providerId="ADAL" clId="{5CB07B92-942B-44A7-AB85-191B10554879}" dt="2024-12-27T02:33:00.088" v="760" actId="1076"/>
+          <ac:picMkLst>
+            <pc:docMk/>
+            <pc:sldMk cId="1294268311" sldId="297"/>
+            <ac:picMk id="5" creationId="{3B19EFF1-7019-03AD-EEFD-AE4A35671938}"/>
+          </ac:picMkLst>
+        </pc:picChg>
+        <pc:picChg chg="add mod">
+          <ac:chgData name="李茗宇" userId="c3c76665-5d13-4c74-93a1-21f2499b5a75" providerId="ADAL" clId="{5CB07B92-942B-44A7-AB85-191B10554879}" dt="2024-12-27T03:20:58.591" v="797" actId="1076"/>
+          <ac:picMkLst>
+            <pc:docMk/>
+            <pc:sldMk cId="1294268311" sldId="297"/>
+            <ac:picMk id="18" creationId="{7B714C0D-B5F1-6F87-7713-6B7127E92F97}"/>
+          </ac:picMkLst>
+        </pc:picChg>
+        <pc:picChg chg="add mod">
+          <ac:chgData name="李茗宇" userId="c3c76665-5d13-4c74-93a1-21f2499b5a75" providerId="ADAL" clId="{5CB07B92-942B-44A7-AB85-191B10554879}" dt="2024-12-27T04:02:43.938" v="924" actId="1076"/>
+          <ac:picMkLst>
+            <pc:docMk/>
+            <pc:sldMk cId="1294268311" sldId="297"/>
+            <ac:picMk id="33" creationId="{CB06071A-52A4-1141-BFB4-4A2BA5E8CBEC}"/>
+          </ac:picMkLst>
+        </pc:picChg>
+        <pc:cxnChg chg="add mod">
+          <ac:chgData name="李茗宇" userId="c3c76665-5d13-4c74-93a1-21f2499b5a75" providerId="ADAL" clId="{5CB07B92-942B-44A7-AB85-191B10554879}" dt="2024-12-27T03:21:16.257" v="798" actId="1076"/>
+          <ac:cxnSpMkLst>
+            <pc:docMk/>
+            <pc:sldMk cId="1294268311" sldId="297"/>
+            <ac:cxnSpMk id="8" creationId="{44403497-5576-5E0F-274B-16CE026787FA}"/>
+          </ac:cxnSpMkLst>
+        </pc:cxnChg>
+        <pc:cxnChg chg="add mod ord">
+          <ac:chgData name="李茗宇" userId="c3c76665-5d13-4c74-93a1-21f2499b5a75" providerId="ADAL" clId="{5CB07B92-942B-44A7-AB85-191B10554879}" dt="2024-12-27T04:03:27.442" v="931" actId="14100"/>
+          <ac:cxnSpMkLst>
+            <pc:docMk/>
+            <pc:sldMk cId="1294268311" sldId="297"/>
+            <ac:cxnSpMk id="14" creationId="{3325E4DE-81DD-281A-D899-265A6C88E211}"/>
+          </ac:cxnSpMkLst>
+        </pc:cxnChg>
+        <pc:cxnChg chg="add mod ord">
+          <ac:chgData name="李茗宇" userId="c3c76665-5d13-4c74-93a1-21f2499b5a75" providerId="ADAL" clId="{5CB07B92-942B-44A7-AB85-191B10554879}" dt="2024-12-27T03:21:48.429" v="803" actId="166"/>
+          <ac:cxnSpMkLst>
+            <pc:docMk/>
+            <pc:sldMk cId="1294268311" sldId="297"/>
+            <ac:cxnSpMk id="16" creationId="{162B9B6F-0D9C-D892-81A3-1FC33E293190}"/>
+          </ac:cxnSpMkLst>
+        </pc:cxnChg>
+        <pc:cxnChg chg="add del mod">
+          <ac:chgData name="李茗宇" userId="c3c76665-5d13-4c74-93a1-21f2499b5a75" providerId="ADAL" clId="{5CB07B92-942B-44A7-AB85-191B10554879}" dt="2024-12-27T04:02:56.185" v="925" actId="478"/>
+          <ac:cxnSpMkLst>
+            <pc:docMk/>
+            <pc:sldMk cId="1294268311" sldId="297"/>
+            <ac:cxnSpMk id="20" creationId="{903FBC90-C168-B027-B220-E8F137F6B256}"/>
+          </ac:cxnSpMkLst>
+        </pc:cxnChg>
+        <pc:cxnChg chg="add mod ord">
+          <ac:chgData name="李茗宇" userId="c3c76665-5d13-4c74-93a1-21f2499b5a75" providerId="ADAL" clId="{5CB07B92-942B-44A7-AB85-191B10554879}" dt="2024-12-27T03:30:51.554" v="919" actId="14100"/>
+          <ac:cxnSpMkLst>
+            <pc:docMk/>
+            <pc:sldMk cId="1294268311" sldId="297"/>
+            <ac:cxnSpMk id="22" creationId="{849BB260-7202-328D-1545-E7D7B25B21B8}"/>
+          </ac:cxnSpMkLst>
+        </pc:cxnChg>
+        <pc:cxnChg chg="add del mod">
+          <ac:chgData name="李茗宇" userId="c3c76665-5d13-4c74-93a1-21f2499b5a75" providerId="ADAL" clId="{5CB07B92-942B-44A7-AB85-191B10554879}" dt="2024-12-27T03:31:03.998" v="920" actId="478"/>
+          <ac:cxnSpMkLst>
+            <pc:docMk/>
+            <pc:sldMk cId="1294268311" sldId="297"/>
+            <ac:cxnSpMk id="24" creationId="{15457789-D4DE-1C9F-F760-B6461342741B}"/>
+          </ac:cxnSpMkLst>
+        </pc:cxnChg>
+        <pc:cxnChg chg="add mod">
+          <ac:chgData name="李茗宇" userId="c3c76665-5d13-4c74-93a1-21f2499b5a75" providerId="ADAL" clId="{5CB07B92-942B-44A7-AB85-191B10554879}" dt="2024-12-27T03:29:05.164" v="908" actId="1076"/>
+          <ac:cxnSpMkLst>
+            <pc:docMk/>
+            <pc:sldMk cId="1294268311" sldId="297"/>
+            <ac:cxnSpMk id="26" creationId="{58DE640A-0F98-0E7F-B084-D0EC9703D394}"/>
+          </ac:cxnSpMkLst>
+        </pc:cxnChg>
+        <pc:cxnChg chg="add mod">
+          <ac:chgData name="李茗宇" userId="c3c76665-5d13-4c74-93a1-21f2499b5a75" providerId="ADAL" clId="{5CB07B92-942B-44A7-AB85-191B10554879}" dt="2024-12-27T03:29:34.531" v="914" actId="13822"/>
+          <ac:cxnSpMkLst>
+            <pc:docMk/>
+            <pc:sldMk cId="1294268311" sldId="297"/>
+            <ac:cxnSpMk id="27" creationId="{0C916253-18F3-A30B-12B3-F399595F8266}"/>
+          </ac:cxnSpMkLst>
+        </pc:cxnChg>
+        <pc:cxnChg chg="add mod">
+          <ac:chgData name="李茗宇" userId="c3c76665-5d13-4c74-93a1-21f2499b5a75" providerId="ADAL" clId="{5CB07B92-942B-44A7-AB85-191B10554879}" dt="2024-12-27T03:29:29.727" v="913" actId="13822"/>
+          <ac:cxnSpMkLst>
+            <pc:docMk/>
+            <pc:sldMk cId="1294268311" sldId="297"/>
+            <ac:cxnSpMk id="28" creationId="{3DAE0165-AA77-D0BD-D4A3-ABB0C8B3FEA5}"/>
+          </ac:cxnSpMkLst>
+        </pc:cxnChg>
+      </pc:sldChg>
+      <pc:sldChg chg="del">
+        <pc:chgData name="李茗宇" userId="c3c76665-5d13-4c74-93a1-21f2499b5a75" providerId="ADAL" clId="{5CB07B92-942B-44A7-AB85-191B10554879}" dt="2024-12-27T02:30:17.435" v="711" actId="47"/>
+        <pc:sldMkLst>
+          <pc:docMk/>
+          <pc:sldMk cId="2285485523" sldId="298"/>
+        </pc:sldMkLst>
+      </pc:sldChg>
+      <pc:sldChg chg="addSp delSp modSp new mod">
+        <pc:chgData name="李茗宇" userId="c3c76665-5d13-4c74-93a1-21f2499b5a75" providerId="ADAL" clId="{5CB07B92-942B-44A7-AB85-191B10554879}" dt="2024-12-27T04:54:10.909" v="1019" actId="14100"/>
+        <pc:sldMkLst>
+          <pc:docMk/>
+          <pc:sldMk cId="3030518142" sldId="298"/>
+        </pc:sldMkLst>
+        <pc:spChg chg="mod">
+          <ac:chgData name="李茗宇" userId="c3c76665-5d13-4c74-93a1-21f2499b5a75" providerId="ADAL" clId="{5CB07B92-942B-44A7-AB85-191B10554879}" dt="2024-12-27T04:50:46.120" v="992" actId="1076"/>
+          <ac:spMkLst>
+            <pc:docMk/>
+            <pc:sldMk cId="3030518142" sldId="298"/>
+            <ac:spMk id="2" creationId="{BD169BA6-9A3F-B230-4705-CCF9EDF58B5C}"/>
+          </ac:spMkLst>
+        </pc:spChg>
+        <pc:spChg chg="add del">
+          <ac:chgData name="李茗宇" userId="c3c76665-5d13-4c74-93a1-21f2499b5a75" providerId="ADAL" clId="{5CB07B92-942B-44A7-AB85-191B10554879}" dt="2024-12-27T02:31:58.777" v="756" actId="478"/>
+          <ac:spMkLst>
+            <pc:docMk/>
+            <pc:sldMk cId="3030518142" sldId="298"/>
+            <ac:spMk id="3" creationId="{96C41C1D-EF0D-D17F-F49E-E9364751122A}"/>
+          </ac:spMkLst>
+        </pc:spChg>
+        <pc:spChg chg="add mod">
+          <ac:chgData name="李茗宇" userId="c3c76665-5d13-4c74-93a1-21f2499b5a75" providerId="ADAL" clId="{5CB07B92-942B-44A7-AB85-191B10554879}" dt="2024-12-27T02:49:44.403" v="782"/>
+          <ac:spMkLst>
+            <pc:docMk/>
+            <pc:sldMk cId="3030518142" sldId="298"/>
+            <ac:spMk id="4" creationId="{8AD32B47-7438-0899-FAF6-F280B3ACF72C}"/>
+          </ac:spMkLst>
+        </pc:spChg>
+        <pc:spChg chg="add mod">
+          <ac:chgData name="李茗宇" userId="c3c76665-5d13-4c74-93a1-21f2499b5a75" providerId="ADAL" clId="{5CB07B92-942B-44A7-AB85-191B10554879}" dt="2024-12-27T02:49:44.581" v="783"/>
+          <ac:spMkLst>
+            <pc:docMk/>
+            <pc:sldMk cId="3030518142" sldId="298"/>
+            <ac:spMk id="6" creationId="{6EF4C10C-1E79-4F85-D667-55914E5833B7}"/>
+          </ac:spMkLst>
+        </pc:spChg>
+        <pc:spChg chg="add mod">
+          <ac:chgData name="李茗宇" userId="c3c76665-5d13-4c74-93a1-21f2499b5a75" providerId="ADAL" clId="{5CB07B92-942B-44A7-AB85-191B10554879}" dt="2024-12-27T02:49:44.806" v="784"/>
+          <ac:spMkLst>
+            <pc:docMk/>
+            <pc:sldMk cId="3030518142" sldId="298"/>
+            <ac:spMk id="8" creationId="{D89179BB-45C6-CC4A-0AB3-EFB141D568E2}"/>
+          </ac:spMkLst>
+        </pc:spChg>
+        <pc:spChg chg="add mod">
+          <ac:chgData name="李茗宇" userId="c3c76665-5d13-4c74-93a1-21f2499b5a75" providerId="ADAL" clId="{5CB07B92-942B-44A7-AB85-191B10554879}" dt="2024-12-27T02:49:44.944" v="785"/>
+          <ac:spMkLst>
+            <pc:docMk/>
+            <pc:sldMk cId="3030518142" sldId="298"/>
+            <ac:spMk id="10" creationId="{4A686C9D-C805-4233-9E38-8404B24E1C17}"/>
+          </ac:spMkLst>
+        </pc:spChg>
+        <pc:spChg chg="add mod">
+          <ac:chgData name="李茗宇" userId="c3c76665-5d13-4c74-93a1-21f2499b5a75" providerId="ADAL" clId="{5CB07B92-942B-44A7-AB85-191B10554879}" dt="2024-12-27T02:49:45.077" v="786"/>
+          <ac:spMkLst>
+            <pc:docMk/>
+            <pc:sldMk cId="3030518142" sldId="298"/>
+            <ac:spMk id="12" creationId="{F362BBB9-493E-7062-D102-EB2898783D31}"/>
+          </ac:spMkLst>
+        </pc:spChg>
+        <pc:spChg chg="add mod">
+          <ac:chgData name="李茗宇" userId="c3c76665-5d13-4c74-93a1-21f2499b5a75" providerId="ADAL" clId="{5CB07B92-942B-44A7-AB85-191B10554879}" dt="2024-12-27T02:49:45.210" v="787"/>
+          <ac:spMkLst>
+            <pc:docMk/>
+            <pc:sldMk cId="3030518142" sldId="298"/>
+            <ac:spMk id="14" creationId="{070337EE-8516-7996-D63A-C76699A1BAC8}"/>
+          </ac:spMkLst>
+        </pc:spChg>
+        <pc:spChg chg="add mod">
+          <ac:chgData name="李茗宇" userId="c3c76665-5d13-4c74-93a1-21f2499b5a75" providerId="ADAL" clId="{5CB07B92-942B-44A7-AB85-191B10554879}" dt="2024-12-27T02:49:45.340" v="788"/>
+          <ac:spMkLst>
+            <pc:docMk/>
+            <pc:sldMk cId="3030518142" sldId="298"/>
+            <ac:spMk id="16" creationId="{9176C76D-5D94-DEB4-9C93-01837ECBEF97}"/>
+          </ac:spMkLst>
+        </pc:spChg>
+        <pc:spChg chg="add mod">
+          <ac:chgData name="李茗宇" userId="c3c76665-5d13-4c74-93a1-21f2499b5a75" providerId="ADAL" clId="{5CB07B92-942B-44A7-AB85-191B10554879}" dt="2024-12-27T04:53:49.368" v="1015" actId="1076"/>
+          <ac:spMkLst>
+            <pc:docMk/>
+            <pc:sldMk cId="3030518142" sldId="298"/>
+            <ac:spMk id="18" creationId="{1E936E48-8554-BB94-B28F-9A8551E13A02}"/>
+          </ac:spMkLst>
+        </pc:spChg>
+        <pc:spChg chg="add del mod">
+          <ac:chgData name="李茗宇" userId="c3c76665-5d13-4c74-93a1-21f2499b5a75" providerId="ADAL" clId="{5CB07B92-942B-44A7-AB85-191B10554879}" dt="2024-12-27T04:53:25.132" v="1006" actId="21"/>
+          <ac:spMkLst>
+            <pc:docMk/>
+            <pc:sldMk cId="3030518142" sldId="298"/>
+            <ac:spMk id="20" creationId="{343E62E9-3A0E-7930-71A5-2C085F854D60}"/>
+          </ac:spMkLst>
+        </pc:spChg>
+        <pc:spChg chg="add mod">
+          <ac:chgData name="李茗宇" userId="c3c76665-5d13-4c74-93a1-21f2499b5a75" providerId="ADAL" clId="{5CB07B92-942B-44A7-AB85-191B10554879}" dt="2024-12-27T04:07:06.703" v="951" actId="1076"/>
+          <ac:spMkLst>
+            <pc:docMk/>
+            <pc:sldMk cId="3030518142" sldId="298"/>
+            <ac:spMk id="22" creationId="{6A631DA4-D431-2487-D6DD-C04FD82EC51B}"/>
+          </ac:spMkLst>
+        </pc:spChg>
+        <pc:picChg chg="add mod">
+          <ac:chgData name="李茗宇" userId="c3c76665-5d13-4c74-93a1-21f2499b5a75" providerId="ADAL" clId="{5CB07B92-942B-44A7-AB85-191B10554879}" dt="2024-12-27T04:53:51.997" v="1016" actId="14100"/>
+          <ac:picMkLst>
+            <pc:docMk/>
+            <pc:sldMk cId="3030518142" sldId="298"/>
+            <ac:picMk id="25" creationId="{55194B8B-5DAF-0966-ED9F-A73E81E6CB37}"/>
+          </ac:picMkLst>
+        </pc:picChg>
+        <pc:picChg chg="add mod">
+          <ac:chgData name="李茗宇" userId="c3c76665-5d13-4c74-93a1-21f2499b5a75" providerId="ADAL" clId="{5CB07B92-942B-44A7-AB85-191B10554879}" dt="2024-12-27T04:53:33.336" v="1010" actId="1076"/>
+          <ac:picMkLst>
+            <pc:docMk/>
+            <pc:sldMk cId="3030518142" sldId="298"/>
+            <ac:picMk id="29" creationId="{77536E36-92DD-B01E-DE70-C1D1758A6E14}"/>
+          </ac:picMkLst>
+        </pc:picChg>
+        <pc:picChg chg="add del mod">
+          <ac:chgData name="李茗宇" userId="c3c76665-5d13-4c74-93a1-21f2499b5a75" providerId="ADAL" clId="{5CB07B92-942B-44A7-AB85-191B10554879}" dt="2024-12-27T04:52:49.150" v="993" actId="478"/>
+          <ac:picMkLst>
+            <pc:docMk/>
+            <pc:sldMk cId="3030518142" sldId="298"/>
+            <ac:picMk id="33" creationId="{CC8226F3-FB5D-8C51-9543-8D78B2BCDFB2}"/>
+          </ac:picMkLst>
+        </pc:picChg>
+        <pc:picChg chg="add del mod">
+          <ac:chgData name="李茗宇" userId="c3c76665-5d13-4c74-93a1-21f2499b5a75" providerId="ADAL" clId="{5CB07B92-942B-44A7-AB85-191B10554879}" dt="2024-12-27T04:53:00.954" v="998" actId="21"/>
+          <ac:picMkLst>
+            <pc:docMk/>
+            <pc:sldMk cId="3030518142" sldId="298"/>
+            <ac:picMk id="38" creationId="{A8DF70B4-5EC6-2F3B-1A7B-258EAB2480C0}"/>
+          </ac:picMkLst>
+        </pc:picChg>
+        <pc:cxnChg chg="add mod">
+          <ac:chgData name="李茗宇" userId="c3c76665-5d13-4c74-93a1-21f2499b5a75" providerId="ADAL" clId="{5CB07B92-942B-44A7-AB85-191B10554879}" dt="2024-12-27T02:49:44.403" v="782"/>
+          <ac:cxnSpMkLst>
+            <pc:docMk/>
+            <pc:sldMk cId="3030518142" sldId="298"/>
+            <ac:cxnSpMk id="5" creationId="{48513060-2E4C-1851-CB78-6FE71F78D23A}"/>
+          </ac:cxnSpMkLst>
+        </pc:cxnChg>
+        <pc:cxnChg chg="add mod">
+          <ac:chgData name="李茗宇" userId="c3c76665-5d13-4c74-93a1-21f2499b5a75" providerId="ADAL" clId="{5CB07B92-942B-44A7-AB85-191B10554879}" dt="2024-12-27T02:49:44.581" v="783"/>
+          <ac:cxnSpMkLst>
+            <pc:docMk/>
+            <pc:sldMk cId="3030518142" sldId="298"/>
+            <ac:cxnSpMk id="7" creationId="{602728DA-DD12-7CF9-A085-88DD89882B33}"/>
+          </ac:cxnSpMkLst>
+        </pc:cxnChg>
+        <pc:cxnChg chg="add mod">
+          <ac:chgData name="李茗宇" userId="c3c76665-5d13-4c74-93a1-21f2499b5a75" providerId="ADAL" clId="{5CB07B92-942B-44A7-AB85-191B10554879}" dt="2024-12-27T02:49:44.806" v="784"/>
+          <ac:cxnSpMkLst>
+            <pc:docMk/>
+            <pc:sldMk cId="3030518142" sldId="298"/>
+            <ac:cxnSpMk id="9" creationId="{9E0C72D1-7E80-8427-8566-2A458079CDC0}"/>
+          </ac:cxnSpMkLst>
+        </pc:cxnChg>
+        <pc:cxnChg chg="add mod">
+          <ac:chgData name="李茗宇" userId="c3c76665-5d13-4c74-93a1-21f2499b5a75" providerId="ADAL" clId="{5CB07B92-942B-44A7-AB85-191B10554879}" dt="2024-12-27T02:49:44.944" v="785"/>
+          <ac:cxnSpMkLst>
+            <pc:docMk/>
+            <pc:sldMk cId="3030518142" sldId="298"/>
+            <ac:cxnSpMk id="11" creationId="{8CA5B76B-FB7D-3E69-3BE2-792F820718AD}"/>
+          </ac:cxnSpMkLst>
+        </pc:cxnChg>
+        <pc:cxnChg chg="add mod">
+          <ac:chgData name="李茗宇" userId="c3c76665-5d13-4c74-93a1-21f2499b5a75" providerId="ADAL" clId="{5CB07B92-942B-44A7-AB85-191B10554879}" dt="2024-12-27T02:49:45.077" v="786"/>
+          <ac:cxnSpMkLst>
+            <pc:docMk/>
+            <pc:sldMk cId="3030518142" sldId="298"/>
+            <ac:cxnSpMk id="13" creationId="{29A7B0C1-73B8-BE55-1285-B46530BCE2A6}"/>
+          </ac:cxnSpMkLst>
+        </pc:cxnChg>
+        <pc:cxnChg chg="add mod">
+          <ac:chgData name="李茗宇" userId="c3c76665-5d13-4c74-93a1-21f2499b5a75" providerId="ADAL" clId="{5CB07B92-942B-44A7-AB85-191B10554879}" dt="2024-12-27T02:49:45.210" v="787"/>
+          <ac:cxnSpMkLst>
+            <pc:docMk/>
+            <pc:sldMk cId="3030518142" sldId="298"/>
+            <ac:cxnSpMk id="15" creationId="{49315D92-95F2-6EE3-B5AA-479489355F95}"/>
+          </ac:cxnSpMkLst>
+        </pc:cxnChg>
+        <pc:cxnChg chg="add mod">
+          <ac:chgData name="李茗宇" userId="c3c76665-5d13-4c74-93a1-21f2499b5a75" providerId="ADAL" clId="{5CB07B92-942B-44A7-AB85-191B10554879}" dt="2024-12-27T02:49:45.340" v="788"/>
+          <ac:cxnSpMkLst>
+            <pc:docMk/>
+            <pc:sldMk cId="3030518142" sldId="298"/>
+            <ac:cxnSpMk id="17" creationId="{9B55ED35-5E89-60AE-5AD0-83CFDE846307}"/>
+          </ac:cxnSpMkLst>
+        </pc:cxnChg>
+        <pc:cxnChg chg="add del mod ord">
+          <ac:chgData name="李茗宇" userId="c3c76665-5d13-4c74-93a1-21f2499b5a75" providerId="ADAL" clId="{5CB07B92-942B-44A7-AB85-191B10554879}" dt="2024-12-27T04:53:25.132" v="1006" actId="21"/>
+          <ac:cxnSpMkLst>
+            <pc:docMk/>
+            <pc:sldMk cId="3030518142" sldId="298"/>
+            <ac:cxnSpMk id="19" creationId="{AAEB7045-59EC-4E98-E04B-9EB4456CE9D8}"/>
+          </ac:cxnSpMkLst>
+        </pc:cxnChg>
+        <pc:cxnChg chg="add mod ord">
+          <ac:chgData name="李茗宇" userId="c3c76665-5d13-4c74-93a1-21f2499b5a75" providerId="ADAL" clId="{5CB07B92-942B-44A7-AB85-191B10554879}" dt="2024-12-27T04:54:02.055" v="1017" actId="1076"/>
+          <ac:cxnSpMkLst>
+            <pc:docMk/>
+            <pc:sldMk cId="3030518142" sldId="298"/>
+            <ac:cxnSpMk id="21" creationId="{1A0562C8-71F2-1D98-4150-497083572719}"/>
+          </ac:cxnSpMkLst>
+        </pc:cxnChg>
+        <pc:cxnChg chg="add mod ord">
+          <ac:chgData name="李茗宇" userId="c3c76665-5d13-4c74-93a1-21f2499b5a75" providerId="ADAL" clId="{5CB07B92-942B-44A7-AB85-191B10554879}" dt="2024-12-27T04:54:10.909" v="1019" actId="14100"/>
+          <ac:cxnSpMkLst>
+            <pc:docMk/>
+            <pc:sldMk cId="3030518142" sldId="298"/>
+            <ac:cxnSpMk id="23" creationId="{4DB3995F-FD1A-830E-C4E0-86D7BDABFAE8}"/>
+          </ac:cxnSpMkLst>
+        </pc:cxnChg>
+      </pc:sldChg>
+      <pc:sldChg chg="addSp delSp modSp new mod">
+        <pc:chgData name="李茗宇" userId="c3c76665-5d13-4c74-93a1-21f2499b5a75" providerId="ADAL" clId="{5CB07B92-942B-44A7-AB85-191B10554879}" dt="2024-12-27T04:57:48.730" v="1048" actId="20577"/>
+        <pc:sldMkLst>
+          <pc:docMk/>
+          <pc:sldMk cId="1462045795" sldId="299"/>
+        </pc:sldMkLst>
+        <pc:spChg chg="del">
+          <ac:chgData name="李茗宇" userId="c3c76665-5d13-4c74-93a1-21f2499b5a75" providerId="ADAL" clId="{5CB07B92-942B-44A7-AB85-191B10554879}" dt="2024-12-27T04:53:17.842" v="1003" actId="478"/>
+          <ac:spMkLst>
+            <pc:docMk/>
+            <pc:sldMk cId="1462045795" sldId="299"/>
+            <ac:spMk id="2" creationId="{0785F809-441B-ACC4-29BC-7A2741924B43}"/>
+          </ac:spMkLst>
+        </pc:spChg>
+        <pc:spChg chg="del">
+          <ac:chgData name="李茗宇" userId="c3c76665-5d13-4c74-93a1-21f2499b5a75" providerId="ADAL" clId="{5CB07B92-942B-44A7-AB85-191B10554879}" dt="2024-12-27T04:53:18.796" v="1004" actId="478"/>
+          <ac:spMkLst>
+            <pc:docMk/>
+            <pc:sldMk cId="1462045795" sldId="299"/>
+            <ac:spMk id="3" creationId="{59A3DB00-20CB-DE04-E0EA-F2DF6867F9CA}"/>
+          </ac:spMkLst>
+        </pc:spChg>
+        <pc:spChg chg="add mod">
+          <ac:chgData name="李茗宇" userId="c3c76665-5d13-4c74-93a1-21f2499b5a75" providerId="ADAL" clId="{5CB07B92-942B-44A7-AB85-191B10554879}" dt="2024-12-27T04:57:48.730" v="1048" actId="20577"/>
+          <ac:spMkLst>
+            <pc:docMk/>
+            <pc:sldMk cId="1462045795" sldId="299"/>
+            <ac:spMk id="4" creationId="{D6E18070-444A-4154-12C2-CFD6B8E18892}"/>
+          </ac:spMkLst>
+        </pc:spChg>
+        <pc:spChg chg="add mod">
+          <ac:chgData name="李茗宇" userId="c3c76665-5d13-4c74-93a1-21f2499b5a75" providerId="ADAL" clId="{5CB07B92-942B-44A7-AB85-191B10554879}" dt="2024-12-27T04:54:35.281" v="1024" actId="1076"/>
+          <ac:spMkLst>
+            <pc:docMk/>
+            <pc:sldMk cId="1462045795" sldId="299"/>
+            <ac:spMk id="20" creationId="{343E62E9-3A0E-7930-71A5-2C085F854D60}"/>
+          </ac:spMkLst>
+        </pc:spChg>
+        <pc:picChg chg="add mod">
+          <ac:chgData name="李茗宇" userId="c3c76665-5d13-4c74-93a1-21f2499b5a75" providerId="ADAL" clId="{5CB07B92-942B-44A7-AB85-191B10554879}" dt="2024-12-27T04:54:15.262" v="1021" actId="1076"/>
+          <ac:picMkLst>
+            <pc:docMk/>
+            <pc:sldMk cId="1462045795" sldId="299"/>
+            <ac:picMk id="38" creationId="{A8DF70B4-5EC6-2F3B-1A7B-258EAB2480C0}"/>
+          </ac:picMkLst>
+        </pc:picChg>
+        <pc:cxnChg chg="add mod">
+          <ac:chgData name="李茗宇" userId="c3c76665-5d13-4c74-93a1-21f2499b5a75" providerId="ADAL" clId="{5CB07B92-942B-44A7-AB85-191B10554879}" dt="2024-12-27T04:57:15.129" v="1043" actId="14100"/>
+          <ac:cxnSpMkLst>
+            <pc:docMk/>
+            <pc:sldMk cId="1462045795" sldId="299"/>
+            <ac:cxnSpMk id="5" creationId="{75FC8F55-A1AE-82DA-FA0D-7D8207A447B1}"/>
+          </ac:cxnSpMkLst>
+        </pc:cxnChg>
+        <pc:cxnChg chg="add mod">
+          <ac:chgData name="李茗宇" userId="c3c76665-5d13-4c74-93a1-21f2499b5a75" providerId="ADAL" clId="{5CB07B92-942B-44A7-AB85-191B10554879}" dt="2024-12-27T04:56:23.252" v="1036" actId="13822"/>
+          <ac:cxnSpMkLst>
+            <pc:docMk/>
+            <pc:sldMk cId="1462045795" sldId="299"/>
+            <ac:cxnSpMk id="7" creationId="{DC757F14-9A61-F468-26E1-325A64A1C601}"/>
+          </ac:cxnSpMkLst>
+        </pc:cxnChg>
+        <pc:cxnChg chg="add mod">
+          <ac:chgData name="李茗宇" userId="c3c76665-5d13-4c74-93a1-21f2499b5a75" providerId="ADAL" clId="{5CB07B92-942B-44A7-AB85-191B10554879}" dt="2024-12-27T04:56:57.572" v="1041" actId="208"/>
+          <ac:cxnSpMkLst>
+            <pc:docMk/>
+            <pc:sldMk cId="1462045795" sldId="299"/>
+            <ac:cxnSpMk id="11" creationId="{146C4F15-0B78-C86D-CC5F-C724BF073F22}"/>
+          </ac:cxnSpMkLst>
+        </pc:cxnChg>
+        <pc:cxnChg chg="add mod">
+          <ac:chgData name="李茗宇" userId="c3c76665-5d13-4c74-93a1-21f2499b5a75" providerId="ADAL" clId="{5CB07B92-942B-44A7-AB85-191B10554879}" dt="2024-12-27T04:57:09.754" v="1042" actId="208"/>
+          <ac:cxnSpMkLst>
+            <pc:docMk/>
+            <pc:sldMk cId="1462045795" sldId="299"/>
+            <ac:cxnSpMk id="12" creationId="{86B5DBD7-05CC-8B55-59FB-992A572C1A86}"/>
+          </ac:cxnSpMkLst>
+        </pc:cxnChg>
+        <pc:cxnChg chg="add mod">
+          <ac:chgData name="李茗宇" userId="c3c76665-5d13-4c74-93a1-21f2499b5a75" providerId="ADAL" clId="{5CB07B92-942B-44A7-AB85-191B10554879}" dt="2024-12-27T04:54:18.893" v="1022" actId="1076"/>
+          <ac:cxnSpMkLst>
+            <pc:docMk/>
+            <pc:sldMk cId="1462045795" sldId="299"/>
+            <ac:cxnSpMk id="19" creationId="{AAEB7045-59EC-4E98-E04B-9EB4456CE9D8}"/>
+          </ac:cxnSpMkLst>
+        </pc:cxnChg>
+      </pc:sldChg>
     </pc:docChg>
   </pc:docChgLst>
 </pc:chgInfo>
+</file>
+
+<file path=ppt/ink/ink1.xml><?xml version="1.0" encoding="utf-8"?>
+<inkml:ink xmlns:inkml="http://www.w3.org/2003/InkML">
+  <inkml:definitions>
+    <inkml:context xml:id="ctx0">
+      <inkml:inkSource xml:id="inkSrc0">
+        <inkml:traceFormat>
+          <inkml:channel name="X" type="integer" min="-2.14748E9" max="2.14748E9" units="cm"/>
+          <inkml:channel name="Y" type="integer" min="-2.14748E9" max="2.14748E9" units="cm"/>
+          <inkml:channel name="F" type="integer" max="32767" units="dev"/>
+        </inkml:traceFormat>
+        <inkml:channelProperties>
+          <inkml:channelProperty channel="X" name="resolution" value="1000" units="1/cm"/>
+          <inkml:channelProperty channel="Y" name="resolution" value="1000" units="1/cm"/>
+          <inkml:channelProperty channel="F" name="resolution" value="0" units="1/dev"/>
+        </inkml:channelProperties>
+      </inkml:inkSource>
+      <inkml:timestamp xml:id="ts0" timeString="2024-11-15T02:56:53.242"/>
+    </inkml:context>
+    <inkml:brush xml:id="br0">
+      <inkml:brushProperty name="width" value="0.1" units="cm"/>
+      <inkml:brushProperty name="height" value="0.1" units="cm"/>
+      <inkml:brushProperty name="color" value="#AE198D"/>
+      <inkml:brushProperty name="inkEffects" value="galaxy"/>
+      <inkml:brushProperty name="anchorX" value="0"/>
+      <inkml:brushProperty name="anchorY" value="0"/>
+      <inkml:brushProperty name="scaleFactor" value="0.5"/>
+    </inkml:brush>
+  </inkml:definitions>
+  <inkml:trace contextRef="#ctx0" brushRef="#br0">0 0 24575,'0'0'0</inkml:trace>
+</inkml:ink>
+</file>
+
+<file path=ppt/notesMasters/notesMaster1.xml><?xml version="1.0" encoding="utf-8"?>
+<p:notesMaster xmlns:a="http://schemas.openxmlformats.org/drawingml/2006/main" xmlns:r="http://schemas.openxmlformats.org/officeDocument/2006/relationships" xmlns:p="http://schemas.openxmlformats.org/presentationml/2006/main">
+  <p:cSld>
+    <p:bg>
+      <p:bgRef idx="1001">
+        <a:schemeClr val="bg1"/>
+      </p:bgRef>
+    </p:bg>
+    <p:spTree>
+      <p:nvGrpSpPr>
+        <p:cNvPr id="1" name=""/>
+        <p:cNvGrpSpPr/>
+        <p:nvPr/>
+      </p:nvGrpSpPr>
+      <p:grpSpPr>
+        <a:xfrm>
+          <a:off x="0" y="0"/>
+          <a:ext cx="0" cy="0"/>
+          <a:chOff x="0" y="0"/>
+          <a:chExt cx="0" cy="0"/>
+        </a:xfrm>
+      </p:grpSpPr>
+      <p:sp>
+        <p:nvSpPr>
+          <p:cNvPr id="2" name="頁首版面配置區 1"/>
+          <p:cNvSpPr>
+            <a:spLocks noGrp="1"/>
+          </p:cNvSpPr>
+          <p:nvPr>
+            <p:ph type="hdr" sz="quarter"/>
+          </p:nvPr>
+        </p:nvSpPr>
+        <p:spPr>
+          <a:xfrm>
+            <a:off x="0" y="0"/>
+            <a:ext cx="2971800" cy="458788"/>
+          </a:xfrm>
+          <a:prstGeom prst="rect">
+            <a:avLst/>
+          </a:prstGeom>
+        </p:spPr>
+        <p:txBody>
+          <a:bodyPr vert="horz" lIns="91440" tIns="45720" rIns="91440" bIns="45720" rtlCol="0"/>
+          <a:lstStyle>
+            <a:lvl1pPr algn="l">
+              <a:defRPr sz="1200"/>
+            </a:lvl1pPr>
+          </a:lstStyle>
+          <a:p>
+            <a:endParaRPr lang="zh-TW" altLang="en-US"/>
+          </a:p>
+        </p:txBody>
+      </p:sp>
+      <p:sp>
+        <p:nvSpPr>
+          <p:cNvPr id="3" name="日期版面配置區 2"/>
+          <p:cNvSpPr>
+            <a:spLocks noGrp="1"/>
+          </p:cNvSpPr>
+          <p:nvPr>
+            <p:ph type="dt" idx="1"/>
+          </p:nvPr>
+        </p:nvSpPr>
+        <p:spPr>
+          <a:xfrm>
+            <a:off x="3884613" y="0"/>
+            <a:ext cx="2971800" cy="458788"/>
+          </a:xfrm>
+          <a:prstGeom prst="rect">
+            <a:avLst/>
+          </a:prstGeom>
+        </p:spPr>
+        <p:txBody>
+          <a:bodyPr vert="horz" lIns="91440" tIns="45720" rIns="91440" bIns="45720" rtlCol="0"/>
+          <a:lstStyle>
+            <a:lvl1pPr algn="r">
+              <a:defRPr sz="1200"/>
+            </a:lvl1pPr>
+          </a:lstStyle>
+          <a:p>
+            <a:fld id="{55848FDB-258E-448D-83B7-39FE255F9AEE}" type="datetimeFigureOut">
+              <a:rPr lang="zh-TW" altLang="en-US" smtClean="0"/>
+              <a:t>2024/12/27</a:t>
+            </a:fld>
+            <a:endParaRPr lang="zh-TW" altLang="en-US"/>
+          </a:p>
+        </p:txBody>
+      </p:sp>
+      <p:sp>
+        <p:nvSpPr>
+          <p:cNvPr id="4" name="投影片影像版面配置區 3"/>
+          <p:cNvSpPr>
+            <a:spLocks noGrp="1" noRot="1" noChangeAspect="1"/>
+          </p:cNvSpPr>
+          <p:nvPr>
+            <p:ph type="sldImg" idx="2"/>
+          </p:nvPr>
+        </p:nvSpPr>
+        <p:spPr>
+          <a:xfrm>
+            <a:off x="685800" y="1143000"/>
+            <a:ext cx="5486400" cy="3086100"/>
+          </a:xfrm>
+          <a:prstGeom prst="rect">
+            <a:avLst/>
+          </a:prstGeom>
+          <a:noFill/>
+          <a:ln w="12700">
+            <a:solidFill>
+              <a:prstClr val="black"/>
+            </a:solidFill>
+          </a:ln>
+        </p:spPr>
+        <p:txBody>
+          <a:bodyPr vert="horz" lIns="91440" tIns="45720" rIns="91440" bIns="45720" rtlCol="0" anchor="ctr"/>
+          <a:lstStyle/>
+          <a:p>
+            <a:endParaRPr lang="zh-TW" altLang="en-US"/>
+          </a:p>
+        </p:txBody>
+      </p:sp>
+      <p:sp>
+        <p:nvSpPr>
+          <p:cNvPr id="5" name="備忘稿版面配置區 4"/>
+          <p:cNvSpPr>
+            <a:spLocks noGrp="1"/>
+          </p:cNvSpPr>
+          <p:nvPr>
+            <p:ph type="body" sz="quarter" idx="3"/>
+          </p:nvPr>
+        </p:nvSpPr>
+        <p:spPr>
+          <a:xfrm>
+            <a:off x="685800" y="4400550"/>
+            <a:ext cx="5486400" cy="3600450"/>
+          </a:xfrm>
+          <a:prstGeom prst="rect">
+            <a:avLst/>
+          </a:prstGeom>
+        </p:spPr>
+        <p:txBody>
+          <a:bodyPr vert="horz" lIns="91440" tIns="45720" rIns="91440" bIns="45720" rtlCol="0"/>
+          <a:lstStyle/>
+          <a:p>
+            <a:pPr lvl="0"/>
+            <a:r>
+              <a:rPr lang="zh-TW" altLang="en-US"/>
+              <a:t>按一下以編輯母片文字樣式</a:t>
+            </a:r>
+          </a:p>
+          <a:p>
+            <a:pPr lvl="1"/>
+            <a:r>
+              <a:rPr lang="zh-TW" altLang="en-US"/>
+              <a:t>第二層</a:t>
+            </a:r>
+          </a:p>
+          <a:p>
+            <a:pPr lvl="2"/>
+            <a:r>
+              <a:rPr lang="zh-TW" altLang="en-US"/>
+              <a:t>第三層</a:t>
+            </a:r>
+          </a:p>
+          <a:p>
+            <a:pPr lvl="3"/>
+            <a:r>
+              <a:rPr lang="zh-TW" altLang="en-US"/>
+              <a:t>第四層</a:t>
+            </a:r>
+          </a:p>
+          <a:p>
+            <a:pPr lvl="4"/>
+            <a:r>
+              <a:rPr lang="zh-TW" altLang="en-US"/>
+              <a:t>第五層</a:t>
+            </a:r>
+          </a:p>
+        </p:txBody>
+      </p:sp>
+      <p:sp>
+        <p:nvSpPr>
+          <p:cNvPr id="6" name="頁尾版面配置區 5"/>
+          <p:cNvSpPr>
+            <a:spLocks noGrp="1"/>
+          </p:cNvSpPr>
+          <p:nvPr>
+            <p:ph type="ftr" sz="quarter" idx="4"/>
+          </p:nvPr>
+        </p:nvSpPr>
+        <p:spPr>
+          <a:xfrm>
+            <a:off x="0" y="8685213"/>
+            <a:ext cx="2971800" cy="458787"/>
+          </a:xfrm>
+          <a:prstGeom prst="rect">
+            <a:avLst/>
+          </a:prstGeom>
+        </p:spPr>
+        <p:txBody>
+          <a:bodyPr vert="horz" lIns="91440" tIns="45720" rIns="91440" bIns="45720" rtlCol="0" anchor="b"/>
+          <a:lstStyle>
+            <a:lvl1pPr algn="l">
+              <a:defRPr sz="1200"/>
+            </a:lvl1pPr>
+          </a:lstStyle>
+          <a:p>
+            <a:endParaRPr lang="zh-TW" altLang="en-US"/>
+          </a:p>
+        </p:txBody>
+      </p:sp>
+      <p:sp>
+        <p:nvSpPr>
+          <p:cNvPr id="7" name="投影片編號版面配置區 6"/>
+          <p:cNvSpPr>
+            <a:spLocks noGrp="1"/>
+          </p:cNvSpPr>
+          <p:nvPr>
+            <p:ph type="sldNum" sz="quarter" idx="5"/>
+          </p:nvPr>
+        </p:nvSpPr>
+        <p:spPr>
+          <a:xfrm>
+            <a:off x="3884613" y="8685213"/>
+            <a:ext cx="2971800" cy="458787"/>
+          </a:xfrm>
+          <a:prstGeom prst="rect">
+            <a:avLst/>
+          </a:prstGeom>
+        </p:spPr>
+        <p:txBody>
+          <a:bodyPr vert="horz" lIns="91440" tIns="45720" rIns="91440" bIns="45720" rtlCol="0" anchor="b"/>
+          <a:lstStyle>
+            <a:lvl1pPr algn="r">
+              <a:defRPr sz="1200"/>
+            </a:lvl1pPr>
+          </a:lstStyle>
+          <a:p>
+            <a:fld id="{ABB9FD53-1D93-49D7-9D02-E18AB96B6F29}" type="slidenum">
+              <a:rPr lang="zh-TW" altLang="en-US" smtClean="0"/>
+              <a:t>‹#›</a:t>
+            </a:fld>
+            <a:endParaRPr lang="zh-TW" altLang="en-US"/>
+          </a:p>
+        </p:txBody>
+      </p:sp>
+    </p:spTree>
+    <p:extLst>
+      <p:ext uri="{BB962C8B-B14F-4D97-AF65-F5344CB8AC3E}">
+        <p14:creationId xmlns:p14="http://schemas.microsoft.com/office/powerpoint/2010/main" val="2461697048"/>
+      </p:ext>
+    </p:extLst>
+  </p:cSld>
+  <p:clrMap bg1="lt1" tx1="dk1" bg2="lt2" tx2="dk2" accent1="accent1" accent2="accent2" accent3="accent3" accent4="accent4" accent5="accent5" accent6="accent6" hlink="hlink" folHlink="folHlink"/>
+  <p:notesStyle>
+    <a:lvl1pPr marL="0" algn="l" defTabSz="914400" rtl="0" eaLnBrk="1" latinLnBrk="0" hangingPunct="1">
+      <a:defRPr sz="1200" kern="1200">
+        <a:solidFill>
+          <a:schemeClr val="tx1"/>
+        </a:solidFill>
+        <a:latin typeface="+mn-lt"/>
+        <a:ea typeface="+mn-ea"/>
+        <a:cs typeface="+mn-cs"/>
+      </a:defRPr>
+    </a:lvl1pPr>
+    <a:lvl2pPr marL="457200" algn="l" defTabSz="914400" rtl="0" eaLnBrk="1" latinLnBrk="0" hangingPunct="1">
+      <a:defRPr sz="1200" kern="1200">
+        <a:solidFill>
+          <a:schemeClr val="tx1"/>
+        </a:solidFill>
+        <a:latin typeface="+mn-lt"/>
+        <a:ea typeface="+mn-ea"/>
+        <a:cs typeface="+mn-cs"/>
+      </a:defRPr>
+    </a:lvl2pPr>
+    <a:lvl3pPr marL="914400" algn="l" defTabSz="914400" rtl="0" eaLnBrk="1" latinLnBrk="0" hangingPunct="1">
+      <a:defRPr sz="1200" kern="1200">
+        <a:solidFill>
+          <a:schemeClr val="tx1"/>
+        </a:solidFill>
+        <a:latin typeface="+mn-lt"/>
+        <a:ea typeface="+mn-ea"/>
+        <a:cs typeface="+mn-cs"/>
+      </a:defRPr>
+    </a:lvl3pPr>
+    <a:lvl4pPr marL="1371600" algn="l" defTabSz="914400" rtl="0" eaLnBrk="1" latinLnBrk="0" hangingPunct="1">
+      <a:defRPr sz="1200" kern="1200">
+        <a:solidFill>
+          <a:schemeClr val="tx1"/>
+        </a:solidFill>
+        <a:latin typeface="+mn-lt"/>
+        <a:ea typeface="+mn-ea"/>
+        <a:cs typeface="+mn-cs"/>
+      </a:defRPr>
+    </a:lvl4pPr>
+    <a:lvl5pPr marL="1828800" algn="l" defTabSz="914400" rtl="0" eaLnBrk="1" latinLnBrk="0" hangingPunct="1">
+      <a:defRPr sz="1200" kern="1200">
+        <a:solidFill>
+          <a:schemeClr val="tx1"/>
+        </a:solidFill>
+        <a:latin typeface="+mn-lt"/>
+        <a:ea typeface="+mn-ea"/>
+        <a:cs typeface="+mn-cs"/>
+      </a:defRPr>
+    </a:lvl5pPr>
+    <a:lvl6pPr marL="2286000" algn="l" defTabSz="914400" rtl="0" eaLnBrk="1" latinLnBrk="0" hangingPunct="1">
+      <a:defRPr sz="1200" kern="1200">
+        <a:solidFill>
+          <a:schemeClr val="tx1"/>
+        </a:solidFill>
+        <a:latin typeface="+mn-lt"/>
+        <a:ea typeface="+mn-ea"/>
+        <a:cs typeface="+mn-cs"/>
+      </a:defRPr>
+    </a:lvl6pPr>
+    <a:lvl7pPr marL="2743200" algn="l" defTabSz="914400" rtl="0" eaLnBrk="1" latinLnBrk="0" hangingPunct="1">
+      <a:defRPr sz="1200" kern="1200">
+        <a:solidFill>
+          <a:schemeClr val="tx1"/>
+        </a:solidFill>
+        <a:latin typeface="+mn-lt"/>
+        <a:ea typeface="+mn-ea"/>
+        <a:cs typeface="+mn-cs"/>
+      </a:defRPr>
+    </a:lvl7pPr>
+    <a:lvl8pPr marL="3200400" algn="l" defTabSz="914400" rtl="0" eaLnBrk="1" latinLnBrk="0" hangingPunct="1">
+      <a:defRPr sz="1200" kern="1200">
+        <a:solidFill>
+          <a:schemeClr val="tx1"/>
+        </a:solidFill>
+        <a:latin typeface="+mn-lt"/>
+        <a:ea typeface="+mn-ea"/>
+        <a:cs typeface="+mn-cs"/>
+      </a:defRPr>
+    </a:lvl8pPr>
+    <a:lvl9pPr marL="3657600" algn="l" defTabSz="914400" rtl="0" eaLnBrk="1" latinLnBrk="0" hangingPunct="1">
+      <a:defRPr sz="1200" kern="1200">
+        <a:solidFill>
+          <a:schemeClr val="tx1"/>
+        </a:solidFill>
+        <a:latin typeface="+mn-lt"/>
+        <a:ea typeface="+mn-ea"/>
+        <a:cs typeface="+mn-cs"/>
+      </a:defRPr>
+    </a:lvl9pPr>
+  </p:notesStyle>
+</p:notesMaster>
+</file>
+
+<file path=ppt/notesSlides/notesSlide1.xml><?xml version="1.0" encoding="utf-8"?>
+<p:notes xmlns:a="http://schemas.openxmlformats.org/drawingml/2006/main" xmlns:r="http://schemas.openxmlformats.org/officeDocument/2006/relationships" xmlns:p="http://schemas.openxmlformats.org/presentationml/2006/main">
+  <p:cSld>
+    <p:spTree>
+      <p:nvGrpSpPr>
+        <p:cNvPr id="1" name=""/>
+        <p:cNvGrpSpPr/>
+        <p:nvPr/>
+      </p:nvGrpSpPr>
+      <p:grpSpPr>
+        <a:xfrm>
+          <a:off x="0" y="0"/>
+          <a:ext cx="0" cy="0"/>
+          <a:chOff x="0" y="0"/>
+          <a:chExt cx="0" cy="0"/>
+        </a:xfrm>
+      </p:grpSpPr>
+      <p:sp>
+        <p:nvSpPr>
+          <p:cNvPr id="2" name="投影片影像版面配置區 1"/>
+          <p:cNvSpPr>
+            <a:spLocks noGrp="1" noRot="1" noChangeAspect="1"/>
+          </p:cNvSpPr>
+          <p:nvPr>
+            <p:ph type="sldImg"/>
+          </p:nvPr>
+        </p:nvSpPr>
+        <p:spPr/>
+      </p:sp>
+      <p:sp>
+        <p:nvSpPr>
+          <p:cNvPr id="3" name="備忘稿版面配置區 2"/>
+          <p:cNvSpPr>
+            <a:spLocks noGrp="1"/>
+          </p:cNvSpPr>
+          <p:nvPr>
+            <p:ph type="body" idx="1"/>
+          </p:nvPr>
+        </p:nvSpPr>
+        <p:spPr/>
+        <p:txBody>
+          <a:bodyPr/>
+          <a:lstStyle/>
+          <a:p>
+            <a:endParaRPr lang="zh-TW" altLang="en-US" dirty="0"/>
+          </a:p>
+        </p:txBody>
+      </p:sp>
+      <p:sp>
+        <p:nvSpPr>
+          <p:cNvPr id="4" name="投影片編號版面配置區 3"/>
+          <p:cNvSpPr>
+            <a:spLocks noGrp="1"/>
+          </p:cNvSpPr>
+          <p:nvPr>
+            <p:ph type="sldNum" sz="quarter" idx="5"/>
+          </p:nvPr>
+        </p:nvSpPr>
+        <p:spPr/>
+        <p:txBody>
+          <a:bodyPr/>
+          <a:lstStyle/>
+          <a:p>
+            <a:fld id="{ABB9FD53-1D93-49D7-9D02-E18AB96B6F29}" type="slidenum">
+              <a:rPr lang="zh-TW" altLang="en-US" smtClean="0"/>
+              <a:t>9</a:t>
+            </a:fld>
+            <a:endParaRPr lang="zh-TW" altLang="en-US"/>
+          </a:p>
+        </p:txBody>
+      </p:sp>
+    </p:spTree>
+    <p:extLst>
+      <p:ext uri="{BB962C8B-B14F-4D97-AF65-F5344CB8AC3E}">
+        <p14:creationId xmlns:p14="http://schemas.microsoft.com/office/powerpoint/2010/main" val="1578270871"/>
+      </p:ext>
+    </p:extLst>
+  </p:cSld>
+  <p:clrMapOvr>
+    <a:masterClrMapping/>
+  </p:clrMapOvr>
+</p:notes>
 </file>
 
 <file path=ppt/slideLayouts/slideLayout1.xml><?xml version="1.0" encoding="utf-8"?>
@@ -665,7 +1765,7 @@
           <a:p>
             <a:fld id="{A2018E80-AD54-417D-BE97-1ECCED9A01C3}" type="datetimeFigureOut">
               <a:rPr lang="zh-TW" altLang="en-US" smtClean="0"/>
-              <a:t>2024/10/4</a:t>
+              <a:t>2024/12/27</a:t>
             </a:fld>
             <a:endParaRPr lang="zh-TW" altLang="en-US"/>
           </a:p>
@@ -863,7 +1963,7 @@
           <a:p>
             <a:fld id="{A2018E80-AD54-417D-BE97-1ECCED9A01C3}" type="datetimeFigureOut">
               <a:rPr lang="zh-TW" altLang="en-US" smtClean="0"/>
-              <a:t>2024/10/4</a:t>
+              <a:t>2024/12/27</a:t>
             </a:fld>
             <a:endParaRPr lang="zh-TW" altLang="en-US"/>
           </a:p>
@@ -1071,7 +2171,7 @@
           <a:p>
             <a:fld id="{A2018E80-AD54-417D-BE97-1ECCED9A01C3}" type="datetimeFigureOut">
               <a:rPr lang="zh-TW" altLang="en-US" smtClean="0"/>
-              <a:t>2024/10/4</a:t>
+              <a:t>2024/12/27</a:t>
             </a:fld>
             <a:endParaRPr lang="zh-TW" altLang="en-US"/>
           </a:p>
@@ -1269,7 +2369,7 @@
           <a:p>
             <a:fld id="{A2018E80-AD54-417D-BE97-1ECCED9A01C3}" type="datetimeFigureOut">
               <a:rPr lang="zh-TW" altLang="en-US" smtClean="0"/>
-              <a:t>2024/10/4</a:t>
+              <a:t>2024/12/27</a:t>
             </a:fld>
             <a:endParaRPr lang="zh-TW" altLang="en-US"/>
           </a:p>
@@ -1544,7 +2644,7 @@
           <a:p>
             <a:fld id="{A2018E80-AD54-417D-BE97-1ECCED9A01C3}" type="datetimeFigureOut">
               <a:rPr lang="zh-TW" altLang="en-US" smtClean="0"/>
-              <a:t>2024/10/4</a:t>
+              <a:t>2024/12/27</a:t>
             </a:fld>
             <a:endParaRPr lang="zh-TW" altLang="en-US"/>
           </a:p>
@@ -1809,7 +2909,7 @@
           <a:p>
             <a:fld id="{A2018E80-AD54-417D-BE97-1ECCED9A01C3}" type="datetimeFigureOut">
               <a:rPr lang="zh-TW" altLang="en-US" smtClean="0"/>
-              <a:t>2024/10/4</a:t>
+              <a:t>2024/12/27</a:t>
             </a:fld>
             <a:endParaRPr lang="zh-TW" altLang="en-US"/>
           </a:p>
@@ -2221,7 +3321,7 @@
           <a:p>
             <a:fld id="{A2018E80-AD54-417D-BE97-1ECCED9A01C3}" type="datetimeFigureOut">
               <a:rPr lang="zh-TW" altLang="en-US" smtClean="0"/>
-              <a:t>2024/10/4</a:t>
+              <a:t>2024/12/27</a:t>
             </a:fld>
             <a:endParaRPr lang="zh-TW" altLang="en-US"/>
           </a:p>
@@ -2362,7 +3462,7 @@
           <a:p>
             <a:fld id="{A2018E80-AD54-417D-BE97-1ECCED9A01C3}" type="datetimeFigureOut">
               <a:rPr lang="zh-TW" altLang="en-US" smtClean="0"/>
-              <a:t>2024/10/4</a:t>
+              <a:t>2024/12/27</a:t>
             </a:fld>
             <a:endParaRPr lang="zh-TW" altLang="en-US"/>
           </a:p>
@@ -2475,7 +3575,7 @@
           <a:p>
             <a:fld id="{A2018E80-AD54-417D-BE97-1ECCED9A01C3}" type="datetimeFigureOut">
               <a:rPr lang="zh-TW" altLang="en-US" smtClean="0"/>
-              <a:t>2024/10/4</a:t>
+              <a:t>2024/12/27</a:t>
             </a:fld>
             <a:endParaRPr lang="zh-TW" altLang="en-US"/>
           </a:p>
@@ -2786,7 +3886,7 @@
           <a:p>
             <a:fld id="{A2018E80-AD54-417D-BE97-1ECCED9A01C3}" type="datetimeFigureOut">
               <a:rPr lang="zh-TW" altLang="en-US" smtClean="0"/>
-              <a:t>2024/10/4</a:t>
+              <a:t>2024/12/27</a:t>
             </a:fld>
             <a:endParaRPr lang="zh-TW" altLang="en-US"/>
           </a:p>
@@ -3074,7 +4174,7 @@
           <a:p>
             <a:fld id="{A2018E80-AD54-417D-BE97-1ECCED9A01C3}" type="datetimeFigureOut">
               <a:rPr lang="zh-TW" altLang="en-US" smtClean="0"/>
-              <a:t>2024/10/4</a:t>
+              <a:t>2024/12/27</a:t>
             </a:fld>
             <a:endParaRPr lang="zh-TW" altLang="en-US"/>
           </a:p>
@@ -3315,7 +4415,7 @@
           <a:p>
             <a:fld id="{A2018E80-AD54-417D-BE97-1ECCED9A01C3}" type="datetimeFigureOut">
               <a:rPr lang="zh-TW" altLang="en-US" smtClean="0"/>
-              <a:t>2024/10/4</a:t>
+              <a:t>2024/12/27</a:t>
             </a:fld>
             <a:endParaRPr lang="zh-TW" altLang="en-US"/>
           </a:p>
@@ -3829,7 +4929,7 @@
           <p:cNvPr id="2" name="標題 1">
             <a:extLst>
               <a:ext uri="{FF2B5EF4-FFF2-40B4-BE49-F238E27FC236}">
-                <a16:creationId xmlns:a16="http://schemas.microsoft.com/office/drawing/2014/main" id="{7396B0A6-0668-D3CF-9806-36FA7568DAC4}"/>
+                <a16:creationId xmlns:a16="http://schemas.microsoft.com/office/drawing/2014/main" id="{BD169BA6-9A3F-B230-4705-CCF9EDF58B5C}"/>
               </a:ext>
             </a:extLst>
           </p:cNvPr>
@@ -3842,8 +4942,8 @@
         </p:nvSpPr>
         <p:spPr>
           <a:xfrm>
-            <a:off x="2948940" y="1673669"/>
-            <a:ext cx="6294120" cy="1325563"/>
+            <a:off x="284797" y="424481"/>
+            <a:ext cx="10515600" cy="880871"/>
           </a:xfrm>
         </p:spPr>
         <p:txBody>
@@ -3851,22 +4951,26 @@
           <a:lstStyle/>
           <a:p>
             <a:r>
+              <a:rPr lang="zh-TW" altLang="en-US" dirty="0"/>
+              <a:t>賣單範例</a:t>
+            </a:r>
+            <a:r>
               <a:rPr lang="en-US" altLang="zh-TW" dirty="0"/>
-              <a:t>No.2:K</a:t>
+              <a:t>(</a:t>
             </a:r>
             <a:r>
               <a:rPr lang="zh-TW" altLang="en-US" dirty="0"/>
-              <a:t>線圖趨勢策略交易</a:t>
-            </a:r>
-          </a:p>
-        </p:txBody>
-      </p:sp>
-      <p:sp>
-        <p:nvSpPr>
-          <p:cNvPr id="3" name="文字方塊 2">
-            <a:extLst>
-              <a:ext uri="{FF2B5EF4-FFF2-40B4-BE49-F238E27FC236}">
-                <a16:creationId xmlns:a16="http://schemas.microsoft.com/office/drawing/2014/main" id="{E0DAADF5-8DFC-EA3A-8510-F023F0B53E80}"/>
+              <a:t>無止盈範例</a:t>
+            </a:r>
+          </a:p>
+        </p:txBody>
+      </p:sp>
+      <p:sp>
+        <p:nvSpPr>
+          <p:cNvPr id="18" name="文字方塊 17">
+            <a:extLst>
+              <a:ext uri="{FF2B5EF4-FFF2-40B4-BE49-F238E27FC236}">
+                <a16:creationId xmlns:a16="http://schemas.microsoft.com/office/drawing/2014/main" id="{1E936E48-8554-BB94-B28F-9A8551E13A02}"/>
               </a:ext>
             </a:extLst>
           </p:cNvPr>
@@ -3875,8 +4979,8 @@
         </p:nvSpPr>
         <p:spPr>
           <a:xfrm>
-            <a:off x="3200079" y="3708000"/>
-            <a:ext cx="5791842" cy="923330"/>
+            <a:off x="6888480" y="1059243"/>
+            <a:ext cx="777240" cy="369332"/>
           </a:xfrm>
           <a:prstGeom prst="rect">
             <a:avLst/>
@@ -3884,38 +4988,200 @@
           <a:noFill/>
         </p:spPr>
         <p:txBody>
-          <a:bodyPr wrap="none" rtlCol="0">
+          <a:bodyPr wrap="square" rtlCol="0">
             <a:spAutoFit/>
           </a:bodyPr>
           <a:lstStyle/>
           <a:p>
             <a:r>
               <a:rPr lang="zh-TW" altLang="en-US" dirty="0"/>
-              <a:t>參考影片</a:t>
-            </a:r>
-            <a:r>
-              <a:rPr lang="en-US" altLang="zh-TW" dirty="0"/>
-              <a:t>:</a:t>
-            </a:r>
-          </a:p>
-          <a:p>
-            <a:r>
-              <a:rPr lang="en-US" altLang="zh-TW" dirty="0">
-                <a:hlinkClick r:id="rId2" tooltip="https://www.youtube.com/watch?v=YaiLhrUfexY&amp;t=257s"/>
-              </a:rPr>
-              <a:t>https://www.youtube.com/watch?v=YaiLhrUfexY&amp;t=257s</a:t>
-            </a:r>
-            <a:endParaRPr lang="zh-TW" altLang="en-US" dirty="0"/>
-          </a:p>
-          <a:p>
-            <a:endParaRPr lang="zh-TW" altLang="en-US" dirty="0"/>
-          </a:p>
-        </p:txBody>
-      </p:sp>
+              <a:t>止損</a:t>
+            </a:r>
+          </a:p>
+        </p:txBody>
+      </p:sp>
+      <p:sp>
+        <p:nvSpPr>
+          <p:cNvPr id="22" name="文字方塊 21">
+            <a:extLst>
+              <a:ext uri="{FF2B5EF4-FFF2-40B4-BE49-F238E27FC236}">
+                <a16:creationId xmlns:a16="http://schemas.microsoft.com/office/drawing/2014/main" id="{6A631DA4-D431-2487-D6DD-C04FD82EC51B}"/>
+              </a:ext>
+            </a:extLst>
+          </p:cNvPr>
+          <p:cNvSpPr txBox="1"/>
+          <p:nvPr/>
+        </p:nvSpPr>
+        <p:spPr>
+          <a:xfrm>
+            <a:off x="-103823" y="1182466"/>
+            <a:ext cx="777240" cy="369332"/>
+          </a:xfrm>
+          <a:prstGeom prst="rect">
+            <a:avLst/>
+          </a:prstGeom>
+          <a:noFill/>
+        </p:spPr>
+        <p:txBody>
+          <a:bodyPr wrap="square" rtlCol="0">
+            <a:spAutoFit/>
+          </a:bodyPr>
+          <a:lstStyle/>
+          <a:p>
+            <a:r>
+              <a:rPr lang="zh-TW" altLang="en-US" dirty="0"/>
+              <a:t>止損</a:t>
+            </a:r>
+          </a:p>
+        </p:txBody>
+      </p:sp>
+      <p:pic>
+        <p:nvPicPr>
+          <p:cNvPr id="25" name="圖片 24">
+            <a:extLst>
+              <a:ext uri="{FF2B5EF4-FFF2-40B4-BE49-F238E27FC236}">
+                <a16:creationId xmlns:a16="http://schemas.microsoft.com/office/drawing/2014/main" id="{55194B8B-5DAF-0966-ED9F-A73E81E6CB37}"/>
+              </a:ext>
+            </a:extLst>
+          </p:cNvPr>
+          <p:cNvPicPr>
+            <a:picLocks noChangeAspect="1"/>
+          </p:cNvPicPr>
+          <p:nvPr/>
+        </p:nvPicPr>
+        <p:blipFill>
+          <a:blip r:embed="rId2"/>
+          <a:stretch>
+            <a:fillRect/>
+          </a:stretch>
+        </p:blipFill>
+        <p:spPr>
+          <a:xfrm>
+            <a:off x="144779" y="1845042"/>
+            <a:ext cx="5474571" cy="3284742"/>
+          </a:xfrm>
+          <a:prstGeom prst="rect">
+            <a:avLst/>
+          </a:prstGeom>
+        </p:spPr>
+      </p:pic>
+      <p:cxnSp>
+        <p:nvCxnSpPr>
+          <p:cNvPr id="23" name="直線單箭頭接點 22">
+            <a:extLst>
+              <a:ext uri="{FF2B5EF4-FFF2-40B4-BE49-F238E27FC236}">
+                <a16:creationId xmlns:a16="http://schemas.microsoft.com/office/drawing/2014/main" id="{4DB3995F-FD1A-830E-C4E0-86D7BDABFAE8}"/>
+              </a:ext>
+            </a:extLst>
+          </p:cNvPr>
+          <p:cNvCxnSpPr>
+            <a:cxnSpLocks/>
+            <a:stCxn id="22" idx="2"/>
+          </p:cNvCxnSpPr>
+          <p:nvPr/>
+        </p:nvCxnSpPr>
+        <p:spPr>
+          <a:xfrm>
+            <a:off x="284797" y="1551798"/>
+            <a:ext cx="0" cy="1575680"/>
+          </a:xfrm>
+          <a:prstGeom prst="straightConnector1">
+            <a:avLst/>
+          </a:prstGeom>
+          <a:ln>
+            <a:tailEnd type="triangle"/>
+          </a:ln>
+        </p:spPr>
+        <p:style>
+          <a:lnRef idx="3">
+            <a:schemeClr val="accent2"/>
+          </a:lnRef>
+          <a:fillRef idx="0">
+            <a:schemeClr val="accent2"/>
+          </a:fillRef>
+          <a:effectRef idx="2">
+            <a:schemeClr val="accent2"/>
+          </a:effectRef>
+          <a:fontRef idx="minor">
+            <a:schemeClr val="tx1"/>
+          </a:fontRef>
+        </p:style>
+      </p:cxnSp>
+      <p:pic>
+        <p:nvPicPr>
+          <p:cNvPr id="29" name="圖片 28">
+            <a:extLst>
+              <a:ext uri="{FF2B5EF4-FFF2-40B4-BE49-F238E27FC236}">
+                <a16:creationId xmlns:a16="http://schemas.microsoft.com/office/drawing/2014/main" id="{77536E36-92DD-B01E-DE70-C1D1758A6E14}"/>
+              </a:ext>
+            </a:extLst>
+          </p:cNvPr>
+          <p:cNvPicPr>
+            <a:picLocks noChangeAspect="1"/>
+          </p:cNvPicPr>
+          <p:nvPr/>
+        </p:nvPicPr>
+        <p:blipFill>
+          <a:blip r:embed="rId3"/>
+          <a:stretch>
+            <a:fillRect/>
+          </a:stretch>
+        </p:blipFill>
+        <p:spPr>
+          <a:xfrm>
+            <a:off x="5760822" y="1845042"/>
+            <a:ext cx="6286398" cy="4269744"/>
+          </a:xfrm>
+          <a:prstGeom prst="rect">
+            <a:avLst/>
+          </a:prstGeom>
+        </p:spPr>
+      </p:pic>
+      <p:cxnSp>
+        <p:nvCxnSpPr>
+          <p:cNvPr id="21" name="直線單箭頭接點 20">
+            <a:extLst>
+              <a:ext uri="{FF2B5EF4-FFF2-40B4-BE49-F238E27FC236}">
+                <a16:creationId xmlns:a16="http://schemas.microsoft.com/office/drawing/2014/main" id="{1A0562C8-71F2-1D98-4150-497083572719}"/>
+              </a:ext>
+            </a:extLst>
+          </p:cNvPr>
+          <p:cNvCxnSpPr>
+            <a:cxnSpLocks/>
+          </p:cNvCxnSpPr>
+          <p:nvPr/>
+        </p:nvCxnSpPr>
+        <p:spPr>
+          <a:xfrm flipH="1">
+            <a:off x="6015230" y="1364450"/>
+            <a:ext cx="806720" cy="938417"/>
+          </a:xfrm>
+          <a:prstGeom prst="straightConnector1">
+            <a:avLst/>
+          </a:prstGeom>
+          <a:ln>
+            <a:tailEnd type="triangle"/>
+          </a:ln>
+        </p:spPr>
+        <p:style>
+          <a:lnRef idx="3">
+            <a:schemeClr val="accent2"/>
+          </a:lnRef>
+          <a:fillRef idx="0">
+            <a:schemeClr val="accent2"/>
+          </a:fillRef>
+          <a:effectRef idx="2">
+            <a:schemeClr val="accent2"/>
+          </a:effectRef>
+          <a:fontRef idx="minor">
+            <a:schemeClr val="tx1"/>
+          </a:fontRef>
+        </p:style>
+      </p:cxnSp>
     </p:spTree>
     <p:extLst>
       <p:ext uri="{BB962C8B-B14F-4D97-AF65-F5344CB8AC3E}">
-        <p14:creationId xmlns:p14="http://schemas.microsoft.com/office/powerpoint/2010/main" val="3920068787"/>
+        <p14:creationId xmlns:p14="http://schemas.microsoft.com/office/powerpoint/2010/main" val="3030518142"/>
       </p:ext>
     </p:extLst>
   </p:cSld>
@@ -3942,163 +5208,52 @@
           <a:chExt cx="0" cy="0"/>
         </a:xfrm>
       </p:grpSpPr>
-      <p:sp>
-        <p:nvSpPr>
-          <p:cNvPr id="3" name="內容版面配置區 2">
-            <a:extLst>
-              <a:ext uri="{FF2B5EF4-FFF2-40B4-BE49-F238E27FC236}">
-                <a16:creationId xmlns:a16="http://schemas.microsoft.com/office/drawing/2014/main" id="{EB5CA89E-4A6C-C958-B3EB-2ABD6DCD30D7}"/>
-              </a:ext>
-            </a:extLst>
-          </p:cNvPr>
-          <p:cNvSpPr>
-            <a:spLocks noGrp="1"/>
-          </p:cNvSpPr>
-          <p:nvPr>
-            <p:ph idx="1"/>
-          </p:nvPr>
-        </p:nvSpPr>
-        <p:spPr/>
-        <p:txBody>
-          <a:bodyPr/>
-          <a:lstStyle/>
-          <a:p>
-            <a:r>
-              <a:rPr lang="en-US" altLang="zh-TW" dirty="0"/>
-              <a:t>No.1</a:t>
-            </a:r>
-            <a:r>
-              <a:rPr lang="en-US" altLang="zh-TW" sz="2800" dirty="0"/>
-              <a:t> 3EMA</a:t>
-            </a:r>
-            <a:r>
-              <a:rPr lang="zh-TW" altLang="en-US" sz="2800" dirty="0"/>
-              <a:t>交易策略 </a:t>
-            </a:r>
-            <a:endParaRPr lang="en-US" altLang="zh-TW" dirty="0"/>
-          </a:p>
-          <a:p>
-            <a:r>
-              <a:rPr lang="en-US" altLang="zh-TW" dirty="0"/>
-              <a:t>No.2 K</a:t>
-            </a:r>
-            <a:r>
-              <a:rPr lang="zh-TW" altLang="en-US" dirty="0"/>
-              <a:t>線圖趨勢策略交易</a:t>
-            </a:r>
-            <a:endParaRPr lang="en-US" altLang="zh-TW" dirty="0"/>
-          </a:p>
-          <a:p>
-            <a:pPr lvl="1"/>
-            <a:r>
-              <a:rPr lang="en-US" altLang="zh-TW" dirty="0"/>
-              <a:t>2.1 </a:t>
-            </a:r>
-            <a:r>
-              <a:rPr lang="zh-TW" altLang="en-US" dirty="0"/>
-              <a:t>買進策略</a:t>
-            </a:r>
-            <a:endParaRPr lang="en-US" altLang="zh-TW" dirty="0"/>
-          </a:p>
-          <a:p>
-            <a:pPr lvl="1"/>
-            <a:r>
-              <a:rPr lang="en-US" altLang="zh-TW" dirty="0"/>
-              <a:t>2.2</a:t>
-            </a:r>
-            <a:r>
-              <a:rPr lang="zh-TW" altLang="en-US" dirty="0"/>
-              <a:t> 賣出策略</a:t>
-            </a:r>
-            <a:endParaRPr lang="en-US" altLang="zh-TW" dirty="0"/>
-          </a:p>
-          <a:p>
-            <a:pPr lvl="1"/>
-            <a:r>
-              <a:rPr lang="en-US" altLang="zh-TW" dirty="0"/>
-              <a:t>2.3</a:t>
-            </a:r>
-            <a:r>
-              <a:rPr lang="zh-TW" altLang="en-US" dirty="0"/>
-              <a:t> </a:t>
-            </a:r>
-            <a:r>
-              <a:rPr lang="en-US" altLang="zh-TW" dirty="0" err="1"/>
-              <a:t>gpt</a:t>
-            </a:r>
-            <a:r>
-              <a:rPr lang="zh-TW" altLang="en-US" dirty="0"/>
-              <a:t>指令輸入</a:t>
-            </a:r>
-            <a:endParaRPr lang="en-US" altLang="zh-TW" dirty="0"/>
-          </a:p>
-          <a:p>
-            <a:pPr lvl="1"/>
-            <a:r>
-              <a:rPr lang="en-US" altLang="zh-TW" dirty="0"/>
-              <a:t>2.4 </a:t>
-            </a:r>
-            <a:r>
-              <a:rPr lang="zh-TW" altLang="en-US" sz="2400" dirty="0"/>
-              <a:t>問題與改動</a:t>
-            </a:r>
-            <a:endParaRPr lang="en-US" altLang="zh-TW" dirty="0"/>
-          </a:p>
-          <a:p>
-            <a:pPr lvl="1"/>
-            <a:r>
-              <a:rPr lang="en-US" altLang="zh-TW" dirty="0"/>
-              <a:t>2.5</a:t>
-            </a:r>
-            <a:r>
-              <a:rPr lang="zh-TW" altLang="en-US" dirty="0"/>
-              <a:t> 回測結果</a:t>
-            </a:r>
-            <a:endParaRPr lang="en-US" altLang="zh-TW" dirty="0"/>
-          </a:p>
-          <a:p>
-            <a:r>
-              <a:rPr lang="en-US" altLang="zh-TW" dirty="0"/>
-              <a:t>No.3 </a:t>
-            </a:r>
-            <a:r>
-              <a:rPr lang="en-US" altLang="zh-TW" sz="2800" dirty="0"/>
-              <a:t>PA+MACD</a:t>
-            </a:r>
-            <a:r>
-              <a:rPr lang="zh-TW" altLang="en-US" sz="2800" dirty="0"/>
-              <a:t>策略交易</a:t>
-            </a:r>
-            <a:endParaRPr lang="en-US" altLang="zh-TW" dirty="0"/>
-          </a:p>
-          <a:p>
-            <a:pPr marL="0" indent="0">
-              <a:buNone/>
-            </a:pPr>
-            <a:endParaRPr lang="en-US" altLang="zh-TW" dirty="0"/>
-          </a:p>
-        </p:txBody>
-      </p:sp>
-      <p:sp>
-        <p:nvSpPr>
-          <p:cNvPr id="4" name="標題 3">
-            <a:extLst>
-              <a:ext uri="{FF2B5EF4-FFF2-40B4-BE49-F238E27FC236}">
-                <a16:creationId xmlns:a16="http://schemas.microsoft.com/office/drawing/2014/main" id="{938BA014-269D-65D7-48F5-4746A34E7A25}"/>
-              </a:ext>
-            </a:extLst>
-          </p:cNvPr>
-          <p:cNvSpPr txBox="1">
-            <a:spLocks noGrp="1"/>
-          </p:cNvSpPr>
-          <p:nvPr>
-            <p:ph type="title"/>
-          </p:nvPr>
-        </p:nvSpPr>
+      <p:pic>
+        <p:nvPicPr>
+          <p:cNvPr id="38" name="圖片 37">
+            <a:extLst>
+              <a:ext uri="{FF2B5EF4-FFF2-40B4-BE49-F238E27FC236}">
+                <a16:creationId xmlns:a16="http://schemas.microsoft.com/office/drawing/2014/main" id="{A8DF70B4-5EC6-2F3B-1A7B-258EAB2480C0}"/>
+              </a:ext>
+            </a:extLst>
+          </p:cNvPr>
+          <p:cNvPicPr>
+            <a:picLocks noChangeAspect="1"/>
+          </p:cNvPicPr>
+          <p:nvPr/>
+        </p:nvPicPr>
+        <p:blipFill>
+          <a:blip r:embed="rId2"/>
+          <a:stretch>
+            <a:fillRect/>
+          </a:stretch>
+        </p:blipFill>
         <p:spPr>
           <a:xfrm>
-            <a:off x="838200" y="365125"/>
-            <a:ext cx="10515600" cy="1325563"/>
+            <a:off x="2245659" y="1711172"/>
+            <a:ext cx="9306094" cy="3875812"/>
+          </a:xfrm>
+          <a:prstGeom prst="rect">
+            <a:avLst/>
+          </a:prstGeom>
+        </p:spPr>
+      </p:pic>
+      <p:sp>
+        <p:nvSpPr>
+          <p:cNvPr id="20" name="文字方塊 19">
+            <a:extLst>
+              <a:ext uri="{FF2B5EF4-FFF2-40B4-BE49-F238E27FC236}">
+                <a16:creationId xmlns:a16="http://schemas.microsoft.com/office/drawing/2014/main" id="{343E62E9-3A0E-7930-71A5-2C085F854D60}"/>
+              </a:ext>
+            </a:extLst>
+          </p:cNvPr>
+          <p:cNvSpPr txBox="1"/>
+          <p:nvPr/>
+        </p:nvSpPr>
+        <p:spPr>
+          <a:xfrm>
+            <a:off x="900146" y="2590262"/>
+            <a:ext cx="777240" cy="369332"/>
           </a:xfrm>
           <a:prstGeom prst="rect">
             <a:avLst/>
@@ -4106,23 +5261,264 @@
           <a:noFill/>
         </p:spPr>
         <p:txBody>
-          <a:bodyPr wrap="none" rtlCol="0">
+          <a:bodyPr wrap="square" rtlCol="0">
             <a:spAutoFit/>
           </a:bodyPr>
           <a:lstStyle/>
           <a:p>
             <a:r>
-              <a:rPr lang="en-US" altLang="zh-TW" sz="4000" dirty="0"/>
-              <a:t>Outlines</a:t>
-            </a:r>
-            <a:endParaRPr lang="zh-TW" altLang="en-US" sz="4000" dirty="0"/>
-          </a:p>
-        </p:txBody>
-      </p:sp>
+              <a:rPr lang="zh-TW" altLang="en-US" dirty="0"/>
+              <a:t>止損</a:t>
+            </a:r>
+          </a:p>
+        </p:txBody>
+      </p:sp>
+      <p:cxnSp>
+        <p:nvCxnSpPr>
+          <p:cNvPr id="19" name="直線單箭頭接點 18">
+            <a:extLst>
+              <a:ext uri="{FF2B5EF4-FFF2-40B4-BE49-F238E27FC236}">
+                <a16:creationId xmlns:a16="http://schemas.microsoft.com/office/drawing/2014/main" id="{AAEB7045-59EC-4E98-E04B-9EB4456CE9D8}"/>
+              </a:ext>
+            </a:extLst>
+          </p:cNvPr>
+          <p:cNvCxnSpPr>
+            <a:cxnSpLocks/>
+          </p:cNvCxnSpPr>
+          <p:nvPr/>
+        </p:nvCxnSpPr>
+        <p:spPr>
+          <a:xfrm flipV="1">
+            <a:off x="1540226" y="2407382"/>
+            <a:ext cx="822960" cy="182880"/>
+          </a:xfrm>
+          <a:prstGeom prst="straightConnector1">
+            <a:avLst/>
+          </a:prstGeom>
+          <a:ln>
+            <a:tailEnd type="triangle"/>
+          </a:ln>
+        </p:spPr>
+        <p:style>
+          <a:lnRef idx="3">
+            <a:schemeClr val="accent2"/>
+          </a:lnRef>
+          <a:fillRef idx="0">
+            <a:schemeClr val="accent2"/>
+          </a:fillRef>
+          <a:effectRef idx="2">
+            <a:schemeClr val="accent2"/>
+          </a:effectRef>
+          <a:fontRef idx="minor">
+            <a:schemeClr val="tx1"/>
+          </a:fontRef>
+        </p:style>
+      </p:cxnSp>
+      <p:sp>
+        <p:nvSpPr>
+          <p:cNvPr id="4" name="文字方塊 3">
+            <a:extLst>
+              <a:ext uri="{FF2B5EF4-FFF2-40B4-BE49-F238E27FC236}">
+                <a16:creationId xmlns:a16="http://schemas.microsoft.com/office/drawing/2014/main" id="{D6E18070-444A-4154-12C2-CFD6B8E18892}"/>
+              </a:ext>
+            </a:extLst>
+          </p:cNvPr>
+          <p:cNvSpPr txBox="1"/>
+          <p:nvPr/>
+        </p:nvSpPr>
+        <p:spPr>
+          <a:xfrm>
+            <a:off x="2245659" y="6025358"/>
+            <a:ext cx="777240" cy="369332"/>
+          </a:xfrm>
+          <a:prstGeom prst="rect">
+            <a:avLst/>
+          </a:prstGeom>
+          <a:noFill/>
+        </p:spPr>
+        <p:txBody>
+          <a:bodyPr wrap="square" rtlCol="0">
+            <a:spAutoFit/>
+          </a:bodyPr>
+          <a:lstStyle/>
+          <a:p>
+            <a:r>
+              <a:rPr lang="zh-TW" altLang="en-US"/>
+              <a:t>止盈</a:t>
+            </a:r>
+            <a:endParaRPr lang="zh-TW" altLang="en-US" dirty="0"/>
+          </a:p>
+        </p:txBody>
+      </p:sp>
+      <p:cxnSp>
+        <p:nvCxnSpPr>
+          <p:cNvPr id="5" name="直線單箭頭接點 4">
+            <a:extLst>
+              <a:ext uri="{FF2B5EF4-FFF2-40B4-BE49-F238E27FC236}">
+                <a16:creationId xmlns:a16="http://schemas.microsoft.com/office/drawing/2014/main" id="{75FC8F55-A1AE-82DA-FA0D-7D8207A447B1}"/>
+              </a:ext>
+            </a:extLst>
+          </p:cNvPr>
+          <p:cNvCxnSpPr>
+            <a:cxnSpLocks/>
+          </p:cNvCxnSpPr>
+          <p:nvPr/>
+        </p:nvCxnSpPr>
+        <p:spPr>
+          <a:xfrm flipV="1">
+            <a:off x="2885739" y="5065776"/>
+            <a:ext cx="749808" cy="959582"/>
+          </a:xfrm>
+          <a:prstGeom prst="straightConnector1">
+            <a:avLst/>
+          </a:prstGeom>
+          <a:ln>
+            <a:tailEnd type="triangle"/>
+          </a:ln>
+        </p:spPr>
+        <p:style>
+          <a:lnRef idx="3">
+            <a:schemeClr val="accent2"/>
+          </a:lnRef>
+          <a:fillRef idx="0">
+            <a:schemeClr val="accent2"/>
+          </a:fillRef>
+          <a:effectRef idx="2">
+            <a:schemeClr val="accent2"/>
+          </a:effectRef>
+          <a:fontRef idx="minor">
+            <a:schemeClr val="tx1"/>
+          </a:fontRef>
+        </p:style>
+      </p:cxnSp>
+      <p:cxnSp>
+        <p:nvCxnSpPr>
+          <p:cNvPr id="7" name="直線接點 6">
+            <a:extLst>
+              <a:ext uri="{FF2B5EF4-FFF2-40B4-BE49-F238E27FC236}">
+                <a16:creationId xmlns:a16="http://schemas.microsoft.com/office/drawing/2014/main" id="{DC757F14-9A61-F468-26E1-325A64A1C601}"/>
+              </a:ext>
+            </a:extLst>
+          </p:cNvPr>
+          <p:cNvCxnSpPr>
+            <a:cxnSpLocks/>
+          </p:cNvCxnSpPr>
+          <p:nvPr/>
+        </p:nvCxnSpPr>
+        <p:spPr>
+          <a:xfrm flipV="1">
+            <a:off x="3635547" y="2407382"/>
+            <a:ext cx="0" cy="857026"/>
+          </a:xfrm>
+          <a:prstGeom prst="line">
+            <a:avLst/>
+          </a:prstGeom>
+        </p:spPr>
+        <p:style>
+          <a:lnRef idx="2">
+            <a:schemeClr val="accent4"/>
+          </a:lnRef>
+          <a:fillRef idx="0">
+            <a:schemeClr val="accent4"/>
+          </a:fillRef>
+          <a:effectRef idx="1">
+            <a:schemeClr val="accent4"/>
+          </a:effectRef>
+          <a:fontRef idx="minor">
+            <a:schemeClr val="tx1"/>
+          </a:fontRef>
+        </p:style>
+      </p:cxnSp>
+      <p:cxnSp>
+        <p:nvCxnSpPr>
+          <p:cNvPr id="11" name="直線接點 10">
+            <a:extLst>
+              <a:ext uri="{FF2B5EF4-FFF2-40B4-BE49-F238E27FC236}">
+                <a16:creationId xmlns:a16="http://schemas.microsoft.com/office/drawing/2014/main" id="{146C4F15-0B78-C86D-CC5F-C724BF073F22}"/>
+              </a:ext>
+            </a:extLst>
+          </p:cNvPr>
+          <p:cNvCxnSpPr>
+            <a:cxnSpLocks/>
+          </p:cNvCxnSpPr>
+          <p:nvPr/>
+        </p:nvCxnSpPr>
+        <p:spPr>
+          <a:xfrm flipV="1">
+            <a:off x="3635547" y="3264408"/>
+            <a:ext cx="0" cy="857026"/>
+          </a:xfrm>
+          <a:prstGeom prst="line">
+            <a:avLst/>
+          </a:prstGeom>
+          <a:ln>
+            <a:solidFill>
+              <a:srgbClr val="7030A0"/>
+            </a:solidFill>
+          </a:ln>
+        </p:spPr>
+        <p:style>
+          <a:lnRef idx="2">
+            <a:schemeClr val="accent4"/>
+          </a:lnRef>
+          <a:fillRef idx="0">
+            <a:schemeClr val="accent4"/>
+          </a:fillRef>
+          <a:effectRef idx="1">
+            <a:schemeClr val="accent4"/>
+          </a:effectRef>
+          <a:fontRef idx="minor">
+            <a:schemeClr val="tx1"/>
+          </a:fontRef>
+        </p:style>
+      </p:cxnSp>
+      <p:cxnSp>
+        <p:nvCxnSpPr>
+          <p:cNvPr id="12" name="直線接點 11">
+            <a:extLst>
+              <a:ext uri="{FF2B5EF4-FFF2-40B4-BE49-F238E27FC236}">
+                <a16:creationId xmlns:a16="http://schemas.microsoft.com/office/drawing/2014/main" id="{86B5DBD7-05CC-8B55-59FB-992A572C1A86}"/>
+              </a:ext>
+            </a:extLst>
+          </p:cNvPr>
+          <p:cNvCxnSpPr>
+            <a:cxnSpLocks/>
+          </p:cNvCxnSpPr>
+          <p:nvPr/>
+        </p:nvCxnSpPr>
+        <p:spPr>
+          <a:xfrm flipV="1">
+            <a:off x="3637878" y="4121434"/>
+            <a:ext cx="0" cy="857026"/>
+          </a:xfrm>
+          <a:prstGeom prst="line">
+            <a:avLst/>
+          </a:prstGeom>
+          <a:ln>
+            <a:solidFill>
+              <a:srgbClr val="7030A0"/>
+            </a:solidFill>
+          </a:ln>
+        </p:spPr>
+        <p:style>
+          <a:lnRef idx="2">
+            <a:schemeClr val="accent4"/>
+          </a:lnRef>
+          <a:fillRef idx="0">
+            <a:schemeClr val="accent4"/>
+          </a:fillRef>
+          <a:effectRef idx="1">
+            <a:schemeClr val="accent4"/>
+          </a:effectRef>
+          <a:fontRef idx="minor">
+            <a:schemeClr val="tx1"/>
+          </a:fontRef>
+        </p:style>
+      </p:cxnSp>
     </p:spTree>
     <p:extLst>
       <p:ext uri="{BB962C8B-B14F-4D97-AF65-F5344CB8AC3E}">
-        <p14:creationId xmlns:p14="http://schemas.microsoft.com/office/powerpoint/2010/main" val="2840961646"/>
+        <p14:creationId xmlns:p14="http://schemas.microsoft.com/office/powerpoint/2010/main" val="1462045795"/>
       </p:ext>
     </p:extLst>
   </p:cSld>
@@ -4154,7 +5550,7 @@
           <p:cNvPr id="2" name="標題 1">
             <a:extLst>
               <a:ext uri="{FF2B5EF4-FFF2-40B4-BE49-F238E27FC236}">
-                <a16:creationId xmlns:a16="http://schemas.microsoft.com/office/drawing/2014/main" id="{C12097BB-174D-9823-7C38-5FE21AAFEA55}"/>
+                <a16:creationId xmlns:a16="http://schemas.microsoft.com/office/drawing/2014/main" id="{7396B0A6-0668-D3CF-9806-36FA7568DAC4}"/>
               </a:ext>
             </a:extLst>
           </p:cNvPr>
@@ -4165,81 +5561,82 @@
             <p:ph type="title"/>
           </p:nvPr>
         </p:nvSpPr>
-        <p:spPr/>
+        <p:spPr>
+          <a:xfrm>
+            <a:off x="2948940" y="1673669"/>
+            <a:ext cx="6294120" cy="1325563"/>
+          </a:xfrm>
+        </p:spPr>
         <p:txBody>
           <a:bodyPr/>
           <a:lstStyle/>
           <a:p>
             <a:r>
               <a:rPr lang="en-US" altLang="zh-TW" dirty="0"/>
-              <a:t>2.1</a:t>
+              <a:t>No.2:K</a:t>
             </a:r>
             <a:r>
               <a:rPr lang="zh-TW" altLang="en-US" dirty="0"/>
-              <a:t> 買進策略</a:t>
-            </a:r>
-          </a:p>
-        </p:txBody>
-      </p:sp>
-      <p:sp>
-        <p:nvSpPr>
-          <p:cNvPr id="3" name="內容版面配置區 2">
-            <a:extLst>
-              <a:ext uri="{FF2B5EF4-FFF2-40B4-BE49-F238E27FC236}">
-                <a16:creationId xmlns:a16="http://schemas.microsoft.com/office/drawing/2014/main" id="{C7DD91E3-4CA3-1DC8-D095-0A61B5489E04}"/>
-              </a:ext>
-            </a:extLst>
-          </p:cNvPr>
-          <p:cNvSpPr>
-            <a:spLocks noGrp="1"/>
-          </p:cNvSpPr>
-          <p:nvPr>
-            <p:ph idx="1"/>
-          </p:nvPr>
-        </p:nvSpPr>
-        <p:spPr/>
-        <p:txBody>
-          <a:bodyPr/>
-          <a:lstStyle/>
-          <a:p>
-            <a:endParaRPr lang="zh-TW" altLang="en-US" dirty="0"/>
-          </a:p>
-        </p:txBody>
-      </p:sp>
-      <p:pic>
-        <p:nvPicPr>
-          <p:cNvPr id="9" name="圖片 8">
-            <a:extLst>
-              <a:ext uri="{FF2B5EF4-FFF2-40B4-BE49-F238E27FC236}">
-                <a16:creationId xmlns:a16="http://schemas.microsoft.com/office/drawing/2014/main" id="{DABCD5A8-BB74-DB87-0C44-093C13E3C6A1}"/>
-              </a:ext>
-            </a:extLst>
-          </p:cNvPr>
-          <p:cNvPicPr>
-            <a:picLocks noChangeAspect="1"/>
-          </p:cNvPicPr>
+              <a:t>線圖趨勢策略交易</a:t>
+            </a:r>
+          </a:p>
+        </p:txBody>
+      </p:sp>
+      <p:sp>
+        <p:nvSpPr>
+          <p:cNvPr id="3" name="文字方塊 2">
+            <a:extLst>
+              <a:ext uri="{FF2B5EF4-FFF2-40B4-BE49-F238E27FC236}">
+                <a16:creationId xmlns:a16="http://schemas.microsoft.com/office/drawing/2014/main" id="{E0DAADF5-8DFC-EA3A-8510-F023F0B53E80}"/>
+              </a:ext>
+            </a:extLst>
+          </p:cNvPr>
+          <p:cNvSpPr txBox="1"/>
           <p:nvPr/>
-        </p:nvPicPr>
-        <p:blipFill>
-          <a:blip r:embed="rId2"/>
-          <a:stretch>
-            <a:fillRect/>
-          </a:stretch>
-        </p:blipFill>
+        </p:nvSpPr>
         <p:spPr>
           <a:xfrm>
-            <a:off x="1552575" y="1543050"/>
-            <a:ext cx="9086850" cy="4762500"/>
+            <a:off x="3200079" y="3708000"/>
+            <a:ext cx="5791842" cy="923330"/>
           </a:xfrm>
           <a:prstGeom prst="rect">
             <a:avLst/>
           </a:prstGeom>
+          <a:noFill/>
         </p:spPr>
-      </p:pic>
+        <p:txBody>
+          <a:bodyPr wrap="none" rtlCol="0">
+            <a:spAutoFit/>
+          </a:bodyPr>
+          <a:lstStyle/>
+          <a:p>
+            <a:r>
+              <a:rPr lang="zh-TW" altLang="en-US" dirty="0"/>
+              <a:t>參考影片</a:t>
+            </a:r>
+            <a:r>
+              <a:rPr lang="en-US" altLang="zh-TW" dirty="0"/>
+              <a:t>:</a:t>
+            </a:r>
+          </a:p>
+          <a:p>
+            <a:r>
+              <a:rPr lang="en-US" altLang="zh-TW" dirty="0">
+                <a:hlinkClick r:id="rId2" tooltip="https://www.youtube.com/watch?v=YaiLhrUfexY&amp;t=257s"/>
+              </a:rPr>
+              <a:t>https://www.youtube.com/watch?v=YaiLhrUfexY&amp;t=257s</a:t>
+            </a:r>
+            <a:endParaRPr lang="zh-TW" altLang="en-US" dirty="0"/>
+          </a:p>
+          <a:p>
+            <a:endParaRPr lang="zh-TW" altLang="en-US" dirty="0"/>
+          </a:p>
+        </p:txBody>
+      </p:sp>
     </p:spTree>
     <p:extLst>
       <p:ext uri="{BB962C8B-B14F-4D97-AF65-F5344CB8AC3E}">
-        <p14:creationId xmlns:p14="http://schemas.microsoft.com/office/powerpoint/2010/main" val="1659597999"/>
+        <p14:creationId xmlns:p14="http://schemas.microsoft.com/office/powerpoint/2010/main" val="3920068787"/>
       </p:ext>
     </p:extLst>
   </p:cSld>
@@ -4268,42 +5665,10 @@
       </p:grpSpPr>
       <p:sp>
         <p:nvSpPr>
-          <p:cNvPr id="2" name="標題 1">
-            <a:extLst>
-              <a:ext uri="{FF2B5EF4-FFF2-40B4-BE49-F238E27FC236}">
-                <a16:creationId xmlns:a16="http://schemas.microsoft.com/office/drawing/2014/main" id="{51F1270B-40D2-6DB2-7756-A594BBDB2245}"/>
-              </a:ext>
-            </a:extLst>
-          </p:cNvPr>
-          <p:cNvSpPr>
-            <a:spLocks noGrp="1"/>
-          </p:cNvSpPr>
-          <p:nvPr>
-            <p:ph type="title"/>
-          </p:nvPr>
-        </p:nvSpPr>
-        <p:spPr/>
-        <p:txBody>
-          <a:bodyPr/>
-          <a:lstStyle/>
-          <a:p>
-            <a:r>
-              <a:rPr lang="en-US" altLang="zh-TW" dirty="0"/>
-              <a:t>2.2</a:t>
-            </a:r>
-            <a:r>
-              <a:rPr lang="zh-TW" altLang="en-US" dirty="0"/>
-              <a:t> 賣出策略</a:t>
-            </a:r>
-          </a:p>
-        </p:txBody>
-      </p:sp>
-      <p:sp>
-        <p:nvSpPr>
           <p:cNvPr id="3" name="內容版面配置區 2">
             <a:extLst>
               <a:ext uri="{FF2B5EF4-FFF2-40B4-BE49-F238E27FC236}">
-                <a16:creationId xmlns:a16="http://schemas.microsoft.com/office/drawing/2014/main" id="{26F48521-600B-8B59-4FBD-CAB1456AEBA5}"/>
+                <a16:creationId xmlns:a16="http://schemas.microsoft.com/office/drawing/2014/main" id="{EB5CA89E-4A6C-C958-B3EB-2ABD6DCD30D7}"/>
               </a:ext>
             </a:extLst>
           </p:cNvPr>
@@ -4319,44 +5684,166 @@
           <a:bodyPr/>
           <a:lstStyle/>
           <a:p>
-            <a:endParaRPr lang="zh-TW" altLang="en-US"/>
-          </a:p>
-        </p:txBody>
-      </p:sp>
-      <p:pic>
-        <p:nvPicPr>
-          <p:cNvPr id="5" name="內容版面配置區 4">
-            <a:extLst>
-              <a:ext uri="{FF2B5EF4-FFF2-40B4-BE49-F238E27FC236}">
-                <a16:creationId xmlns:a16="http://schemas.microsoft.com/office/drawing/2014/main" id="{27959BA3-3FE1-A84C-16CC-D2CA8B9842E0}"/>
-              </a:ext>
-            </a:extLst>
-          </p:cNvPr>
-          <p:cNvPicPr>
-            <a:picLocks noChangeAspect="1"/>
-          </p:cNvPicPr>
-          <p:nvPr/>
-        </p:nvPicPr>
-        <p:blipFill>
-          <a:blip r:embed="rId2"/>
-          <a:stretch>
-            <a:fillRect/>
-          </a:stretch>
-        </p:blipFill>
+            <a:r>
+              <a:rPr lang="en-US" altLang="zh-TW" dirty="0"/>
+              <a:t>No.1</a:t>
+            </a:r>
+            <a:r>
+              <a:rPr lang="en-US" altLang="zh-TW" sz="2800" dirty="0"/>
+              <a:t> 3EMA</a:t>
+            </a:r>
+            <a:r>
+              <a:rPr lang="zh-TW" altLang="en-US" sz="2800" dirty="0"/>
+              <a:t>交易策略 </a:t>
+            </a:r>
+            <a:endParaRPr lang="en-US" altLang="zh-TW" dirty="0"/>
+          </a:p>
+          <a:p>
+            <a:r>
+              <a:rPr lang="en-US" altLang="zh-TW" dirty="0"/>
+              <a:t>No.2 K</a:t>
+            </a:r>
+            <a:r>
+              <a:rPr lang="zh-TW" altLang="en-US" dirty="0"/>
+              <a:t>線圖趨勢策略交易</a:t>
+            </a:r>
+            <a:endParaRPr lang="en-US" altLang="zh-TW" dirty="0"/>
+          </a:p>
+          <a:p>
+            <a:pPr lvl="1"/>
+            <a:r>
+              <a:rPr lang="en-US" altLang="zh-TW" dirty="0"/>
+              <a:t>2.1 </a:t>
+            </a:r>
+            <a:r>
+              <a:rPr lang="zh-TW" altLang="en-US" dirty="0"/>
+              <a:t>買進策略</a:t>
+            </a:r>
+            <a:endParaRPr lang="en-US" altLang="zh-TW" dirty="0"/>
+          </a:p>
+          <a:p>
+            <a:pPr lvl="1"/>
+            <a:r>
+              <a:rPr lang="en-US" altLang="zh-TW" dirty="0"/>
+              <a:t>2.2</a:t>
+            </a:r>
+            <a:r>
+              <a:rPr lang="zh-TW" altLang="en-US" dirty="0"/>
+              <a:t> 賣出策略</a:t>
+            </a:r>
+            <a:endParaRPr lang="en-US" altLang="zh-TW" dirty="0"/>
+          </a:p>
+          <a:p>
+            <a:pPr lvl="1"/>
+            <a:r>
+              <a:rPr lang="en-US" altLang="zh-TW" dirty="0"/>
+              <a:t>2.3</a:t>
+            </a:r>
+            <a:r>
+              <a:rPr lang="zh-TW" altLang="en-US" dirty="0"/>
+              <a:t> </a:t>
+            </a:r>
+            <a:r>
+              <a:rPr lang="en-US" altLang="zh-TW" dirty="0" err="1"/>
+              <a:t>gpt</a:t>
+            </a:r>
+            <a:r>
+              <a:rPr lang="zh-TW" altLang="en-US" dirty="0"/>
+              <a:t>指令輸入</a:t>
+            </a:r>
+            <a:endParaRPr lang="en-US" altLang="zh-TW" dirty="0"/>
+          </a:p>
+          <a:p>
+            <a:pPr lvl="1"/>
+            <a:r>
+              <a:rPr lang="en-US" altLang="zh-TW" dirty="0"/>
+              <a:t>2.4 </a:t>
+            </a:r>
+            <a:r>
+              <a:rPr lang="zh-TW" altLang="en-US" sz="2400" dirty="0"/>
+              <a:t>問題與改動</a:t>
+            </a:r>
+            <a:endParaRPr lang="en-US" altLang="zh-TW" dirty="0"/>
+          </a:p>
+          <a:p>
+            <a:pPr lvl="1"/>
+            <a:r>
+              <a:rPr lang="en-US" altLang="zh-TW" dirty="0"/>
+              <a:t>2.5</a:t>
+            </a:r>
+            <a:r>
+              <a:rPr lang="zh-TW" altLang="en-US" dirty="0"/>
+              <a:t> 回測結果</a:t>
+            </a:r>
+            <a:endParaRPr lang="en-US" altLang="zh-TW" dirty="0"/>
+          </a:p>
+          <a:p>
+            <a:r>
+              <a:rPr lang="en-US" altLang="zh-TW" dirty="0"/>
+              <a:t>No.3 </a:t>
+            </a:r>
+            <a:r>
+              <a:rPr lang="en-US" altLang="zh-TW" sz="2800" dirty="0"/>
+              <a:t>PA+MACD</a:t>
+            </a:r>
+            <a:r>
+              <a:rPr lang="zh-TW" altLang="en-US" sz="2800" dirty="0"/>
+              <a:t>策略交易</a:t>
+            </a:r>
+            <a:endParaRPr lang="en-US" altLang="zh-TW" dirty="0"/>
+          </a:p>
+          <a:p>
+            <a:pPr marL="0" indent="0">
+              <a:buNone/>
+            </a:pPr>
+            <a:endParaRPr lang="en-US" altLang="zh-TW" dirty="0"/>
+          </a:p>
+        </p:txBody>
+      </p:sp>
+      <p:sp>
+        <p:nvSpPr>
+          <p:cNvPr id="4" name="標題 3">
+            <a:extLst>
+              <a:ext uri="{FF2B5EF4-FFF2-40B4-BE49-F238E27FC236}">
+                <a16:creationId xmlns:a16="http://schemas.microsoft.com/office/drawing/2014/main" id="{938BA014-269D-65D7-48F5-4746A34E7A25}"/>
+              </a:ext>
+            </a:extLst>
+          </p:cNvPr>
+          <p:cNvSpPr txBox="1">
+            <a:spLocks noGrp="1"/>
+          </p:cNvSpPr>
+          <p:nvPr>
+            <p:ph type="title"/>
+          </p:nvPr>
+        </p:nvSpPr>
         <p:spPr>
           <a:xfrm>
-            <a:off x="1433512" y="1825625"/>
-            <a:ext cx="9324975" cy="4229100"/>
+            <a:off x="838200" y="365125"/>
+            <a:ext cx="10515600" cy="1325563"/>
           </a:xfrm>
           <a:prstGeom prst="rect">
             <a:avLst/>
           </a:prstGeom>
+          <a:noFill/>
         </p:spPr>
-      </p:pic>
+        <p:txBody>
+          <a:bodyPr wrap="none" rtlCol="0">
+            <a:spAutoFit/>
+          </a:bodyPr>
+          <a:lstStyle/>
+          <a:p>
+            <a:r>
+              <a:rPr lang="en-US" altLang="zh-TW" sz="4000" dirty="0"/>
+              <a:t>Outlines</a:t>
+            </a:r>
+            <a:endParaRPr lang="zh-TW" altLang="en-US" sz="4000" dirty="0"/>
+          </a:p>
+        </p:txBody>
+      </p:sp>
     </p:spTree>
     <p:extLst>
       <p:ext uri="{BB962C8B-B14F-4D97-AF65-F5344CB8AC3E}">
-        <p14:creationId xmlns:p14="http://schemas.microsoft.com/office/powerpoint/2010/main" val="1219279302"/>
+        <p14:creationId xmlns:p14="http://schemas.microsoft.com/office/powerpoint/2010/main" val="2840961646"/>
       </p:ext>
     </p:extLst>
   </p:cSld>
@@ -4385,6 +5872,1236 @@
       </p:grpSpPr>
       <p:sp>
         <p:nvSpPr>
+          <p:cNvPr id="2" name="標題 1">
+            <a:extLst>
+              <a:ext uri="{FF2B5EF4-FFF2-40B4-BE49-F238E27FC236}">
+                <a16:creationId xmlns:a16="http://schemas.microsoft.com/office/drawing/2014/main" id="{C12097BB-174D-9823-7C38-5FE21AAFEA55}"/>
+              </a:ext>
+            </a:extLst>
+          </p:cNvPr>
+          <p:cNvSpPr>
+            <a:spLocks noGrp="1"/>
+          </p:cNvSpPr>
+          <p:nvPr>
+            <p:ph type="title"/>
+          </p:nvPr>
+        </p:nvSpPr>
+        <p:spPr/>
+        <p:txBody>
+          <a:bodyPr/>
+          <a:lstStyle/>
+          <a:p>
+            <a:r>
+              <a:rPr lang="en-US" altLang="zh-TW" dirty="0"/>
+              <a:t>2.1</a:t>
+            </a:r>
+            <a:r>
+              <a:rPr lang="zh-TW" altLang="en-US" dirty="0"/>
+              <a:t> 買進策略</a:t>
+            </a:r>
+          </a:p>
+        </p:txBody>
+      </p:sp>
+      <p:sp>
+        <p:nvSpPr>
+          <p:cNvPr id="3" name="內容版面配置區 2">
+            <a:extLst>
+              <a:ext uri="{FF2B5EF4-FFF2-40B4-BE49-F238E27FC236}">
+                <a16:creationId xmlns:a16="http://schemas.microsoft.com/office/drawing/2014/main" id="{C7DD91E3-4CA3-1DC8-D095-0A61B5489E04}"/>
+              </a:ext>
+            </a:extLst>
+          </p:cNvPr>
+          <p:cNvSpPr>
+            <a:spLocks noGrp="1"/>
+          </p:cNvSpPr>
+          <p:nvPr>
+            <p:ph idx="1"/>
+          </p:nvPr>
+        </p:nvSpPr>
+        <p:spPr/>
+        <p:txBody>
+          <a:bodyPr/>
+          <a:lstStyle/>
+          <a:p>
+            <a:pPr marL="0" marR="0" lvl="0" indent="0" algn="l" defTabSz="914400" rtl="0" eaLnBrk="1" fontAlgn="auto" latinLnBrk="0" hangingPunct="1">
+              <a:lnSpc>
+                <a:spcPct val="100000"/>
+              </a:lnSpc>
+              <a:spcBef>
+                <a:spcPts val="0"/>
+              </a:spcBef>
+              <a:spcAft>
+                <a:spcPts val="0"/>
+              </a:spcAft>
+              <a:buClrTx/>
+              <a:buSzTx/>
+              <a:buFontTx/>
+              <a:buNone/>
+              <a:tabLst/>
+              <a:defRPr/>
+            </a:pPr>
+            <a:r>
+              <a:rPr kumimoji="0" lang="zh-TW" altLang="en-US" sz="3200" b="0" i="0" u="none" strike="noStrike" kern="1200" cap="none" spc="0" normalizeH="0" baseline="0" noProof="0" dirty="0">
+                <a:ln>
+                  <a:noFill/>
+                </a:ln>
+                <a:solidFill>
+                  <a:prstClr val="black"/>
+                </a:solidFill>
+                <a:effectLst/>
+                <a:uLnTx/>
+                <a:uFillTx/>
+                <a:latin typeface="Aptos" panose="02110004020202020204"/>
+                <a:ea typeface="新細明體" panose="02020500000000000000" pitchFamily="18" charset="-120"/>
+                <a:cs typeface="+mn-cs"/>
+              </a:rPr>
+              <a:t>檢察連續的五根</a:t>
+            </a:r>
+            <a:r>
+              <a:rPr kumimoji="0" lang="en-US" altLang="zh-TW" sz="3200" b="0" i="0" u="none" strike="noStrike" kern="1200" cap="none" spc="0" normalizeH="0" baseline="0" noProof="0" dirty="0">
+                <a:ln>
+                  <a:noFill/>
+                </a:ln>
+                <a:solidFill>
+                  <a:prstClr val="black"/>
+                </a:solidFill>
+                <a:effectLst/>
+                <a:uLnTx/>
+                <a:uFillTx/>
+                <a:latin typeface="Aptos" panose="02110004020202020204"/>
+                <a:ea typeface="新細明體" panose="02020500000000000000" pitchFamily="18" charset="-120"/>
+                <a:cs typeface="+mn-cs"/>
+              </a:rPr>
+              <a:t>k</a:t>
+            </a:r>
+            <a:r>
+              <a:rPr kumimoji="0" lang="zh-TW" altLang="en-US" sz="3200" b="0" i="0" u="none" strike="noStrike" kern="1200" cap="none" spc="0" normalizeH="0" baseline="0" noProof="0" dirty="0">
+                <a:ln>
+                  <a:noFill/>
+                </a:ln>
+                <a:solidFill>
+                  <a:prstClr val="black"/>
+                </a:solidFill>
+                <a:effectLst/>
+                <a:uLnTx/>
+                <a:uFillTx/>
+                <a:latin typeface="Aptos" panose="02110004020202020204"/>
+                <a:ea typeface="新細明體" panose="02020500000000000000" pitchFamily="18" charset="-120"/>
+                <a:cs typeface="+mn-cs"/>
+              </a:rPr>
+              <a:t>棒數值，</a:t>
+            </a:r>
+            <a:endParaRPr kumimoji="0" lang="en-US" altLang="zh-TW" sz="3200" b="0" i="0" u="none" strike="noStrike" kern="1200" cap="none" spc="0" normalizeH="0" baseline="0" noProof="0" dirty="0">
+              <a:ln>
+                <a:noFill/>
+              </a:ln>
+              <a:solidFill>
+                <a:prstClr val="black"/>
+              </a:solidFill>
+              <a:effectLst/>
+              <a:uLnTx/>
+              <a:uFillTx/>
+              <a:latin typeface="Aptos" panose="02110004020202020204"/>
+              <a:ea typeface="新細明體" panose="02020500000000000000" pitchFamily="18" charset="-120"/>
+              <a:cs typeface="+mn-cs"/>
+            </a:endParaRPr>
+          </a:p>
+          <a:p>
+            <a:pPr marL="0" marR="0" lvl="0" indent="0" algn="l" defTabSz="914400" rtl="0" eaLnBrk="1" fontAlgn="auto" latinLnBrk="0" hangingPunct="1">
+              <a:lnSpc>
+                <a:spcPct val="100000"/>
+              </a:lnSpc>
+              <a:spcBef>
+                <a:spcPts val="0"/>
+              </a:spcBef>
+              <a:spcAft>
+                <a:spcPts val="0"/>
+              </a:spcAft>
+              <a:buClrTx/>
+              <a:buSzTx/>
+              <a:buFontTx/>
+              <a:buNone/>
+              <a:tabLst/>
+              <a:defRPr/>
+            </a:pPr>
+            <a:r>
+              <a:rPr kumimoji="0" lang="zh-TW" altLang="en-US" sz="3200" b="0" i="0" u="none" strike="noStrike" kern="1200" cap="none" spc="0" normalizeH="0" baseline="0" noProof="0" dirty="0">
+                <a:ln>
+                  <a:noFill/>
+                </a:ln>
+                <a:solidFill>
+                  <a:prstClr val="black"/>
+                </a:solidFill>
+                <a:effectLst/>
+                <a:uLnTx/>
+                <a:uFillTx/>
+                <a:latin typeface="Aptos" panose="02110004020202020204"/>
+                <a:ea typeface="新細明體" panose="02020500000000000000" pitchFamily="18" charset="-120"/>
+                <a:cs typeface="+mn-cs"/>
+              </a:rPr>
+              <a:t>當第一根</a:t>
+            </a:r>
+            <a:r>
+              <a:rPr kumimoji="0" lang="en-US" altLang="zh-TW" sz="3200" b="0" i="0" u="none" strike="noStrike" kern="1200" cap="none" spc="0" normalizeH="0" baseline="0" noProof="0" dirty="0">
+                <a:ln>
+                  <a:noFill/>
+                </a:ln>
+                <a:solidFill>
+                  <a:prstClr val="black"/>
+                </a:solidFill>
+                <a:effectLst/>
+                <a:uLnTx/>
+                <a:uFillTx/>
+                <a:latin typeface="Aptos" panose="02110004020202020204"/>
+                <a:ea typeface="新細明體" panose="02020500000000000000" pitchFamily="18" charset="-120"/>
+                <a:cs typeface="+mn-cs"/>
+              </a:rPr>
+              <a:t>k</a:t>
+            </a:r>
+            <a:r>
+              <a:rPr kumimoji="0" lang="zh-TW" altLang="en-US" sz="3200" b="0" i="0" u="none" strike="noStrike" kern="1200" cap="none" spc="0" normalizeH="0" baseline="0" noProof="0" dirty="0">
+                <a:ln>
+                  <a:noFill/>
+                </a:ln>
+                <a:solidFill>
+                  <a:prstClr val="black"/>
+                </a:solidFill>
+                <a:effectLst/>
+                <a:uLnTx/>
+                <a:uFillTx/>
+                <a:latin typeface="Aptos" panose="02110004020202020204"/>
+                <a:ea typeface="新細明體" panose="02020500000000000000" pitchFamily="18" charset="-120"/>
+                <a:cs typeface="+mn-cs"/>
+              </a:rPr>
+              <a:t>棒的開盤價減掉第五根</a:t>
+            </a:r>
+            <a:r>
+              <a:rPr kumimoji="0" lang="en-US" altLang="zh-TW" sz="3200" b="0" i="0" u="none" strike="noStrike" kern="1200" cap="none" spc="0" normalizeH="0" baseline="0" noProof="0" dirty="0">
+                <a:ln>
+                  <a:noFill/>
+                </a:ln>
+                <a:solidFill>
+                  <a:prstClr val="black"/>
+                </a:solidFill>
+                <a:effectLst/>
+                <a:uLnTx/>
+                <a:uFillTx/>
+                <a:latin typeface="Aptos" panose="02110004020202020204"/>
+                <a:ea typeface="新細明體" panose="02020500000000000000" pitchFamily="18" charset="-120"/>
+                <a:cs typeface="+mn-cs"/>
+              </a:rPr>
+              <a:t>k</a:t>
+            </a:r>
+            <a:r>
+              <a:rPr kumimoji="0" lang="zh-TW" altLang="en-US" sz="3200" b="0" i="0" u="none" strike="noStrike" kern="1200" cap="none" spc="0" normalizeH="0" baseline="0" noProof="0" dirty="0">
+                <a:ln>
+                  <a:noFill/>
+                </a:ln>
+                <a:solidFill>
+                  <a:prstClr val="black"/>
+                </a:solidFill>
+                <a:effectLst/>
+                <a:uLnTx/>
+                <a:uFillTx/>
+                <a:latin typeface="Aptos" panose="02110004020202020204"/>
+                <a:ea typeface="新細明體" panose="02020500000000000000" pitchFamily="18" charset="-120"/>
+                <a:cs typeface="+mn-cs"/>
+              </a:rPr>
+              <a:t>棒的收盤價的絕對值</a:t>
+            </a:r>
+            <a:endParaRPr kumimoji="0" lang="en-US" altLang="zh-TW" sz="3200" b="0" i="0" u="none" strike="noStrike" kern="1200" cap="none" spc="0" normalizeH="0" baseline="0" noProof="0" dirty="0">
+              <a:ln>
+                <a:noFill/>
+              </a:ln>
+              <a:solidFill>
+                <a:prstClr val="black"/>
+              </a:solidFill>
+              <a:effectLst/>
+              <a:uLnTx/>
+              <a:uFillTx/>
+              <a:latin typeface="Aptos" panose="02110004020202020204"/>
+              <a:ea typeface="新細明體" panose="02020500000000000000" pitchFamily="18" charset="-120"/>
+              <a:cs typeface="+mn-cs"/>
+            </a:endParaRPr>
+          </a:p>
+          <a:p>
+            <a:pPr marL="0" marR="0" lvl="0" indent="0" algn="l" defTabSz="914400" rtl="0" eaLnBrk="1" fontAlgn="auto" latinLnBrk="0" hangingPunct="1">
+              <a:lnSpc>
+                <a:spcPct val="100000"/>
+              </a:lnSpc>
+              <a:spcBef>
+                <a:spcPts val="0"/>
+              </a:spcBef>
+              <a:spcAft>
+                <a:spcPts val="0"/>
+              </a:spcAft>
+              <a:buClrTx/>
+              <a:buSzTx/>
+              <a:buFontTx/>
+              <a:buNone/>
+              <a:tabLst/>
+              <a:defRPr/>
+            </a:pPr>
+            <a:r>
+              <a:rPr kumimoji="0" lang="zh-TW" altLang="en-US" sz="3200" b="0" i="0" u="none" strike="noStrike" kern="1200" cap="none" spc="0" normalizeH="0" baseline="0" noProof="0" dirty="0">
+                <a:ln>
+                  <a:noFill/>
+                </a:ln>
+                <a:solidFill>
+                  <a:prstClr val="black"/>
+                </a:solidFill>
+                <a:effectLst/>
+                <a:uLnTx/>
+                <a:uFillTx/>
+                <a:latin typeface="Aptos" panose="02110004020202020204"/>
+                <a:ea typeface="新細明體" panose="02020500000000000000" pitchFamily="18" charset="-120"/>
+                <a:cs typeface="+mn-cs"/>
+              </a:rPr>
+              <a:t>大於五根</a:t>
+            </a:r>
+            <a:r>
+              <a:rPr kumimoji="0" lang="en-US" altLang="zh-TW" sz="3200" b="0" i="0" u="none" strike="noStrike" kern="1200" cap="none" spc="0" normalizeH="0" baseline="0" noProof="0" dirty="0">
+                <a:ln>
+                  <a:noFill/>
+                </a:ln>
+                <a:solidFill>
+                  <a:prstClr val="black"/>
+                </a:solidFill>
+                <a:effectLst/>
+                <a:uLnTx/>
+                <a:uFillTx/>
+                <a:latin typeface="Aptos" panose="02110004020202020204"/>
+                <a:ea typeface="新細明體" panose="02020500000000000000" pitchFamily="18" charset="-120"/>
+                <a:cs typeface="+mn-cs"/>
+              </a:rPr>
+              <a:t>k</a:t>
+            </a:r>
+            <a:r>
+              <a:rPr kumimoji="0" lang="zh-TW" altLang="en-US" sz="3200" b="0" i="0" u="none" strike="noStrike" kern="1200" cap="none" spc="0" normalizeH="0" baseline="0" noProof="0" dirty="0">
+                <a:ln>
+                  <a:noFill/>
+                </a:ln>
+                <a:solidFill>
+                  <a:prstClr val="black"/>
+                </a:solidFill>
+                <a:effectLst/>
+                <a:uLnTx/>
+                <a:uFillTx/>
+                <a:latin typeface="Aptos" panose="02110004020202020204"/>
+                <a:ea typeface="新細明體" panose="02020500000000000000" pitchFamily="18" charset="-120"/>
+                <a:cs typeface="+mn-cs"/>
+              </a:rPr>
+              <a:t>棒中每一根的大小時，</a:t>
+            </a:r>
+            <a:endParaRPr kumimoji="0" lang="en-US" altLang="zh-TW" sz="3200" b="0" i="0" u="none" strike="noStrike" kern="1200" cap="none" spc="0" normalizeH="0" baseline="0" noProof="0" dirty="0">
+              <a:ln>
+                <a:noFill/>
+              </a:ln>
+              <a:solidFill>
+                <a:prstClr val="black"/>
+              </a:solidFill>
+              <a:effectLst/>
+              <a:uLnTx/>
+              <a:uFillTx/>
+              <a:latin typeface="Aptos" panose="02110004020202020204"/>
+              <a:ea typeface="新細明體" panose="02020500000000000000" pitchFamily="18" charset="-120"/>
+              <a:cs typeface="+mn-cs"/>
+            </a:endParaRPr>
+          </a:p>
+          <a:p>
+            <a:pPr marL="0" marR="0" lvl="0" indent="0" algn="l" defTabSz="914400" rtl="0" eaLnBrk="1" fontAlgn="auto" latinLnBrk="0" hangingPunct="1">
+              <a:lnSpc>
+                <a:spcPct val="100000"/>
+              </a:lnSpc>
+              <a:spcBef>
+                <a:spcPts val="0"/>
+              </a:spcBef>
+              <a:spcAft>
+                <a:spcPts val="0"/>
+              </a:spcAft>
+              <a:buClrTx/>
+              <a:buSzTx/>
+              <a:buFontTx/>
+              <a:buNone/>
+              <a:tabLst/>
+              <a:defRPr/>
+            </a:pPr>
+            <a:r>
+              <a:rPr kumimoji="0" lang="zh-TW" altLang="en-US" sz="3200" b="0" i="0" u="none" strike="noStrike" kern="1200" cap="none" spc="0" normalizeH="0" baseline="0" noProof="0" dirty="0">
+                <a:ln>
+                  <a:noFill/>
+                </a:ln>
+                <a:solidFill>
+                  <a:prstClr val="black"/>
+                </a:solidFill>
+                <a:effectLst/>
+                <a:uLnTx/>
+                <a:uFillTx/>
+                <a:latin typeface="Aptos" panose="02110004020202020204"/>
+                <a:ea typeface="新細明體" panose="02020500000000000000" pitchFamily="18" charset="-120"/>
+                <a:cs typeface="+mn-cs"/>
+              </a:rPr>
+              <a:t>若相減結果為負，則以第五根</a:t>
+            </a:r>
+            <a:r>
+              <a:rPr kumimoji="0" lang="en-US" altLang="zh-TW" sz="3200" b="0" i="0" u="none" strike="noStrike" kern="1200" cap="none" spc="0" normalizeH="0" baseline="0" noProof="0" dirty="0">
+                <a:ln>
+                  <a:noFill/>
+                </a:ln>
+                <a:solidFill>
+                  <a:prstClr val="black"/>
+                </a:solidFill>
+                <a:effectLst/>
+                <a:uLnTx/>
+                <a:uFillTx/>
+                <a:latin typeface="Aptos" panose="02110004020202020204"/>
+                <a:ea typeface="新細明體" panose="02020500000000000000" pitchFamily="18" charset="-120"/>
+                <a:cs typeface="+mn-cs"/>
+              </a:rPr>
+              <a:t>k</a:t>
+            </a:r>
+            <a:r>
+              <a:rPr kumimoji="0" lang="zh-TW" altLang="en-US" sz="3200" b="0" i="0" u="none" strike="noStrike" kern="1200" cap="none" spc="0" normalizeH="0" baseline="0" noProof="0" dirty="0">
+                <a:ln>
+                  <a:noFill/>
+                </a:ln>
+                <a:solidFill>
+                  <a:prstClr val="black"/>
+                </a:solidFill>
+                <a:effectLst/>
+                <a:uLnTx/>
+                <a:uFillTx/>
+                <a:latin typeface="Aptos" panose="02110004020202020204"/>
+                <a:ea typeface="新細明體" panose="02020500000000000000" pitchFamily="18" charset="-120"/>
+                <a:cs typeface="+mn-cs"/>
+              </a:rPr>
+              <a:t>棒的收盤價進行做多，</a:t>
+            </a:r>
+            <a:endParaRPr kumimoji="0" lang="en-US" altLang="zh-TW" sz="3200" b="0" i="0" u="none" strike="noStrike" kern="1200" cap="none" spc="0" normalizeH="0" baseline="0" noProof="0" dirty="0">
+              <a:ln>
+                <a:noFill/>
+              </a:ln>
+              <a:solidFill>
+                <a:prstClr val="black"/>
+              </a:solidFill>
+              <a:effectLst/>
+              <a:uLnTx/>
+              <a:uFillTx/>
+              <a:latin typeface="Aptos" panose="02110004020202020204"/>
+              <a:ea typeface="新細明體" panose="02020500000000000000" pitchFamily="18" charset="-120"/>
+              <a:cs typeface="+mn-cs"/>
+            </a:endParaRPr>
+          </a:p>
+          <a:p>
+            <a:pPr marL="0" marR="0" lvl="0" indent="0" algn="l" defTabSz="914400" rtl="0" eaLnBrk="1" fontAlgn="auto" latinLnBrk="0" hangingPunct="1">
+              <a:lnSpc>
+                <a:spcPct val="100000"/>
+              </a:lnSpc>
+              <a:spcBef>
+                <a:spcPts val="0"/>
+              </a:spcBef>
+              <a:spcAft>
+                <a:spcPts val="0"/>
+              </a:spcAft>
+              <a:buClrTx/>
+              <a:buSzTx/>
+              <a:buFontTx/>
+              <a:buNone/>
+              <a:tabLst/>
+              <a:defRPr/>
+            </a:pPr>
+            <a:r>
+              <a:rPr kumimoji="0" lang="zh-TW" altLang="en-US" sz="3200" b="0" i="0" u="none" strike="noStrike" kern="1200" cap="none" spc="0" normalizeH="0" baseline="0" noProof="0" dirty="0">
+                <a:ln>
+                  <a:noFill/>
+                </a:ln>
+                <a:solidFill>
+                  <a:prstClr val="black"/>
+                </a:solidFill>
+                <a:effectLst/>
+                <a:uLnTx/>
+                <a:uFillTx/>
+                <a:latin typeface="Aptos" panose="02110004020202020204"/>
+                <a:ea typeface="新細明體" panose="02020500000000000000" pitchFamily="18" charset="-120"/>
+                <a:cs typeface="+mn-cs"/>
+              </a:rPr>
+              <a:t>以兩倍相減數值為止益，一倍相減數值為止損</a:t>
+            </a:r>
+            <a:r>
+              <a:rPr lang="zh-TW" altLang="en-US" sz="3200" dirty="0">
+                <a:solidFill>
+                  <a:prstClr val="black"/>
+                </a:solidFill>
+                <a:latin typeface="Aptos" panose="02110004020202020204"/>
+                <a:ea typeface="新細明體" panose="02020500000000000000" pitchFamily="18" charset="-120"/>
+              </a:rPr>
+              <a:t>。</a:t>
+            </a:r>
+            <a:endParaRPr kumimoji="0" lang="en-US" altLang="zh-TW" sz="3200" b="0" i="0" u="none" strike="noStrike" kern="1200" cap="none" spc="0" normalizeH="0" baseline="0" noProof="0" dirty="0">
+              <a:ln>
+                <a:noFill/>
+              </a:ln>
+              <a:solidFill>
+                <a:prstClr val="black"/>
+              </a:solidFill>
+              <a:effectLst/>
+              <a:uLnTx/>
+              <a:uFillTx/>
+              <a:latin typeface="Aptos" panose="02110004020202020204"/>
+              <a:ea typeface="新細明體" panose="02020500000000000000" pitchFamily="18" charset="-120"/>
+              <a:cs typeface="+mn-cs"/>
+            </a:endParaRPr>
+          </a:p>
+          <a:p>
+            <a:endParaRPr lang="zh-TW" altLang="en-US" dirty="0"/>
+          </a:p>
+        </p:txBody>
+      </p:sp>
+    </p:spTree>
+    <p:extLst>
+      <p:ext uri="{BB962C8B-B14F-4D97-AF65-F5344CB8AC3E}">
+        <p14:creationId xmlns:p14="http://schemas.microsoft.com/office/powerpoint/2010/main" val="1659597999"/>
+      </p:ext>
+    </p:extLst>
+  </p:cSld>
+  <p:clrMapOvr>
+    <a:masterClrMapping/>
+  </p:clrMapOvr>
+</p:sld>
+</file>
+
+<file path=ppt/slides/slide15.xml><?xml version="1.0" encoding="utf-8"?>
+<p:sld xmlns:a="http://schemas.openxmlformats.org/drawingml/2006/main" xmlns:r="http://schemas.openxmlformats.org/officeDocument/2006/relationships" xmlns:p="http://schemas.openxmlformats.org/presentationml/2006/main">
+  <p:cSld>
+    <p:spTree>
+      <p:nvGrpSpPr>
+        <p:cNvPr id="1" name=""/>
+        <p:cNvGrpSpPr/>
+        <p:nvPr/>
+      </p:nvGrpSpPr>
+      <p:grpSpPr>
+        <a:xfrm>
+          <a:off x="0" y="0"/>
+          <a:ext cx="0" cy="0"/>
+          <a:chOff x="0" y="0"/>
+          <a:chExt cx="0" cy="0"/>
+        </a:xfrm>
+      </p:grpSpPr>
+      <p:sp>
+        <p:nvSpPr>
+          <p:cNvPr id="2" name="標題 1">
+            <a:extLst>
+              <a:ext uri="{FF2B5EF4-FFF2-40B4-BE49-F238E27FC236}">
+                <a16:creationId xmlns:a16="http://schemas.microsoft.com/office/drawing/2014/main" id="{B55856AC-63E1-A2D5-0B8E-90BB5F005891}"/>
+              </a:ext>
+            </a:extLst>
+          </p:cNvPr>
+          <p:cNvSpPr>
+            <a:spLocks noGrp="1"/>
+          </p:cNvSpPr>
+          <p:nvPr>
+            <p:ph type="title"/>
+          </p:nvPr>
+        </p:nvSpPr>
+        <p:spPr/>
+        <p:txBody>
+          <a:bodyPr/>
+          <a:lstStyle/>
+          <a:p>
+            <a:endParaRPr lang="zh-TW" altLang="en-US"/>
+          </a:p>
+        </p:txBody>
+      </p:sp>
+      <p:sp>
+        <p:nvSpPr>
+          <p:cNvPr id="3" name="內容版面配置區 2">
+            <a:extLst>
+              <a:ext uri="{FF2B5EF4-FFF2-40B4-BE49-F238E27FC236}">
+                <a16:creationId xmlns:a16="http://schemas.microsoft.com/office/drawing/2014/main" id="{4BEDE942-1C2E-8095-6F0F-50DDA326F017}"/>
+              </a:ext>
+            </a:extLst>
+          </p:cNvPr>
+          <p:cNvSpPr>
+            <a:spLocks noGrp="1"/>
+          </p:cNvSpPr>
+          <p:nvPr>
+            <p:ph idx="1"/>
+          </p:nvPr>
+        </p:nvSpPr>
+        <p:spPr/>
+        <p:txBody>
+          <a:bodyPr/>
+          <a:lstStyle/>
+          <a:p>
+            <a:endParaRPr lang="zh-TW" altLang="en-US"/>
+          </a:p>
+        </p:txBody>
+      </p:sp>
+      <p:pic>
+        <p:nvPicPr>
+          <p:cNvPr id="9" name="圖片 8">
+            <a:extLst>
+              <a:ext uri="{FF2B5EF4-FFF2-40B4-BE49-F238E27FC236}">
+                <a16:creationId xmlns:a16="http://schemas.microsoft.com/office/drawing/2014/main" id="{DABCD5A8-BB74-DB87-0C44-093C13E3C6A1}"/>
+              </a:ext>
+            </a:extLst>
+          </p:cNvPr>
+          <p:cNvPicPr>
+            <a:picLocks noChangeAspect="1"/>
+          </p:cNvPicPr>
+          <p:nvPr/>
+        </p:nvPicPr>
+        <p:blipFill>
+          <a:blip r:embed="rId2"/>
+          <a:stretch>
+            <a:fillRect/>
+          </a:stretch>
+        </p:blipFill>
+        <p:spPr>
+          <a:xfrm>
+            <a:off x="1552575" y="1543050"/>
+            <a:ext cx="9086850" cy="4762500"/>
+          </a:xfrm>
+          <a:prstGeom prst="rect">
+            <a:avLst/>
+          </a:prstGeom>
+        </p:spPr>
+      </p:pic>
+    </p:spTree>
+    <p:extLst>
+      <p:ext uri="{BB962C8B-B14F-4D97-AF65-F5344CB8AC3E}">
+        <p14:creationId xmlns:p14="http://schemas.microsoft.com/office/powerpoint/2010/main" val="4003988740"/>
+      </p:ext>
+    </p:extLst>
+  </p:cSld>
+  <p:clrMapOvr>
+    <a:masterClrMapping/>
+  </p:clrMapOvr>
+</p:sld>
+</file>
+
+<file path=ppt/slides/slide16.xml><?xml version="1.0" encoding="utf-8"?>
+<p:sld xmlns:a="http://schemas.openxmlformats.org/drawingml/2006/main" xmlns:r="http://schemas.openxmlformats.org/officeDocument/2006/relationships" xmlns:p="http://schemas.openxmlformats.org/presentationml/2006/main">
+  <p:cSld>
+    <p:spTree>
+      <p:nvGrpSpPr>
+        <p:cNvPr id="1" name=""/>
+        <p:cNvGrpSpPr/>
+        <p:nvPr/>
+      </p:nvGrpSpPr>
+      <p:grpSpPr>
+        <a:xfrm>
+          <a:off x="0" y="0"/>
+          <a:ext cx="0" cy="0"/>
+          <a:chOff x="0" y="0"/>
+          <a:chExt cx="0" cy="0"/>
+        </a:xfrm>
+      </p:grpSpPr>
+      <p:sp>
+        <p:nvSpPr>
+          <p:cNvPr id="2" name="標題 1">
+            <a:extLst>
+              <a:ext uri="{FF2B5EF4-FFF2-40B4-BE49-F238E27FC236}">
+                <a16:creationId xmlns:a16="http://schemas.microsoft.com/office/drawing/2014/main" id="{51F1270B-40D2-6DB2-7756-A594BBDB2245}"/>
+              </a:ext>
+            </a:extLst>
+          </p:cNvPr>
+          <p:cNvSpPr>
+            <a:spLocks noGrp="1"/>
+          </p:cNvSpPr>
+          <p:nvPr>
+            <p:ph type="title"/>
+          </p:nvPr>
+        </p:nvSpPr>
+        <p:spPr/>
+        <p:txBody>
+          <a:bodyPr/>
+          <a:lstStyle/>
+          <a:p>
+            <a:r>
+              <a:rPr lang="en-US" altLang="zh-TW" dirty="0"/>
+              <a:t>2.2</a:t>
+            </a:r>
+            <a:r>
+              <a:rPr lang="zh-TW" altLang="en-US" dirty="0"/>
+              <a:t> 賣出策略</a:t>
+            </a:r>
+          </a:p>
+        </p:txBody>
+      </p:sp>
+      <p:sp>
+        <p:nvSpPr>
+          <p:cNvPr id="3" name="內容版面配置區 2">
+            <a:extLst>
+              <a:ext uri="{FF2B5EF4-FFF2-40B4-BE49-F238E27FC236}">
+                <a16:creationId xmlns:a16="http://schemas.microsoft.com/office/drawing/2014/main" id="{26F48521-600B-8B59-4FBD-CAB1456AEBA5}"/>
+              </a:ext>
+            </a:extLst>
+          </p:cNvPr>
+          <p:cNvSpPr>
+            <a:spLocks noGrp="1"/>
+          </p:cNvSpPr>
+          <p:nvPr>
+            <p:ph idx="1"/>
+          </p:nvPr>
+        </p:nvSpPr>
+        <p:spPr/>
+        <p:txBody>
+          <a:bodyPr/>
+          <a:lstStyle/>
+          <a:p>
+            <a:pPr marL="0" marR="0" lvl="0" indent="0" algn="l" defTabSz="914400" rtl="0" eaLnBrk="1" fontAlgn="auto" latinLnBrk="0" hangingPunct="1">
+              <a:lnSpc>
+                <a:spcPct val="100000"/>
+              </a:lnSpc>
+              <a:spcBef>
+                <a:spcPts val="0"/>
+              </a:spcBef>
+              <a:spcAft>
+                <a:spcPts val="0"/>
+              </a:spcAft>
+              <a:buClrTx/>
+              <a:buSzTx/>
+              <a:buFontTx/>
+              <a:buNone/>
+              <a:tabLst/>
+              <a:defRPr/>
+            </a:pPr>
+            <a:r>
+              <a:rPr kumimoji="0" lang="zh-TW" altLang="en-US" sz="3200" b="0" i="0" u="none" strike="noStrike" kern="1200" cap="none" spc="0" normalizeH="0" baseline="0" noProof="0" dirty="0">
+                <a:ln>
+                  <a:noFill/>
+                </a:ln>
+                <a:solidFill>
+                  <a:prstClr val="black"/>
+                </a:solidFill>
+                <a:effectLst/>
+                <a:uLnTx/>
+                <a:uFillTx/>
+                <a:latin typeface="Aptos" panose="02110004020202020204"/>
+                <a:ea typeface="新細明體" panose="02020500000000000000" pitchFamily="18" charset="-120"/>
+                <a:cs typeface="+mn-cs"/>
+              </a:rPr>
+              <a:t>檢察連續的五根</a:t>
+            </a:r>
+            <a:r>
+              <a:rPr kumimoji="0" lang="en-US" altLang="zh-TW" sz="3200" b="0" i="0" u="none" strike="noStrike" kern="1200" cap="none" spc="0" normalizeH="0" baseline="0" noProof="0" dirty="0">
+                <a:ln>
+                  <a:noFill/>
+                </a:ln>
+                <a:solidFill>
+                  <a:prstClr val="black"/>
+                </a:solidFill>
+                <a:effectLst/>
+                <a:uLnTx/>
+                <a:uFillTx/>
+                <a:latin typeface="Aptos" panose="02110004020202020204"/>
+                <a:ea typeface="新細明體" panose="02020500000000000000" pitchFamily="18" charset="-120"/>
+                <a:cs typeface="+mn-cs"/>
+              </a:rPr>
+              <a:t>k</a:t>
+            </a:r>
+            <a:r>
+              <a:rPr kumimoji="0" lang="zh-TW" altLang="en-US" sz="3200" b="0" i="0" u="none" strike="noStrike" kern="1200" cap="none" spc="0" normalizeH="0" baseline="0" noProof="0" dirty="0">
+                <a:ln>
+                  <a:noFill/>
+                </a:ln>
+                <a:solidFill>
+                  <a:prstClr val="black"/>
+                </a:solidFill>
+                <a:effectLst/>
+                <a:uLnTx/>
+                <a:uFillTx/>
+                <a:latin typeface="Aptos" panose="02110004020202020204"/>
+                <a:ea typeface="新細明體" panose="02020500000000000000" pitchFamily="18" charset="-120"/>
+                <a:cs typeface="+mn-cs"/>
+              </a:rPr>
+              <a:t>棒數值，</a:t>
+            </a:r>
+            <a:endParaRPr kumimoji="0" lang="en-US" altLang="zh-TW" sz="3200" b="0" i="0" u="none" strike="noStrike" kern="1200" cap="none" spc="0" normalizeH="0" baseline="0" noProof="0" dirty="0">
+              <a:ln>
+                <a:noFill/>
+              </a:ln>
+              <a:solidFill>
+                <a:prstClr val="black"/>
+              </a:solidFill>
+              <a:effectLst/>
+              <a:uLnTx/>
+              <a:uFillTx/>
+              <a:latin typeface="Aptos" panose="02110004020202020204"/>
+              <a:ea typeface="新細明體" panose="02020500000000000000" pitchFamily="18" charset="-120"/>
+              <a:cs typeface="+mn-cs"/>
+            </a:endParaRPr>
+          </a:p>
+          <a:p>
+            <a:pPr marL="0" marR="0" lvl="0" indent="0" algn="l" defTabSz="914400" rtl="0" eaLnBrk="1" fontAlgn="auto" latinLnBrk="0" hangingPunct="1">
+              <a:lnSpc>
+                <a:spcPct val="100000"/>
+              </a:lnSpc>
+              <a:spcBef>
+                <a:spcPts val="0"/>
+              </a:spcBef>
+              <a:spcAft>
+                <a:spcPts val="0"/>
+              </a:spcAft>
+              <a:buClrTx/>
+              <a:buSzTx/>
+              <a:buFontTx/>
+              <a:buNone/>
+              <a:tabLst/>
+              <a:defRPr/>
+            </a:pPr>
+            <a:r>
+              <a:rPr kumimoji="0" lang="zh-TW" altLang="en-US" sz="3200" b="0" i="0" u="none" strike="noStrike" kern="1200" cap="none" spc="0" normalizeH="0" baseline="0" noProof="0" dirty="0">
+                <a:ln>
+                  <a:noFill/>
+                </a:ln>
+                <a:solidFill>
+                  <a:prstClr val="black"/>
+                </a:solidFill>
+                <a:effectLst/>
+                <a:uLnTx/>
+                <a:uFillTx/>
+                <a:latin typeface="Aptos" panose="02110004020202020204"/>
+                <a:ea typeface="新細明體" panose="02020500000000000000" pitchFamily="18" charset="-120"/>
+                <a:cs typeface="+mn-cs"/>
+              </a:rPr>
+              <a:t>當第一根</a:t>
+            </a:r>
+            <a:r>
+              <a:rPr kumimoji="0" lang="en-US" altLang="zh-TW" sz="3200" b="0" i="0" u="none" strike="noStrike" kern="1200" cap="none" spc="0" normalizeH="0" baseline="0" noProof="0" dirty="0">
+                <a:ln>
+                  <a:noFill/>
+                </a:ln>
+                <a:solidFill>
+                  <a:prstClr val="black"/>
+                </a:solidFill>
+                <a:effectLst/>
+                <a:uLnTx/>
+                <a:uFillTx/>
+                <a:latin typeface="Aptos" panose="02110004020202020204"/>
+                <a:ea typeface="新細明體" panose="02020500000000000000" pitchFamily="18" charset="-120"/>
+                <a:cs typeface="+mn-cs"/>
+              </a:rPr>
+              <a:t>k</a:t>
+            </a:r>
+            <a:r>
+              <a:rPr kumimoji="0" lang="zh-TW" altLang="en-US" sz="3200" b="0" i="0" u="none" strike="noStrike" kern="1200" cap="none" spc="0" normalizeH="0" baseline="0" noProof="0" dirty="0">
+                <a:ln>
+                  <a:noFill/>
+                </a:ln>
+                <a:solidFill>
+                  <a:prstClr val="black"/>
+                </a:solidFill>
+                <a:effectLst/>
+                <a:uLnTx/>
+                <a:uFillTx/>
+                <a:latin typeface="Aptos" panose="02110004020202020204"/>
+                <a:ea typeface="新細明體" panose="02020500000000000000" pitchFamily="18" charset="-120"/>
+                <a:cs typeface="+mn-cs"/>
+              </a:rPr>
+              <a:t>棒的開盤價減掉第五根</a:t>
+            </a:r>
+            <a:r>
+              <a:rPr kumimoji="0" lang="en-US" altLang="zh-TW" sz="3200" b="0" i="0" u="none" strike="noStrike" kern="1200" cap="none" spc="0" normalizeH="0" baseline="0" noProof="0" dirty="0">
+                <a:ln>
+                  <a:noFill/>
+                </a:ln>
+                <a:solidFill>
+                  <a:prstClr val="black"/>
+                </a:solidFill>
+                <a:effectLst/>
+                <a:uLnTx/>
+                <a:uFillTx/>
+                <a:latin typeface="Aptos" panose="02110004020202020204"/>
+                <a:ea typeface="新細明體" panose="02020500000000000000" pitchFamily="18" charset="-120"/>
+                <a:cs typeface="+mn-cs"/>
+              </a:rPr>
+              <a:t>k</a:t>
+            </a:r>
+            <a:r>
+              <a:rPr kumimoji="0" lang="zh-TW" altLang="en-US" sz="3200" b="0" i="0" u="none" strike="noStrike" kern="1200" cap="none" spc="0" normalizeH="0" baseline="0" noProof="0" dirty="0">
+                <a:ln>
+                  <a:noFill/>
+                </a:ln>
+                <a:solidFill>
+                  <a:prstClr val="black"/>
+                </a:solidFill>
+                <a:effectLst/>
+                <a:uLnTx/>
+                <a:uFillTx/>
+                <a:latin typeface="Aptos" panose="02110004020202020204"/>
+                <a:ea typeface="新細明體" panose="02020500000000000000" pitchFamily="18" charset="-120"/>
+                <a:cs typeface="+mn-cs"/>
+              </a:rPr>
+              <a:t>棒的收盤價的絕對值</a:t>
+            </a:r>
+            <a:endParaRPr kumimoji="0" lang="en-US" altLang="zh-TW" sz="3200" b="0" i="0" u="none" strike="noStrike" kern="1200" cap="none" spc="0" normalizeH="0" baseline="0" noProof="0" dirty="0">
+              <a:ln>
+                <a:noFill/>
+              </a:ln>
+              <a:solidFill>
+                <a:prstClr val="black"/>
+              </a:solidFill>
+              <a:effectLst/>
+              <a:uLnTx/>
+              <a:uFillTx/>
+              <a:latin typeface="Aptos" panose="02110004020202020204"/>
+              <a:ea typeface="新細明體" panose="02020500000000000000" pitchFamily="18" charset="-120"/>
+              <a:cs typeface="+mn-cs"/>
+            </a:endParaRPr>
+          </a:p>
+          <a:p>
+            <a:pPr marL="0" marR="0" lvl="0" indent="0" algn="l" defTabSz="914400" rtl="0" eaLnBrk="1" fontAlgn="auto" latinLnBrk="0" hangingPunct="1">
+              <a:lnSpc>
+                <a:spcPct val="100000"/>
+              </a:lnSpc>
+              <a:spcBef>
+                <a:spcPts val="0"/>
+              </a:spcBef>
+              <a:spcAft>
+                <a:spcPts val="0"/>
+              </a:spcAft>
+              <a:buClrTx/>
+              <a:buSzTx/>
+              <a:buFontTx/>
+              <a:buNone/>
+              <a:tabLst/>
+              <a:defRPr/>
+            </a:pPr>
+            <a:r>
+              <a:rPr kumimoji="0" lang="zh-TW" altLang="en-US" sz="3200" b="0" i="0" u="none" strike="noStrike" kern="1200" cap="none" spc="0" normalizeH="0" baseline="0" noProof="0" dirty="0">
+                <a:ln>
+                  <a:noFill/>
+                </a:ln>
+                <a:solidFill>
+                  <a:prstClr val="black"/>
+                </a:solidFill>
+                <a:effectLst/>
+                <a:uLnTx/>
+                <a:uFillTx/>
+                <a:latin typeface="Aptos" panose="02110004020202020204"/>
+                <a:ea typeface="新細明體" panose="02020500000000000000" pitchFamily="18" charset="-120"/>
+                <a:cs typeface="+mn-cs"/>
+              </a:rPr>
+              <a:t>大於五根</a:t>
+            </a:r>
+            <a:r>
+              <a:rPr kumimoji="0" lang="en-US" altLang="zh-TW" sz="3200" b="0" i="0" u="none" strike="noStrike" kern="1200" cap="none" spc="0" normalizeH="0" baseline="0" noProof="0" dirty="0">
+                <a:ln>
+                  <a:noFill/>
+                </a:ln>
+                <a:solidFill>
+                  <a:prstClr val="black"/>
+                </a:solidFill>
+                <a:effectLst/>
+                <a:uLnTx/>
+                <a:uFillTx/>
+                <a:latin typeface="Aptos" panose="02110004020202020204"/>
+                <a:ea typeface="新細明體" panose="02020500000000000000" pitchFamily="18" charset="-120"/>
+                <a:cs typeface="+mn-cs"/>
+              </a:rPr>
+              <a:t>k</a:t>
+            </a:r>
+            <a:r>
+              <a:rPr kumimoji="0" lang="zh-TW" altLang="en-US" sz="3200" b="0" i="0" u="none" strike="noStrike" kern="1200" cap="none" spc="0" normalizeH="0" baseline="0" noProof="0" dirty="0">
+                <a:ln>
+                  <a:noFill/>
+                </a:ln>
+                <a:solidFill>
+                  <a:prstClr val="black"/>
+                </a:solidFill>
+                <a:effectLst/>
+                <a:uLnTx/>
+                <a:uFillTx/>
+                <a:latin typeface="Aptos" panose="02110004020202020204"/>
+                <a:ea typeface="新細明體" panose="02020500000000000000" pitchFamily="18" charset="-120"/>
+                <a:cs typeface="+mn-cs"/>
+              </a:rPr>
+              <a:t>棒中每一根的大小時，</a:t>
+            </a:r>
+            <a:endParaRPr kumimoji="0" lang="en-US" altLang="zh-TW" sz="3200" b="0" i="0" u="none" strike="noStrike" kern="1200" cap="none" spc="0" normalizeH="0" baseline="0" noProof="0" dirty="0">
+              <a:ln>
+                <a:noFill/>
+              </a:ln>
+              <a:solidFill>
+                <a:prstClr val="black"/>
+              </a:solidFill>
+              <a:effectLst/>
+              <a:uLnTx/>
+              <a:uFillTx/>
+              <a:latin typeface="Aptos" panose="02110004020202020204"/>
+              <a:ea typeface="新細明體" panose="02020500000000000000" pitchFamily="18" charset="-120"/>
+              <a:cs typeface="+mn-cs"/>
+            </a:endParaRPr>
+          </a:p>
+          <a:p>
+            <a:pPr marL="0" marR="0" lvl="0" indent="0" algn="l" defTabSz="914400" rtl="0" eaLnBrk="1" fontAlgn="auto" latinLnBrk="0" hangingPunct="1">
+              <a:lnSpc>
+                <a:spcPct val="100000"/>
+              </a:lnSpc>
+              <a:spcBef>
+                <a:spcPts val="0"/>
+              </a:spcBef>
+              <a:spcAft>
+                <a:spcPts val="0"/>
+              </a:spcAft>
+              <a:buClrTx/>
+              <a:buSzTx/>
+              <a:buFontTx/>
+              <a:buNone/>
+              <a:tabLst/>
+              <a:defRPr/>
+            </a:pPr>
+            <a:r>
+              <a:rPr kumimoji="0" lang="zh-TW" altLang="en-US" sz="3200" b="0" i="0" u="none" strike="noStrike" kern="1200" cap="none" spc="0" normalizeH="0" baseline="0" noProof="0" dirty="0">
+                <a:ln>
+                  <a:noFill/>
+                </a:ln>
+                <a:solidFill>
+                  <a:prstClr val="black"/>
+                </a:solidFill>
+                <a:effectLst/>
+                <a:uLnTx/>
+                <a:uFillTx/>
+                <a:latin typeface="Aptos" panose="02110004020202020204"/>
+                <a:ea typeface="新細明體" panose="02020500000000000000" pitchFamily="18" charset="-120"/>
+                <a:cs typeface="+mn-cs"/>
+              </a:rPr>
+              <a:t>若相減結果為正，則以第五根</a:t>
+            </a:r>
+            <a:r>
+              <a:rPr kumimoji="0" lang="en-US" altLang="zh-TW" sz="3200" b="0" i="0" u="none" strike="noStrike" kern="1200" cap="none" spc="0" normalizeH="0" baseline="0" noProof="0" dirty="0">
+                <a:ln>
+                  <a:noFill/>
+                </a:ln>
+                <a:solidFill>
+                  <a:prstClr val="black"/>
+                </a:solidFill>
+                <a:effectLst/>
+                <a:uLnTx/>
+                <a:uFillTx/>
+                <a:latin typeface="Aptos" panose="02110004020202020204"/>
+                <a:ea typeface="新細明體" panose="02020500000000000000" pitchFamily="18" charset="-120"/>
+                <a:cs typeface="+mn-cs"/>
+              </a:rPr>
+              <a:t>k</a:t>
+            </a:r>
+            <a:r>
+              <a:rPr kumimoji="0" lang="zh-TW" altLang="en-US" sz="3200" b="0" i="0" u="none" strike="noStrike" kern="1200" cap="none" spc="0" normalizeH="0" baseline="0" noProof="0" dirty="0">
+                <a:ln>
+                  <a:noFill/>
+                </a:ln>
+                <a:solidFill>
+                  <a:prstClr val="black"/>
+                </a:solidFill>
+                <a:effectLst/>
+                <a:uLnTx/>
+                <a:uFillTx/>
+                <a:latin typeface="Aptos" panose="02110004020202020204"/>
+                <a:ea typeface="新細明體" panose="02020500000000000000" pitchFamily="18" charset="-120"/>
+                <a:cs typeface="+mn-cs"/>
+              </a:rPr>
+              <a:t>棒的收盤價進行做空，</a:t>
+            </a:r>
+            <a:endParaRPr kumimoji="0" lang="en-US" altLang="zh-TW" sz="3200" b="0" i="0" u="none" strike="noStrike" kern="1200" cap="none" spc="0" normalizeH="0" baseline="0" noProof="0" dirty="0">
+              <a:ln>
+                <a:noFill/>
+              </a:ln>
+              <a:solidFill>
+                <a:prstClr val="black"/>
+              </a:solidFill>
+              <a:effectLst/>
+              <a:uLnTx/>
+              <a:uFillTx/>
+              <a:latin typeface="Aptos" panose="02110004020202020204"/>
+              <a:ea typeface="新細明體" panose="02020500000000000000" pitchFamily="18" charset="-120"/>
+              <a:cs typeface="+mn-cs"/>
+            </a:endParaRPr>
+          </a:p>
+          <a:p>
+            <a:pPr marL="0" marR="0" lvl="0" indent="0" algn="l" defTabSz="914400" rtl="0" eaLnBrk="1" fontAlgn="auto" latinLnBrk="0" hangingPunct="1">
+              <a:lnSpc>
+                <a:spcPct val="100000"/>
+              </a:lnSpc>
+              <a:spcBef>
+                <a:spcPts val="0"/>
+              </a:spcBef>
+              <a:spcAft>
+                <a:spcPts val="0"/>
+              </a:spcAft>
+              <a:buClrTx/>
+              <a:buSzTx/>
+              <a:buFontTx/>
+              <a:buNone/>
+              <a:tabLst/>
+              <a:defRPr/>
+            </a:pPr>
+            <a:r>
+              <a:rPr kumimoji="0" lang="zh-TW" altLang="en-US" sz="3200" b="0" i="0" u="none" strike="noStrike" kern="1200" cap="none" spc="0" normalizeH="0" baseline="0" noProof="0" dirty="0">
+                <a:ln>
+                  <a:noFill/>
+                </a:ln>
+                <a:solidFill>
+                  <a:prstClr val="black"/>
+                </a:solidFill>
+                <a:effectLst/>
+                <a:uLnTx/>
+                <a:uFillTx/>
+                <a:latin typeface="Aptos" panose="02110004020202020204"/>
+                <a:ea typeface="新細明體" panose="02020500000000000000" pitchFamily="18" charset="-120"/>
+                <a:cs typeface="+mn-cs"/>
+              </a:rPr>
+              <a:t>以兩倍相減數值為止益，一倍相減數值為止損。</a:t>
+            </a:r>
+          </a:p>
+          <a:p>
+            <a:endParaRPr lang="zh-TW" altLang="en-US" dirty="0"/>
+          </a:p>
+        </p:txBody>
+      </p:sp>
+    </p:spTree>
+    <p:extLst>
+      <p:ext uri="{BB962C8B-B14F-4D97-AF65-F5344CB8AC3E}">
+        <p14:creationId xmlns:p14="http://schemas.microsoft.com/office/powerpoint/2010/main" val="1219279302"/>
+      </p:ext>
+    </p:extLst>
+  </p:cSld>
+  <p:clrMapOvr>
+    <a:masterClrMapping/>
+  </p:clrMapOvr>
+</p:sld>
+</file>
+
+<file path=ppt/slides/slide17.xml><?xml version="1.0" encoding="utf-8"?>
+<p:sld xmlns:a="http://schemas.openxmlformats.org/drawingml/2006/main" xmlns:r="http://schemas.openxmlformats.org/officeDocument/2006/relationships" xmlns:p="http://schemas.openxmlformats.org/presentationml/2006/main">
+  <p:cSld>
+    <p:spTree>
+      <p:nvGrpSpPr>
+        <p:cNvPr id="1" name=""/>
+        <p:cNvGrpSpPr/>
+        <p:nvPr/>
+      </p:nvGrpSpPr>
+      <p:grpSpPr>
+        <a:xfrm>
+          <a:off x="0" y="0"/>
+          <a:ext cx="0" cy="0"/>
+          <a:chOff x="0" y="0"/>
+          <a:chExt cx="0" cy="0"/>
+        </a:xfrm>
+      </p:grpSpPr>
+      <p:sp>
+        <p:nvSpPr>
+          <p:cNvPr id="2" name="標題 1">
+            <a:extLst>
+              <a:ext uri="{FF2B5EF4-FFF2-40B4-BE49-F238E27FC236}">
+                <a16:creationId xmlns:a16="http://schemas.microsoft.com/office/drawing/2014/main" id="{67BB7BCC-E0A0-D5E7-2AE1-A108FC3710E0}"/>
+              </a:ext>
+            </a:extLst>
+          </p:cNvPr>
+          <p:cNvSpPr>
+            <a:spLocks noGrp="1"/>
+          </p:cNvSpPr>
+          <p:nvPr>
+            <p:ph type="title"/>
+          </p:nvPr>
+        </p:nvSpPr>
+        <p:spPr/>
+        <p:txBody>
+          <a:bodyPr/>
+          <a:lstStyle/>
+          <a:p>
+            <a:endParaRPr lang="zh-TW" altLang="en-US"/>
+          </a:p>
+        </p:txBody>
+      </p:sp>
+      <p:sp>
+        <p:nvSpPr>
+          <p:cNvPr id="3" name="內容版面配置區 2">
+            <a:extLst>
+              <a:ext uri="{FF2B5EF4-FFF2-40B4-BE49-F238E27FC236}">
+                <a16:creationId xmlns:a16="http://schemas.microsoft.com/office/drawing/2014/main" id="{FFA2A020-13F5-70F2-98F2-979A43096DE0}"/>
+              </a:ext>
+            </a:extLst>
+          </p:cNvPr>
+          <p:cNvSpPr>
+            <a:spLocks noGrp="1"/>
+          </p:cNvSpPr>
+          <p:nvPr>
+            <p:ph idx="1"/>
+          </p:nvPr>
+        </p:nvSpPr>
+        <p:spPr/>
+        <p:txBody>
+          <a:bodyPr/>
+          <a:lstStyle/>
+          <a:p>
+            <a:endParaRPr lang="zh-TW" altLang="en-US"/>
+          </a:p>
+        </p:txBody>
+      </p:sp>
+      <p:pic>
+        <p:nvPicPr>
+          <p:cNvPr id="5" name="內容版面配置區 4">
+            <a:extLst>
+              <a:ext uri="{FF2B5EF4-FFF2-40B4-BE49-F238E27FC236}">
+                <a16:creationId xmlns:a16="http://schemas.microsoft.com/office/drawing/2014/main" id="{27959BA3-3FE1-A84C-16CC-D2CA8B9842E0}"/>
+              </a:ext>
+            </a:extLst>
+          </p:cNvPr>
+          <p:cNvPicPr>
+            <a:picLocks noChangeAspect="1"/>
+          </p:cNvPicPr>
+          <p:nvPr/>
+        </p:nvPicPr>
+        <p:blipFill>
+          <a:blip r:embed="rId2"/>
+          <a:stretch>
+            <a:fillRect/>
+          </a:stretch>
+        </p:blipFill>
+        <p:spPr>
+          <a:xfrm>
+            <a:off x="1433512" y="1825625"/>
+            <a:ext cx="9324975" cy="4229100"/>
+          </a:xfrm>
+          <a:prstGeom prst="rect">
+            <a:avLst/>
+          </a:prstGeom>
+        </p:spPr>
+      </p:pic>
+    </p:spTree>
+    <p:extLst>
+      <p:ext uri="{BB962C8B-B14F-4D97-AF65-F5344CB8AC3E}">
+        <p14:creationId xmlns:p14="http://schemas.microsoft.com/office/powerpoint/2010/main" val="771146129"/>
+      </p:ext>
+    </p:extLst>
+  </p:cSld>
+  <p:clrMapOvr>
+    <a:masterClrMapping/>
+  </p:clrMapOvr>
+</p:sld>
+</file>
+
+<file path=ppt/slides/slide18.xml><?xml version="1.0" encoding="utf-8"?>
+<p:sld xmlns:a="http://schemas.openxmlformats.org/drawingml/2006/main" xmlns:r="http://schemas.openxmlformats.org/officeDocument/2006/relationships" xmlns:p="http://schemas.openxmlformats.org/presentationml/2006/main">
+  <p:cSld>
+    <p:spTree>
+      <p:nvGrpSpPr>
+        <p:cNvPr id="1" name=""/>
+        <p:cNvGrpSpPr/>
+        <p:nvPr/>
+      </p:nvGrpSpPr>
+      <p:grpSpPr>
+        <a:xfrm>
+          <a:off x="0" y="0"/>
+          <a:ext cx="0" cy="0"/>
+          <a:chOff x="0" y="0"/>
+          <a:chExt cx="0" cy="0"/>
+        </a:xfrm>
+      </p:grpSpPr>
+      <p:sp>
+        <p:nvSpPr>
           <p:cNvPr id="4" name="文字方塊 3">
             <a:extLst>
               <a:ext uri="{FF2B5EF4-FFF2-40B4-BE49-F238E27FC236}">
@@ -4608,7 +7325,7 @@
 </p:sld>
 </file>
 
-<file path=ppt/slides/slide15.xml><?xml version="1.0" encoding="utf-8"?>
+<file path=ppt/slides/slide19.xml><?xml version="1.0" encoding="utf-8"?>
 <p:sld xmlns:a="http://schemas.openxmlformats.org/drawingml/2006/main" xmlns:r="http://schemas.openxmlformats.org/officeDocument/2006/relationships" xmlns:p="http://schemas.openxmlformats.org/presentationml/2006/main">
   <p:cSld>
     <p:spTree>
@@ -4737,614 +7454,6 @@
 </p:sld>
 </file>
 
-<file path=ppt/slides/slide16.xml><?xml version="1.0" encoding="utf-8"?>
-<p:sld xmlns:a="http://schemas.openxmlformats.org/drawingml/2006/main" xmlns:r="http://schemas.openxmlformats.org/officeDocument/2006/relationships" xmlns:p="http://schemas.openxmlformats.org/presentationml/2006/main">
-  <p:cSld>
-    <p:spTree>
-      <p:nvGrpSpPr>
-        <p:cNvPr id="1" name=""/>
-        <p:cNvGrpSpPr/>
-        <p:nvPr/>
-      </p:nvGrpSpPr>
-      <p:grpSpPr>
-        <a:xfrm>
-          <a:off x="0" y="0"/>
-          <a:ext cx="0" cy="0"/>
-          <a:chOff x="0" y="0"/>
-          <a:chExt cx="0" cy="0"/>
-        </a:xfrm>
-      </p:grpSpPr>
-      <p:sp>
-        <p:nvSpPr>
-          <p:cNvPr id="2" name="標題 1">
-            <a:extLst>
-              <a:ext uri="{FF2B5EF4-FFF2-40B4-BE49-F238E27FC236}">
-                <a16:creationId xmlns:a16="http://schemas.microsoft.com/office/drawing/2014/main" id="{F2D1A94E-4168-4D08-1464-E90210FBEEB6}"/>
-              </a:ext>
-            </a:extLst>
-          </p:cNvPr>
-          <p:cNvSpPr>
-            <a:spLocks noGrp="1"/>
-          </p:cNvSpPr>
-          <p:nvPr>
-            <p:ph type="title"/>
-          </p:nvPr>
-        </p:nvSpPr>
-        <p:spPr>
-          <a:xfrm>
-            <a:off x="838200" y="365125"/>
-            <a:ext cx="8029575" cy="1025525"/>
-          </a:xfrm>
-        </p:spPr>
-        <p:txBody>
-          <a:bodyPr>
-            <a:normAutofit/>
-          </a:bodyPr>
-          <a:lstStyle/>
-          <a:p>
-            <a:r>
-              <a:rPr lang="en-US" altLang="zh-TW" dirty="0"/>
-              <a:t>2.4 </a:t>
-            </a:r>
-            <a:r>
-              <a:rPr lang="zh-TW" altLang="en-US" dirty="0"/>
-              <a:t>問題與改動</a:t>
-            </a:r>
-          </a:p>
-        </p:txBody>
-      </p:sp>
-      <p:sp>
-        <p:nvSpPr>
-          <p:cNvPr id="3" name="內容版面配置區 2">
-            <a:extLst>
-              <a:ext uri="{FF2B5EF4-FFF2-40B4-BE49-F238E27FC236}">
-                <a16:creationId xmlns:a16="http://schemas.microsoft.com/office/drawing/2014/main" id="{1A13EEB7-EEFE-CCF2-7B31-A30EDA763B70}"/>
-              </a:ext>
-            </a:extLst>
-          </p:cNvPr>
-          <p:cNvSpPr>
-            <a:spLocks noGrp="1"/>
-          </p:cNvSpPr>
-          <p:nvPr>
-            <p:ph idx="1"/>
-          </p:nvPr>
-        </p:nvSpPr>
-        <p:spPr/>
-        <p:txBody>
-          <a:bodyPr/>
-          <a:lstStyle/>
-          <a:p>
-            <a:r>
-              <a:rPr lang="zh-TW" altLang="en-US" dirty="0"/>
-              <a:t>問題</a:t>
-            </a:r>
-            <a:r>
-              <a:rPr lang="en-US" altLang="zh-TW" dirty="0"/>
-              <a:t>:Bar</a:t>
-            </a:r>
-            <a:r>
-              <a:rPr lang="zh-TW" altLang="en-US" dirty="0"/>
-              <a:t>不能使用，疑似為版本問題導致</a:t>
-            </a:r>
-            <a:r>
-              <a:rPr lang="en-US" altLang="zh-TW" dirty="0"/>
-              <a:t>Bar</a:t>
-            </a:r>
-            <a:r>
-              <a:rPr lang="zh-TW" altLang="en-US" dirty="0"/>
-              <a:t>無法直接宣告，且因為沒有止損導致完全沒有交易</a:t>
-            </a:r>
-            <a:endParaRPr lang="en-US" altLang="zh-TW" dirty="0"/>
-          </a:p>
-          <a:p>
-            <a:endParaRPr lang="en-US" altLang="zh-TW" dirty="0"/>
-          </a:p>
-          <a:p>
-            <a:r>
-              <a:rPr lang="zh-TW" altLang="en-US" dirty="0"/>
-              <a:t>改動，因為</a:t>
-            </a:r>
-            <a:r>
-              <a:rPr lang="en-US" altLang="zh-TW" dirty="0"/>
-              <a:t>bar</a:t>
-            </a:r>
-            <a:r>
-              <a:rPr lang="zh-TW" altLang="en-US" dirty="0"/>
-              <a:t>的作用可有可無選擇去掉，並於後續加入了止損</a:t>
-            </a:r>
-          </a:p>
-        </p:txBody>
-      </p:sp>
-    </p:spTree>
-    <p:extLst>
-      <p:ext uri="{BB962C8B-B14F-4D97-AF65-F5344CB8AC3E}">
-        <p14:creationId xmlns:p14="http://schemas.microsoft.com/office/powerpoint/2010/main" val="2035154460"/>
-      </p:ext>
-    </p:extLst>
-  </p:cSld>
-  <p:clrMapOvr>
-    <a:masterClrMapping/>
-  </p:clrMapOvr>
-</p:sld>
-</file>
-
-<file path=ppt/slides/slide17.xml><?xml version="1.0" encoding="utf-8"?>
-<p:sld xmlns:a="http://schemas.openxmlformats.org/drawingml/2006/main" xmlns:r="http://schemas.openxmlformats.org/officeDocument/2006/relationships" xmlns:p="http://schemas.openxmlformats.org/presentationml/2006/main">
-  <p:cSld>
-    <p:spTree>
-      <p:nvGrpSpPr>
-        <p:cNvPr id="1" name=""/>
-        <p:cNvGrpSpPr/>
-        <p:nvPr/>
-      </p:nvGrpSpPr>
-      <p:grpSpPr>
-        <a:xfrm>
-          <a:off x="0" y="0"/>
-          <a:ext cx="0" cy="0"/>
-          <a:chOff x="0" y="0"/>
-          <a:chExt cx="0" cy="0"/>
-        </a:xfrm>
-      </p:grpSpPr>
-      <p:pic>
-        <p:nvPicPr>
-          <p:cNvPr id="6" name="圖片 5">
-            <a:extLst>
-              <a:ext uri="{FF2B5EF4-FFF2-40B4-BE49-F238E27FC236}">
-                <a16:creationId xmlns:a16="http://schemas.microsoft.com/office/drawing/2014/main" id="{438B82A6-FCB7-F138-4CA2-DC83DB8D56FD}"/>
-              </a:ext>
-            </a:extLst>
-          </p:cNvPr>
-          <p:cNvPicPr>
-            <a:picLocks noChangeAspect="1"/>
-          </p:cNvPicPr>
-          <p:nvPr/>
-        </p:nvPicPr>
-        <p:blipFill>
-          <a:blip r:embed="rId2"/>
-          <a:stretch>
-            <a:fillRect/>
-          </a:stretch>
-        </p:blipFill>
-        <p:spPr>
-          <a:xfrm>
-            <a:off x="0" y="4339798"/>
-            <a:ext cx="12192000" cy="2518202"/>
-          </a:xfrm>
-          <a:prstGeom prst="rect">
-            <a:avLst/>
-          </a:prstGeom>
-        </p:spPr>
-      </p:pic>
-      <p:pic>
-        <p:nvPicPr>
-          <p:cNvPr id="8" name="圖片 7">
-            <a:extLst>
-              <a:ext uri="{FF2B5EF4-FFF2-40B4-BE49-F238E27FC236}">
-                <a16:creationId xmlns:a16="http://schemas.microsoft.com/office/drawing/2014/main" id="{DDE02F8C-22D3-1AA0-F4DA-BEB134A40851}"/>
-              </a:ext>
-            </a:extLst>
-          </p:cNvPr>
-          <p:cNvPicPr>
-            <a:picLocks noChangeAspect="1"/>
-          </p:cNvPicPr>
-          <p:nvPr/>
-        </p:nvPicPr>
-        <p:blipFill>
-          <a:blip r:embed="rId3"/>
-          <a:stretch>
-            <a:fillRect/>
-          </a:stretch>
-        </p:blipFill>
-        <p:spPr>
-          <a:xfrm>
-            <a:off x="0" y="2516573"/>
-            <a:ext cx="12192000" cy="1823225"/>
-          </a:xfrm>
-          <a:prstGeom prst="rect">
-            <a:avLst/>
-          </a:prstGeom>
-        </p:spPr>
-      </p:pic>
-      <p:pic>
-        <p:nvPicPr>
-          <p:cNvPr id="3" name="圖片 2">
-            <a:extLst>
-              <a:ext uri="{FF2B5EF4-FFF2-40B4-BE49-F238E27FC236}">
-                <a16:creationId xmlns:a16="http://schemas.microsoft.com/office/drawing/2014/main" id="{2778DC06-1EC4-9297-9665-C2C7BE506A81}"/>
-              </a:ext>
-            </a:extLst>
-          </p:cNvPr>
-          <p:cNvPicPr>
-            <a:picLocks noChangeAspect="1"/>
-          </p:cNvPicPr>
-          <p:nvPr/>
-        </p:nvPicPr>
-        <p:blipFill>
-          <a:blip r:embed="rId4"/>
-          <a:stretch>
-            <a:fillRect/>
-          </a:stretch>
-        </p:blipFill>
-        <p:spPr>
-          <a:xfrm>
-            <a:off x="5065776" y="563832"/>
-            <a:ext cx="8836152" cy="1952741"/>
-          </a:xfrm>
-          <a:prstGeom prst="rect">
-            <a:avLst/>
-          </a:prstGeom>
-        </p:spPr>
-      </p:pic>
-      <p:sp>
-        <p:nvSpPr>
-          <p:cNvPr id="2" name="標題 1">
-            <a:extLst>
-              <a:ext uri="{FF2B5EF4-FFF2-40B4-BE49-F238E27FC236}">
-                <a16:creationId xmlns:a16="http://schemas.microsoft.com/office/drawing/2014/main" id="{26794904-CD14-0834-C250-744204F838D0}"/>
-              </a:ext>
-            </a:extLst>
-          </p:cNvPr>
-          <p:cNvSpPr>
-            <a:spLocks noGrp="1"/>
-          </p:cNvSpPr>
-          <p:nvPr>
-            <p:ph type="title"/>
-          </p:nvPr>
-        </p:nvSpPr>
-        <p:spPr>
-          <a:xfrm>
-            <a:off x="246888" y="486106"/>
-            <a:ext cx="10515600" cy="1325563"/>
-          </a:xfrm>
-        </p:spPr>
-        <p:txBody>
-          <a:bodyPr/>
-          <a:lstStyle/>
-          <a:p>
-            <a:r>
-              <a:rPr lang="en-US" altLang="zh-TW" dirty="0"/>
-              <a:t>2.5</a:t>
-            </a:r>
-            <a:r>
-              <a:rPr lang="zh-TW" altLang="en-US" dirty="0"/>
-              <a:t> 回測輸入與結果</a:t>
-            </a:r>
-          </a:p>
-        </p:txBody>
-      </p:sp>
-    </p:spTree>
-    <p:extLst>
-      <p:ext uri="{BB962C8B-B14F-4D97-AF65-F5344CB8AC3E}">
-        <p14:creationId xmlns:p14="http://schemas.microsoft.com/office/powerpoint/2010/main" val="654224462"/>
-      </p:ext>
-    </p:extLst>
-  </p:cSld>
-  <p:clrMapOvr>
-    <a:masterClrMapping/>
-  </p:clrMapOvr>
-</p:sld>
-</file>
-
-<file path=ppt/slides/slide18.xml><?xml version="1.0" encoding="utf-8"?>
-<p:sld xmlns:a="http://schemas.openxmlformats.org/drawingml/2006/main" xmlns:r="http://schemas.openxmlformats.org/officeDocument/2006/relationships" xmlns:p="http://schemas.openxmlformats.org/presentationml/2006/main">
-  <p:cSld>
-    <p:spTree>
-      <p:nvGrpSpPr>
-        <p:cNvPr id="1" name=""/>
-        <p:cNvGrpSpPr/>
-        <p:nvPr/>
-      </p:nvGrpSpPr>
-      <p:grpSpPr>
-        <a:xfrm>
-          <a:off x="0" y="0"/>
-          <a:ext cx="0" cy="0"/>
-          <a:chOff x="0" y="0"/>
-          <a:chExt cx="0" cy="0"/>
-        </a:xfrm>
-      </p:grpSpPr>
-      <p:pic>
-        <p:nvPicPr>
-          <p:cNvPr id="5" name="圖片 4">
-            <a:extLst>
-              <a:ext uri="{FF2B5EF4-FFF2-40B4-BE49-F238E27FC236}">
-                <a16:creationId xmlns:a16="http://schemas.microsoft.com/office/drawing/2014/main" id="{2B3C4250-EA50-17EB-FA09-1B3D4EDEA37C}"/>
-              </a:ext>
-            </a:extLst>
-          </p:cNvPr>
-          <p:cNvPicPr>
-            <a:picLocks noChangeAspect="1"/>
-          </p:cNvPicPr>
-          <p:nvPr/>
-        </p:nvPicPr>
-        <p:blipFill>
-          <a:blip r:embed="rId2"/>
-          <a:stretch>
-            <a:fillRect/>
-          </a:stretch>
-        </p:blipFill>
-        <p:spPr>
-          <a:xfrm>
-            <a:off x="171450" y="2352675"/>
-            <a:ext cx="11849100" cy="4114800"/>
-          </a:xfrm>
-          <a:prstGeom prst="rect">
-            <a:avLst/>
-          </a:prstGeom>
-        </p:spPr>
-      </p:pic>
-      <p:sp>
-        <p:nvSpPr>
-          <p:cNvPr id="6" name="文字方塊 5">
-            <a:extLst>
-              <a:ext uri="{FF2B5EF4-FFF2-40B4-BE49-F238E27FC236}">
-                <a16:creationId xmlns:a16="http://schemas.microsoft.com/office/drawing/2014/main" id="{BAFA5B77-8A29-C97A-B759-099BA4E6B8D0}"/>
-              </a:ext>
-            </a:extLst>
-          </p:cNvPr>
-          <p:cNvSpPr txBox="1"/>
-          <p:nvPr/>
-        </p:nvSpPr>
-        <p:spPr>
-          <a:xfrm>
-            <a:off x="1685925" y="552450"/>
-            <a:ext cx="9439275" cy="1200329"/>
-          </a:xfrm>
-          <a:prstGeom prst="rect">
-            <a:avLst/>
-          </a:prstGeom>
-          <a:noFill/>
-        </p:spPr>
-        <p:txBody>
-          <a:bodyPr wrap="square" rtlCol="0">
-            <a:spAutoFit/>
-          </a:bodyPr>
-          <a:lstStyle/>
-          <a:p>
-            <a:r>
-              <a:rPr lang="zh-TW" altLang="en-US" sz="2400" dirty="0"/>
-              <a:t>買賣主要以當一連續</a:t>
-            </a:r>
-            <a:r>
-              <a:rPr lang="en-US" altLang="zh-TW" sz="2400" dirty="0"/>
-              <a:t>k</a:t>
-            </a:r>
-            <a:r>
-              <a:rPr lang="zh-TW" altLang="en-US" sz="2400" dirty="0"/>
-              <a:t>棒區間突然發生較大的波動時進行做空或做多</a:t>
-            </a:r>
-            <a:endParaRPr lang="en-US" altLang="zh-TW" sz="2400" dirty="0"/>
-          </a:p>
-          <a:p>
-            <a:r>
-              <a:rPr lang="zh-TW" altLang="en-US" sz="2400" dirty="0"/>
-              <a:t>實際成果看起來有照著預想方法進行</a:t>
-            </a:r>
-            <a:endParaRPr lang="en-US" altLang="zh-TW" sz="2400" dirty="0"/>
-          </a:p>
-          <a:p>
-            <a:endParaRPr lang="zh-TW" altLang="en-US" sz="2400" dirty="0"/>
-          </a:p>
-        </p:txBody>
-      </p:sp>
-    </p:spTree>
-    <p:extLst>
-      <p:ext uri="{BB962C8B-B14F-4D97-AF65-F5344CB8AC3E}">
-        <p14:creationId xmlns:p14="http://schemas.microsoft.com/office/powerpoint/2010/main" val="2398666779"/>
-      </p:ext>
-    </p:extLst>
-  </p:cSld>
-  <p:clrMapOvr>
-    <a:masterClrMapping/>
-  </p:clrMapOvr>
-</p:sld>
-</file>
-
-<file path=ppt/slides/slide19.xml><?xml version="1.0" encoding="utf-8"?>
-<p:sld xmlns:a="http://schemas.openxmlformats.org/drawingml/2006/main" xmlns:r="http://schemas.openxmlformats.org/officeDocument/2006/relationships" xmlns:p="http://schemas.openxmlformats.org/presentationml/2006/main">
-  <p:cSld>
-    <p:spTree>
-      <p:nvGrpSpPr>
-        <p:cNvPr id="1" name=""/>
-        <p:cNvGrpSpPr/>
-        <p:nvPr/>
-      </p:nvGrpSpPr>
-      <p:grpSpPr>
-        <a:xfrm>
-          <a:off x="0" y="0"/>
-          <a:ext cx="0" cy="0"/>
-          <a:chOff x="0" y="0"/>
-          <a:chExt cx="0" cy="0"/>
-        </a:xfrm>
-      </p:grpSpPr>
-      <p:sp>
-        <p:nvSpPr>
-          <p:cNvPr id="4" name="文字方塊 3">
-            <a:extLst>
-              <a:ext uri="{FF2B5EF4-FFF2-40B4-BE49-F238E27FC236}">
-                <a16:creationId xmlns:a16="http://schemas.microsoft.com/office/drawing/2014/main" id="{E2635A10-04A0-AA76-E1E6-7864866A10C0}"/>
-              </a:ext>
-            </a:extLst>
-          </p:cNvPr>
-          <p:cNvSpPr txBox="1"/>
-          <p:nvPr/>
-        </p:nvSpPr>
-        <p:spPr>
-          <a:xfrm>
-            <a:off x="2522526" y="1988927"/>
-            <a:ext cx="7607788" cy="923330"/>
-          </a:xfrm>
-          <a:prstGeom prst="rect">
-            <a:avLst/>
-          </a:prstGeom>
-          <a:noFill/>
-        </p:spPr>
-        <p:txBody>
-          <a:bodyPr wrap="none" rtlCol="0">
-            <a:spAutoFit/>
-          </a:bodyPr>
-          <a:lstStyle/>
-          <a:p>
-            <a:r>
-              <a:rPr lang="en-US" altLang="zh-TW" sz="5400" dirty="0"/>
-              <a:t>No.3:PA+MACD</a:t>
-            </a:r>
-            <a:r>
-              <a:rPr lang="zh-TW" altLang="en-US" sz="5400" dirty="0"/>
-              <a:t>策略交易</a:t>
-            </a:r>
-          </a:p>
-        </p:txBody>
-      </p:sp>
-      <p:sp>
-        <p:nvSpPr>
-          <p:cNvPr id="2" name="文字方塊 1">
-            <a:extLst>
-              <a:ext uri="{FF2B5EF4-FFF2-40B4-BE49-F238E27FC236}">
-                <a16:creationId xmlns:a16="http://schemas.microsoft.com/office/drawing/2014/main" id="{71AC4DC2-F4C9-6B62-36B5-3A9E63CAB79B}"/>
-              </a:ext>
-            </a:extLst>
-          </p:cNvPr>
-          <p:cNvSpPr txBox="1"/>
-          <p:nvPr/>
-        </p:nvSpPr>
-        <p:spPr>
-          <a:xfrm>
-            <a:off x="233919" y="3429000"/>
-            <a:ext cx="12185002" cy="1200329"/>
-          </a:xfrm>
-          <a:prstGeom prst="rect">
-            <a:avLst/>
-          </a:prstGeom>
-          <a:noFill/>
-        </p:spPr>
-        <p:txBody>
-          <a:bodyPr wrap="none" rtlCol="0">
-            <a:spAutoFit/>
-          </a:bodyPr>
-          <a:lstStyle/>
-          <a:p>
-            <a:r>
-              <a:rPr lang="zh-TW" altLang="en-US" sz="2400" dirty="0"/>
-              <a:t>參考資料</a:t>
-            </a:r>
-            <a:r>
-              <a:rPr lang="en-US" altLang="zh-TW" sz="2400" dirty="0"/>
-              <a:t>:</a:t>
-            </a:r>
-          </a:p>
-          <a:p>
-            <a:r>
-              <a:rPr lang="en-US" altLang="zh-CN" sz="2400" dirty="0">
-                <a:hlinkClick r:id="rId2"/>
-              </a:rPr>
-              <a:t>(108) 【</a:t>
-            </a:r>
-            <a:r>
-              <a:rPr lang="zh-CN" altLang="en-US" sz="2400" dirty="0">
-                <a:hlinkClick r:id="rId2"/>
-              </a:rPr>
-              <a:t>开年暴击！！</a:t>
-            </a:r>
-            <a:r>
-              <a:rPr lang="en-US" altLang="zh-CN" sz="2400" dirty="0">
-                <a:hlinkClick r:id="rId2"/>
-              </a:rPr>
-              <a:t>】1000</a:t>
-            </a:r>
-            <a:r>
-              <a:rPr lang="zh-CN" altLang="en-US" sz="2400" dirty="0">
-                <a:hlinkClick r:id="rId2"/>
-              </a:rPr>
-              <a:t>笔实盘交易</a:t>
-            </a:r>
-            <a:r>
-              <a:rPr lang="en-US" altLang="zh-CN" sz="2400" dirty="0">
-                <a:hlinkClick r:id="rId2"/>
-              </a:rPr>
-              <a:t>84%</a:t>
-            </a:r>
-            <a:r>
-              <a:rPr lang="zh-CN" altLang="en-US" sz="2400" dirty="0">
-                <a:hlinkClick r:id="rId2"/>
-              </a:rPr>
-              <a:t>胜率！！波兰超级交易员</a:t>
-            </a:r>
-            <a:r>
-              <a:rPr lang="en-US" altLang="zh-CN" sz="2400" dirty="0">
-                <a:hlinkClick r:id="rId2"/>
-              </a:rPr>
-              <a:t>Darek</a:t>
-            </a:r>
-            <a:r>
-              <a:rPr lang="zh-CN" altLang="en-US" sz="2400" dirty="0">
-                <a:hlinkClick r:id="rId2"/>
-              </a:rPr>
-              <a:t>的稳赢策略，</a:t>
-            </a:r>
-            <a:endParaRPr lang="en-US" altLang="zh-CN" sz="2400" dirty="0">
-              <a:hlinkClick r:id="rId2"/>
-            </a:endParaRPr>
-          </a:p>
-          <a:p>
-            <a:r>
-              <a:rPr lang="en-US" altLang="zh-CN" sz="2400" dirty="0">
-                <a:hlinkClick r:id="rId2"/>
-              </a:rPr>
-              <a:t>PA+MACD</a:t>
-            </a:r>
-            <a:r>
-              <a:rPr lang="zh-CN" altLang="en-US" sz="2400" dirty="0">
-                <a:hlinkClick r:id="rId2"/>
-              </a:rPr>
-              <a:t>就是真圣杯 ，捅破交易的窗户纸！ </a:t>
-            </a:r>
-            <a:r>
-              <a:rPr lang="en-US" altLang="zh-CN" sz="2400" dirty="0">
-                <a:hlinkClick r:id="rId2"/>
-              </a:rPr>
-              <a:t>#macd #</a:t>
-            </a:r>
-            <a:r>
-              <a:rPr lang="zh-CN" altLang="en-US" sz="2400" dirty="0">
-                <a:hlinkClick r:id="rId2"/>
-              </a:rPr>
-              <a:t>供需交易法 </a:t>
-            </a:r>
-            <a:r>
-              <a:rPr lang="en-US" altLang="zh-CN" sz="2400" dirty="0">
-                <a:hlinkClick r:id="rId2"/>
-              </a:rPr>
-              <a:t>#</a:t>
-            </a:r>
-            <a:r>
-              <a:rPr lang="zh-CN" altLang="en-US" sz="2400" dirty="0">
-                <a:hlinkClick r:id="rId2"/>
-              </a:rPr>
-              <a:t>价格行为 </a:t>
-            </a:r>
-            <a:r>
-              <a:rPr lang="en-US" altLang="zh-CN" sz="2400" dirty="0">
-                <a:hlinkClick r:id="rId2"/>
-              </a:rPr>
-              <a:t>- YouTube</a:t>
-            </a:r>
-            <a:endParaRPr lang="zh-TW" altLang="en-US" sz="2400" dirty="0"/>
-          </a:p>
-        </p:txBody>
-      </p:sp>
-    </p:spTree>
-    <p:extLst>
-      <p:ext uri="{BB962C8B-B14F-4D97-AF65-F5344CB8AC3E}">
-        <p14:creationId xmlns:p14="http://schemas.microsoft.com/office/powerpoint/2010/main" val="4162267363"/>
-      </p:ext>
-    </p:extLst>
-  </p:cSld>
-  <p:clrMapOvr>
-    <a:masterClrMapping/>
-  </p:clrMapOvr>
-</p:sld>
-</file>
-
 <file path=ppt/slides/slide2.xml><?xml version="1.0" encoding="utf-8"?>
 <p:sld xmlns:a="http://schemas.openxmlformats.org/drawingml/2006/main" xmlns:r="http://schemas.openxmlformats.org/officeDocument/2006/relationships" xmlns:p="http://schemas.openxmlformats.org/presentationml/2006/main">
   <p:cSld>
@@ -5497,6 +7606,614 @@
       </p:grpSpPr>
       <p:sp>
         <p:nvSpPr>
+          <p:cNvPr id="2" name="標題 1">
+            <a:extLst>
+              <a:ext uri="{FF2B5EF4-FFF2-40B4-BE49-F238E27FC236}">
+                <a16:creationId xmlns:a16="http://schemas.microsoft.com/office/drawing/2014/main" id="{F2D1A94E-4168-4D08-1464-E90210FBEEB6}"/>
+              </a:ext>
+            </a:extLst>
+          </p:cNvPr>
+          <p:cNvSpPr>
+            <a:spLocks noGrp="1"/>
+          </p:cNvSpPr>
+          <p:nvPr>
+            <p:ph type="title"/>
+          </p:nvPr>
+        </p:nvSpPr>
+        <p:spPr>
+          <a:xfrm>
+            <a:off x="838200" y="365125"/>
+            <a:ext cx="8029575" cy="1025525"/>
+          </a:xfrm>
+        </p:spPr>
+        <p:txBody>
+          <a:bodyPr>
+            <a:normAutofit/>
+          </a:bodyPr>
+          <a:lstStyle/>
+          <a:p>
+            <a:r>
+              <a:rPr lang="en-US" altLang="zh-TW" dirty="0"/>
+              <a:t>2.4 </a:t>
+            </a:r>
+            <a:r>
+              <a:rPr lang="zh-TW" altLang="en-US" dirty="0"/>
+              <a:t>問題與改動</a:t>
+            </a:r>
+          </a:p>
+        </p:txBody>
+      </p:sp>
+      <p:sp>
+        <p:nvSpPr>
+          <p:cNvPr id="3" name="內容版面配置區 2">
+            <a:extLst>
+              <a:ext uri="{FF2B5EF4-FFF2-40B4-BE49-F238E27FC236}">
+                <a16:creationId xmlns:a16="http://schemas.microsoft.com/office/drawing/2014/main" id="{1A13EEB7-EEFE-CCF2-7B31-A30EDA763B70}"/>
+              </a:ext>
+            </a:extLst>
+          </p:cNvPr>
+          <p:cNvSpPr>
+            <a:spLocks noGrp="1"/>
+          </p:cNvSpPr>
+          <p:nvPr>
+            <p:ph idx="1"/>
+          </p:nvPr>
+        </p:nvSpPr>
+        <p:spPr/>
+        <p:txBody>
+          <a:bodyPr/>
+          <a:lstStyle/>
+          <a:p>
+            <a:r>
+              <a:rPr lang="zh-TW" altLang="en-US" dirty="0"/>
+              <a:t>問題</a:t>
+            </a:r>
+            <a:r>
+              <a:rPr lang="en-US" altLang="zh-TW" dirty="0"/>
+              <a:t>:Bar</a:t>
+            </a:r>
+            <a:r>
+              <a:rPr lang="zh-TW" altLang="en-US" dirty="0"/>
+              <a:t>不能使用，疑似為版本問題導致</a:t>
+            </a:r>
+            <a:r>
+              <a:rPr lang="en-US" altLang="zh-TW" dirty="0"/>
+              <a:t>Bar</a:t>
+            </a:r>
+            <a:r>
+              <a:rPr lang="zh-TW" altLang="en-US" dirty="0"/>
+              <a:t>無法直接宣告，且因為沒有止損導致完全沒有交易</a:t>
+            </a:r>
+            <a:endParaRPr lang="en-US" altLang="zh-TW" dirty="0"/>
+          </a:p>
+          <a:p>
+            <a:endParaRPr lang="en-US" altLang="zh-TW" dirty="0"/>
+          </a:p>
+          <a:p>
+            <a:r>
+              <a:rPr lang="zh-TW" altLang="en-US" dirty="0"/>
+              <a:t>改動，因為</a:t>
+            </a:r>
+            <a:r>
+              <a:rPr lang="en-US" altLang="zh-TW" dirty="0"/>
+              <a:t>bar</a:t>
+            </a:r>
+            <a:r>
+              <a:rPr lang="zh-TW" altLang="en-US" dirty="0"/>
+              <a:t>的作用可有可無選擇去掉，並於後續加入了止損</a:t>
+            </a:r>
+          </a:p>
+        </p:txBody>
+      </p:sp>
+    </p:spTree>
+    <p:extLst>
+      <p:ext uri="{BB962C8B-B14F-4D97-AF65-F5344CB8AC3E}">
+        <p14:creationId xmlns:p14="http://schemas.microsoft.com/office/powerpoint/2010/main" val="2035154460"/>
+      </p:ext>
+    </p:extLst>
+  </p:cSld>
+  <p:clrMapOvr>
+    <a:masterClrMapping/>
+  </p:clrMapOvr>
+</p:sld>
+</file>
+
+<file path=ppt/slides/slide21.xml><?xml version="1.0" encoding="utf-8"?>
+<p:sld xmlns:a="http://schemas.openxmlformats.org/drawingml/2006/main" xmlns:r="http://schemas.openxmlformats.org/officeDocument/2006/relationships" xmlns:p="http://schemas.openxmlformats.org/presentationml/2006/main">
+  <p:cSld>
+    <p:spTree>
+      <p:nvGrpSpPr>
+        <p:cNvPr id="1" name=""/>
+        <p:cNvGrpSpPr/>
+        <p:nvPr/>
+      </p:nvGrpSpPr>
+      <p:grpSpPr>
+        <a:xfrm>
+          <a:off x="0" y="0"/>
+          <a:ext cx="0" cy="0"/>
+          <a:chOff x="0" y="0"/>
+          <a:chExt cx="0" cy="0"/>
+        </a:xfrm>
+      </p:grpSpPr>
+      <p:pic>
+        <p:nvPicPr>
+          <p:cNvPr id="6" name="圖片 5">
+            <a:extLst>
+              <a:ext uri="{FF2B5EF4-FFF2-40B4-BE49-F238E27FC236}">
+                <a16:creationId xmlns:a16="http://schemas.microsoft.com/office/drawing/2014/main" id="{438B82A6-FCB7-F138-4CA2-DC83DB8D56FD}"/>
+              </a:ext>
+            </a:extLst>
+          </p:cNvPr>
+          <p:cNvPicPr>
+            <a:picLocks noChangeAspect="1"/>
+          </p:cNvPicPr>
+          <p:nvPr/>
+        </p:nvPicPr>
+        <p:blipFill>
+          <a:blip r:embed="rId2"/>
+          <a:stretch>
+            <a:fillRect/>
+          </a:stretch>
+        </p:blipFill>
+        <p:spPr>
+          <a:xfrm>
+            <a:off x="0" y="4339798"/>
+            <a:ext cx="12192000" cy="2518202"/>
+          </a:xfrm>
+          <a:prstGeom prst="rect">
+            <a:avLst/>
+          </a:prstGeom>
+        </p:spPr>
+      </p:pic>
+      <p:pic>
+        <p:nvPicPr>
+          <p:cNvPr id="8" name="圖片 7">
+            <a:extLst>
+              <a:ext uri="{FF2B5EF4-FFF2-40B4-BE49-F238E27FC236}">
+                <a16:creationId xmlns:a16="http://schemas.microsoft.com/office/drawing/2014/main" id="{DDE02F8C-22D3-1AA0-F4DA-BEB134A40851}"/>
+              </a:ext>
+            </a:extLst>
+          </p:cNvPr>
+          <p:cNvPicPr>
+            <a:picLocks noChangeAspect="1"/>
+          </p:cNvPicPr>
+          <p:nvPr/>
+        </p:nvPicPr>
+        <p:blipFill>
+          <a:blip r:embed="rId3"/>
+          <a:stretch>
+            <a:fillRect/>
+          </a:stretch>
+        </p:blipFill>
+        <p:spPr>
+          <a:xfrm>
+            <a:off x="0" y="2516573"/>
+            <a:ext cx="12192000" cy="1823225"/>
+          </a:xfrm>
+          <a:prstGeom prst="rect">
+            <a:avLst/>
+          </a:prstGeom>
+        </p:spPr>
+      </p:pic>
+      <p:pic>
+        <p:nvPicPr>
+          <p:cNvPr id="3" name="圖片 2">
+            <a:extLst>
+              <a:ext uri="{FF2B5EF4-FFF2-40B4-BE49-F238E27FC236}">
+                <a16:creationId xmlns:a16="http://schemas.microsoft.com/office/drawing/2014/main" id="{2778DC06-1EC4-9297-9665-C2C7BE506A81}"/>
+              </a:ext>
+            </a:extLst>
+          </p:cNvPr>
+          <p:cNvPicPr>
+            <a:picLocks noChangeAspect="1"/>
+          </p:cNvPicPr>
+          <p:nvPr/>
+        </p:nvPicPr>
+        <p:blipFill>
+          <a:blip r:embed="rId4"/>
+          <a:stretch>
+            <a:fillRect/>
+          </a:stretch>
+        </p:blipFill>
+        <p:spPr>
+          <a:xfrm>
+            <a:off x="5065776" y="563832"/>
+            <a:ext cx="8836152" cy="1952741"/>
+          </a:xfrm>
+          <a:prstGeom prst="rect">
+            <a:avLst/>
+          </a:prstGeom>
+        </p:spPr>
+      </p:pic>
+      <p:sp>
+        <p:nvSpPr>
+          <p:cNvPr id="2" name="標題 1">
+            <a:extLst>
+              <a:ext uri="{FF2B5EF4-FFF2-40B4-BE49-F238E27FC236}">
+                <a16:creationId xmlns:a16="http://schemas.microsoft.com/office/drawing/2014/main" id="{26794904-CD14-0834-C250-744204F838D0}"/>
+              </a:ext>
+            </a:extLst>
+          </p:cNvPr>
+          <p:cNvSpPr>
+            <a:spLocks noGrp="1"/>
+          </p:cNvSpPr>
+          <p:nvPr>
+            <p:ph type="title"/>
+          </p:nvPr>
+        </p:nvSpPr>
+        <p:spPr>
+          <a:xfrm>
+            <a:off x="246888" y="486106"/>
+            <a:ext cx="10515600" cy="1325563"/>
+          </a:xfrm>
+        </p:spPr>
+        <p:txBody>
+          <a:bodyPr/>
+          <a:lstStyle/>
+          <a:p>
+            <a:r>
+              <a:rPr lang="en-US" altLang="zh-TW" dirty="0"/>
+              <a:t>2.5</a:t>
+            </a:r>
+            <a:r>
+              <a:rPr lang="zh-TW" altLang="en-US" dirty="0"/>
+              <a:t> 回測輸入與結果</a:t>
+            </a:r>
+          </a:p>
+        </p:txBody>
+      </p:sp>
+    </p:spTree>
+    <p:extLst>
+      <p:ext uri="{BB962C8B-B14F-4D97-AF65-F5344CB8AC3E}">
+        <p14:creationId xmlns:p14="http://schemas.microsoft.com/office/powerpoint/2010/main" val="654224462"/>
+      </p:ext>
+    </p:extLst>
+  </p:cSld>
+  <p:clrMapOvr>
+    <a:masterClrMapping/>
+  </p:clrMapOvr>
+</p:sld>
+</file>
+
+<file path=ppt/slides/slide22.xml><?xml version="1.0" encoding="utf-8"?>
+<p:sld xmlns:a="http://schemas.openxmlformats.org/drawingml/2006/main" xmlns:r="http://schemas.openxmlformats.org/officeDocument/2006/relationships" xmlns:p="http://schemas.openxmlformats.org/presentationml/2006/main">
+  <p:cSld>
+    <p:spTree>
+      <p:nvGrpSpPr>
+        <p:cNvPr id="1" name=""/>
+        <p:cNvGrpSpPr/>
+        <p:nvPr/>
+      </p:nvGrpSpPr>
+      <p:grpSpPr>
+        <a:xfrm>
+          <a:off x="0" y="0"/>
+          <a:ext cx="0" cy="0"/>
+          <a:chOff x="0" y="0"/>
+          <a:chExt cx="0" cy="0"/>
+        </a:xfrm>
+      </p:grpSpPr>
+      <p:pic>
+        <p:nvPicPr>
+          <p:cNvPr id="5" name="圖片 4">
+            <a:extLst>
+              <a:ext uri="{FF2B5EF4-FFF2-40B4-BE49-F238E27FC236}">
+                <a16:creationId xmlns:a16="http://schemas.microsoft.com/office/drawing/2014/main" id="{2B3C4250-EA50-17EB-FA09-1B3D4EDEA37C}"/>
+              </a:ext>
+            </a:extLst>
+          </p:cNvPr>
+          <p:cNvPicPr>
+            <a:picLocks noChangeAspect="1"/>
+          </p:cNvPicPr>
+          <p:nvPr/>
+        </p:nvPicPr>
+        <p:blipFill>
+          <a:blip r:embed="rId2"/>
+          <a:stretch>
+            <a:fillRect/>
+          </a:stretch>
+        </p:blipFill>
+        <p:spPr>
+          <a:xfrm>
+            <a:off x="171450" y="2352675"/>
+            <a:ext cx="11849100" cy="4114800"/>
+          </a:xfrm>
+          <a:prstGeom prst="rect">
+            <a:avLst/>
+          </a:prstGeom>
+        </p:spPr>
+      </p:pic>
+      <p:sp>
+        <p:nvSpPr>
+          <p:cNvPr id="6" name="文字方塊 5">
+            <a:extLst>
+              <a:ext uri="{FF2B5EF4-FFF2-40B4-BE49-F238E27FC236}">
+                <a16:creationId xmlns:a16="http://schemas.microsoft.com/office/drawing/2014/main" id="{BAFA5B77-8A29-C97A-B759-099BA4E6B8D0}"/>
+              </a:ext>
+            </a:extLst>
+          </p:cNvPr>
+          <p:cNvSpPr txBox="1"/>
+          <p:nvPr/>
+        </p:nvSpPr>
+        <p:spPr>
+          <a:xfrm>
+            <a:off x="1685925" y="552450"/>
+            <a:ext cx="9439275" cy="1200329"/>
+          </a:xfrm>
+          <a:prstGeom prst="rect">
+            <a:avLst/>
+          </a:prstGeom>
+          <a:noFill/>
+        </p:spPr>
+        <p:txBody>
+          <a:bodyPr wrap="square" rtlCol="0">
+            <a:spAutoFit/>
+          </a:bodyPr>
+          <a:lstStyle/>
+          <a:p>
+            <a:r>
+              <a:rPr lang="zh-TW" altLang="en-US" sz="2400" dirty="0"/>
+              <a:t>買賣主要以當一連續</a:t>
+            </a:r>
+            <a:r>
+              <a:rPr lang="en-US" altLang="zh-TW" sz="2400" dirty="0"/>
+              <a:t>k</a:t>
+            </a:r>
+            <a:r>
+              <a:rPr lang="zh-TW" altLang="en-US" sz="2400" dirty="0"/>
+              <a:t>棒區間突然發生較大的波動時進行做空或做多</a:t>
+            </a:r>
+            <a:endParaRPr lang="en-US" altLang="zh-TW" sz="2400" dirty="0"/>
+          </a:p>
+          <a:p>
+            <a:r>
+              <a:rPr lang="zh-TW" altLang="en-US" sz="2400" dirty="0"/>
+              <a:t>實際成果看起來有照著預想方法進行</a:t>
+            </a:r>
+            <a:endParaRPr lang="en-US" altLang="zh-TW" sz="2400" dirty="0"/>
+          </a:p>
+          <a:p>
+            <a:endParaRPr lang="zh-TW" altLang="en-US" sz="2400" dirty="0"/>
+          </a:p>
+        </p:txBody>
+      </p:sp>
+    </p:spTree>
+    <p:extLst>
+      <p:ext uri="{BB962C8B-B14F-4D97-AF65-F5344CB8AC3E}">
+        <p14:creationId xmlns:p14="http://schemas.microsoft.com/office/powerpoint/2010/main" val="2398666779"/>
+      </p:ext>
+    </p:extLst>
+  </p:cSld>
+  <p:clrMapOvr>
+    <a:masterClrMapping/>
+  </p:clrMapOvr>
+</p:sld>
+</file>
+
+<file path=ppt/slides/slide23.xml><?xml version="1.0" encoding="utf-8"?>
+<p:sld xmlns:a="http://schemas.openxmlformats.org/drawingml/2006/main" xmlns:r="http://schemas.openxmlformats.org/officeDocument/2006/relationships" xmlns:p="http://schemas.openxmlformats.org/presentationml/2006/main">
+  <p:cSld>
+    <p:spTree>
+      <p:nvGrpSpPr>
+        <p:cNvPr id="1" name=""/>
+        <p:cNvGrpSpPr/>
+        <p:nvPr/>
+      </p:nvGrpSpPr>
+      <p:grpSpPr>
+        <a:xfrm>
+          <a:off x="0" y="0"/>
+          <a:ext cx="0" cy="0"/>
+          <a:chOff x="0" y="0"/>
+          <a:chExt cx="0" cy="0"/>
+        </a:xfrm>
+      </p:grpSpPr>
+      <p:sp>
+        <p:nvSpPr>
+          <p:cNvPr id="4" name="文字方塊 3">
+            <a:extLst>
+              <a:ext uri="{FF2B5EF4-FFF2-40B4-BE49-F238E27FC236}">
+                <a16:creationId xmlns:a16="http://schemas.microsoft.com/office/drawing/2014/main" id="{E2635A10-04A0-AA76-E1E6-7864866A10C0}"/>
+              </a:ext>
+            </a:extLst>
+          </p:cNvPr>
+          <p:cNvSpPr txBox="1"/>
+          <p:nvPr/>
+        </p:nvSpPr>
+        <p:spPr>
+          <a:xfrm>
+            <a:off x="2522526" y="1988927"/>
+            <a:ext cx="7607788" cy="923330"/>
+          </a:xfrm>
+          <a:prstGeom prst="rect">
+            <a:avLst/>
+          </a:prstGeom>
+          <a:noFill/>
+        </p:spPr>
+        <p:txBody>
+          <a:bodyPr wrap="none" rtlCol="0">
+            <a:spAutoFit/>
+          </a:bodyPr>
+          <a:lstStyle/>
+          <a:p>
+            <a:r>
+              <a:rPr lang="en-US" altLang="zh-TW" sz="5400" dirty="0"/>
+              <a:t>No.3:PA+MACD</a:t>
+            </a:r>
+            <a:r>
+              <a:rPr lang="zh-TW" altLang="en-US" sz="5400" dirty="0"/>
+              <a:t>策略交易</a:t>
+            </a:r>
+          </a:p>
+        </p:txBody>
+      </p:sp>
+      <p:sp>
+        <p:nvSpPr>
+          <p:cNvPr id="2" name="文字方塊 1">
+            <a:extLst>
+              <a:ext uri="{FF2B5EF4-FFF2-40B4-BE49-F238E27FC236}">
+                <a16:creationId xmlns:a16="http://schemas.microsoft.com/office/drawing/2014/main" id="{71AC4DC2-F4C9-6B62-36B5-3A9E63CAB79B}"/>
+              </a:ext>
+            </a:extLst>
+          </p:cNvPr>
+          <p:cNvSpPr txBox="1"/>
+          <p:nvPr/>
+        </p:nvSpPr>
+        <p:spPr>
+          <a:xfrm>
+            <a:off x="233919" y="3429000"/>
+            <a:ext cx="12185002" cy="1200329"/>
+          </a:xfrm>
+          <a:prstGeom prst="rect">
+            <a:avLst/>
+          </a:prstGeom>
+          <a:noFill/>
+        </p:spPr>
+        <p:txBody>
+          <a:bodyPr wrap="none" rtlCol="0">
+            <a:spAutoFit/>
+          </a:bodyPr>
+          <a:lstStyle/>
+          <a:p>
+            <a:r>
+              <a:rPr lang="zh-TW" altLang="en-US" sz="2400" dirty="0"/>
+              <a:t>參考資料</a:t>
+            </a:r>
+            <a:r>
+              <a:rPr lang="en-US" altLang="zh-TW" sz="2400" dirty="0"/>
+              <a:t>:</a:t>
+            </a:r>
+          </a:p>
+          <a:p>
+            <a:r>
+              <a:rPr lang="en-US" altLang="zh-CN" sz="2400" dirty="0">
+                <a:hlinkClick r:id="rId2"/>
+              </a:rPr>
+              <a:t>(108) 【</a:t>
+            </a:r>
+            <a:r>
+              <a:rPr lang="zh-CN" altLang="en-US" sz="2400" dirty="0">
+                <a:hlinkClick r:id="rId2"/>
+              </a:rPr>
+              <a:t>开年暴击！！</a:t>
+            </a:r>
+            <a:r>
+              <a:rPr lang="en-US" altLang="zh-CN" sz="2400" dirty="0">
+                <a:hlinkClick r:id="rId2"/>
+              </a:rPr>
+              <a:t>】1000</a:t>
+            </a:r>
+            <a:r>
+              <a:rPr lang="zh-CN" altLang="en-US" sz="2400" dirty="0">
+                <a:hlinkClick r:id="rId2"/>
+              </a:rPr>
+              <a:t>笔实盘交易</a:t>
+            </a:r>
+            <a:r>
+              <a:rPr lang="en-US" altLang="zh-CN" sz="2400" dirty="0">
+                <a:hlinkClick r:id="rId2"/>
+              </a:rPr>
+              <a:t>84%</a:t>
+            </a:r>
+            <a:r>
+              <a:rPr lang="zh-CN" altLang="en-US" sz="2400" dirty="0">
+                <a:hlinkClick r:id="rId2"/>
+              </a:rPr>
+              <a:t>胜率！！波兰超级交易员</a:t>
+            </a:r>
+            <a:r>
+              <a:rPr lang="en-US" altLang="zh-CN" sz="2400" dirty="0">
+                <a:hlinkClick r:id="rId2"/>
+              </a:rPr>
+              <a:t>Darek</a:t>
+            </a:r>
+            <a:r>
+              <a:rPr lang="zh-CN" altLang="en-US" sz="2400" dirty="0">
+                <a:hlinkClick r:id="rId2"/>
+              </a:rPr>
+              <a:t>的稳赢策略，</a:t>
+            </a:r>
+            <a:endParaRPr lang="en-US" altLang="zh-CN" sz="2400" dirty="0">
+              <a:hlinkClick r:id="rId2"/>
+            </a:endParaRPr>
+          </a:p>
+          <a:p>
+            <a:r>
+              <a:rPr lang="en-US" altLang="zh-CN" sz="2400" dirty="0">
+                <a:hlinkClick r:id="rId2"/>
+              </a:rPr>
+              <a:t>PA+MACD</a:t>
+            </a:r>
+            <a:r>
+              <a:rPr lang="zh-CN" altLang="en-US" sz="2400" dirty="0">
+                <a:hlinkClick r:id="rId2"/>
+              </a:rPr>
+              <a:t>就是真圣杯 ，捅破交易的窗户纸！ </a:t>
+            </a:r>
+            <a:r>
+              <a:rPr lang="en-US" altLang="zh-CN" sz="2400" dirty="0">
+                <a:hlinkClick r:id="rId2"/>
+              </a:rPr>
+              <a:t>#macd #</a:t>
+            </a:r>
+            <a:r>
+              <a:rPr lang="zh-CN" altLang="en-US" sz="2400" dirty="0">
+                <a:hlinkClick r:id="rId2"/>
+              </a:rPr>
+              <a:t>供需交易法 </a:t>
+            </a:r>
+            <a:r>
+              <a:rPr lang="en-US" altLang="zh-CN" sz="2400" dirty="0">
+                <a:hlinkClick r:id="rId2"/>
+              </a:rPr>
+              <a:t>#</a:t>
+            </a:r>
+            <a:r>
+              <a:rPr lang="zh-CN" altLang="en-US" sz="2400" dirty="0">
+                <a:hlinkClick r:id="rId2"/>
+              </a:rPr>
+              <a:t>价格行为 </a:t>
+            </a:r>
+            <a:r>
+              <a:rPr lang="en-US" altLang="zh-CN" sz="2400" dirty="0">
+                <a:hlinkClick r:id="rId2"/>
+              </a:rPr>
+              <a:t>- YouTube</a:t>
+            </a:r>
+            <a:endParaRPr lang="zh-TW" altLang="en-US" sz="2400" dirty="0"/>
+          </a:p>
+        </p:txBody>
+      </p:sp>
+    </p:spTree>
+    <p:extLst>
+      <p:ext uri="{BB962C8B-B14F-4D97-AF65-F5344CB8AC3E}">
+        <p14:creationId xmlns:p14="http://schemas.microsoft.com/office/powerpoint/2010/main" val="4162267363"/>
+      </p:ext>
+    </p:extLst>
+  </p:cSld>
+  <p:clrMapOvr>
+    <a:masterClrMapping/>
+  </p:clrMapOvr>
+</p:sld>
+</file>
+
+<file path=ppt/slides/slide24.xml><?xml version="1.0" encoding="utf-8"?>
+<p:sld xmlns:a="http://schemas.openxmlformats.org/drawingml/2006/main" xmlns:r="http://schemas.openxmlformats.org/officeDocument/2006/relationships" xmlns:p="http://schemas.openxmlformats.org/presentationml/2006/main">
+  <p:cSld>
+    <p:spTree>
+      <p:nvGrpSpPr>
+        <p:cNvPr id="1" name=""/>
+        <p:cNvGrpSpPr/>
+        <p:nvPr/>
+      </p:nvGrpSpPr>
+      <p:grpSpPr>
+        <a:xfrm>
+          <a:off x="0" y="0"/>
+          <a:ext cx="0" cy="0"/>
+          <a:chOff x="0" y="0"/>
+          <a:chExt cx="0" cy="0"/>
+        </a:xfrm>
+      </p:grpSpPr>
+      <p:sp>
+        <p:nvSpPr>
           <p:cNvPr id="3" name="內容版面配置區 2">
             <a:extLst>
               <a:ext uri="{FF2B5EF4-FFF2-40B4-BE49-F238E27FC236}">
@@ -5678,7 +8395,7 @@
 </p:sld>
 </file>
 
-<file path=ppt/slides/slide21.xml><?xml version="1.0" encoding="utf-8"?>
+<file path=ppt/slides/slide25.xml><?xml version="1.0" encoding="utf-8"?>
 <p:sld xmlns:a="http://schemas.openxmlformats.org/drawingml/2006/main" xmlns:r="http://schemas.openxmlformats.org/officeDocument/2006/relationships" xmlns:p="http://schemas.openxmlformats.org/presentationml/2006/main">
   <p:cSld>
     <p:spTree>
@@ -5795,7 +8512,7 @@
 </p:sld>
 </file>
 
-<file path=ppt/slides/slide22.xml><?xml version="1.0" encoding="utf-8"?>
+<file path=ppt/slides/slide26.xml><?xml version="1.0" encoding="utf-8"?>
 <p:sld xmlns:a="http://schemas.openxmlformats.org/drawingml/2006/main" xmlns:r="http://schemas.openxmlformats.org/officeDocument/2006/relationships" xmlns:p="http://schemas.openxmlformats.org/presentationml/2006/main">
   <p:cSld>
     <p:spTree>
@@ -5886,7 +8603,7 @@
 </p:sld>
 </file>
 
-<file path=ppt/slides/slide23.xml><?xml version="1.0" encoding="utf-8"?>
+<file path=ppt/slides/slide27.xml><?xml version="1.0" encoding="utf-8"?>
 <p:sld xmlns:a="http://schemas.openxmlformats.org/drawingml/2006/main" xmlns:r="http://schemas.openxmlformats.org/officeDocument/2006/relationships" xmlns:p="http://schemas.openxmlformats.org/presentationml/2006/main">
   <p:cSld>
     <p:spTree>
@@ -6123,7 +8840,7 @@
 </p:sld>
 </file>
 
-<file path=ppt/slides/slide24.xml><?xml version="1.0" encoding="utf-8"?>
+<file path=ppt/slides/slide28.xml><?xml version="1.0" encoding="utf-8"?>
 <p:sld xmlns:a="http://schemas.openxmlformats.org/drawingml/2006/main" xmlns:r="http://schemas.openxmlformats.org/officeDocument/2006/relationships" xmlns:p="http://schemas.openxmlformats.org/presentationml/2006/main">
   <p:cSld>
     <p:spTree>
@@ -6228,7 +8945,7 @@
 </p:sld>
 </file>
 
-<file path=ppt/slides/slide25.xml><?xml version="1.0" encoding="utf-8"?>
+<file path=ppt/slides/slide29.xml><?xml version="1.0" encoding="utf-8"?>
 <p:sld xmlns:a="http://schemas.openxmlformats.org/drawingml/2006/main" xmlns:r="http://schemas.openxmlformats.org/officeDocument/2006/relationships" xmlns:p="http://schemas.openxmlformats.org/presentationml/2006/main">
   <p:cSld>
     <p:spTree>
@@ -6306,114 +9023,6 @@
     <p:extLst>
       <p:ext uri="{BB962C8B-B14F-4D97-AF65-F5344CB8AC3E}">
         <p14:creationId xmlns:p14="http://schemas.microsoft.com/office/powerpoint/2010/main" val="553149066"/>
-      </p:ext>
-    </p:extLst>
-  </p:cSld>
-  <p:clrMapOvr>
-    <a:masterClrMapping/>
-  </p:clrMapOvr>
-</p:sld>
-</file>
-
-<file path=ppt/slides/slide26.xml><?xml version="1.0" encoding="utf-8"?>
-<p:sld xmlns:a="http://schemas.openxmlformats.org/drawingml/2006/main" xmlns:r="http://schemas.openxmlformats.org/officeDocument/2006/relationships" xmlns:p="http://schemas.openxmlformats.org/presentationml/2006/main">
-  <p:cSld>
-    <p:spTree>
-      <p:nvGrpSpPr>
-        <p:cNvPr id="1" name=""/>
-        <p:cNvGrpSpPr/>
-        <p:nvPr/>
-      </p:nvGrpSpPr>
-      <p:grpSpPr>
-        <a:xfrm>
-          <a:off x="0" y="0"/>
-          <a:ext cx="0" cy="0"/>
-          <a:chOff x="0" y="0"/>
-          <a:chExt cx="0" cy="0"/>
-        </a:xfrm>
-      </p:grpSpPr>
-      <p:pic>
-        <p:nvPicPr>
-          <p:cNvPr id="5" name="圖片 4">
-            <a:extLst>
-              <a:ext uri="{FF2B5EF4-FFF2-40B4-BE49-F238E27FC236}">
-                <a16:creationId xmlns:a16="http://schemas.microsoft.com/office/drawing/2014/main" id="{2796177B-FEA1-051E-DE94-E7DDBA1D28AE}"/>
-              </a:ext>
-            </a:extLst>
-          </p:cNvPr>
-          <p:cNvPicPr>
-            <a:picLocks noChangeAspect="1"/>
-          </p:cNvPicPr>
-          <p:nvPr/>
-        </p:nvPicPr>
-        <p:blipFill>
-          <a:blip r:embed="rId2"/>
-          <a:stretch>
-            <a:fillRect/>
-          </a:stretch>
-        </p:blipFill>
-        <p:spPr>
-          <a:xfrm>
-            <a:off x="0" y="1211792"/>
-            <a:ext cx="12192000" cy="3392000"/>
-          </a:xfrm>
-          <a:prstGeom prst="rect">
-            <a:avLst/>
-          </a:prstGeom>
-        </p:spPr>
-      </p:pic>
-      <p:sp>
-        <p:nvSpPr>
-          <p:cNvPr id="6" name="文字方塊 5">
-            <a:extLst>
-              <a:ext uri="{FF2B5EF4-FFF2-40B4-BE49-F238E27FC236}">
-                <a16:creationId xmlns:a16="http://schemas.microsoft.com/office/drawing/2014/main" id="{1E9A572B-AA2E-7182-0347-B24AE74E39E1}"/>
-              </a:ext>
-            </a:extLst>
-          </p:cNvPr>
-          <p:cNvSpPr txBox="1"/>
-          <p:nvPr/>
-        </p:nvSpPr>
-        <p:spPr>
-          <a:xfrm>
-            <a:off x="1990725" y="333375"/>
-            <a:ext cx="2165978" cy="369332"/>
-          </a:xfrm>
-          <a:prstGeom prst="rect">
-            <a:avLst/>
-          </a:prstGeom>
-          <a:noFill/>
-        </p:spPr>
-        <p:txBody>
-          <a:bodyPr wrap="none" rtlCol="0">
-            <a:spAutoFit/>
-          </a:bodyPr>
-          <a:lstStyle/>
-          <a:p>
-            <a:r>
-              <a:rPr lang="zh-TW" altLang="en-US" dirty="0"/>
-              <a:t>測試數據</a:t>
-            </a:r>
-            <a:r>
-              <a:rPr lang="en-US" altLang="zh-TW" dirty="0"/>
-              <a:t>(</a:t>
-            </a:r>
-            <a:r>
-              <a:rPr lang="zh-TW" altLang="en-US" dirty="0"/>
-              <a:t>暫無結果</a:t>
-            </a:r>
-            <a:r>
-              <a:rPr lang="en-US" altLang="zh-TW" dirty="0"/>
-              <a:t>)</a:t>
-            </a:r>
-            <a:endParaRPr lang="zh-TW" altLang="en-US" dirty="0"/>
-          </a:p>
-        </p:txBody>
-      </p:sp>
-    </p:spTree>
-    <p:extLst>
-      <p:ext uri="{BB962C8B-B14F-4D97-AF65-F5344CB8AC3E}">
-        <p14:creationId xmlns:p14="http://schemas.microsoft.com/office/powerpoint/2010/main" val="12356757"/>
       </p:ext>
     </p:extLst>
   </p:cSld>
@@ -6629,6 +9238,114 @@
 </p:sld>
 </file>
 
+<file path=ppt/slides/slide30.xml><?xml version="1.0" encoding="utf-8"?>
+<p:sld xmlns:a="http://schemas.openxmlformats.org/drawingml/2006/main" xmlns:r="http://schemas.openxmlformats.org/officeDocument/2006/relationships" xmlns:p="http://schemas.openxmlformats.org/presentationml/2006/main">
+  <p:cSld>
+    <p:spTree>
+      <p:nvGrpSpPr>
+        <p:cNvPr id="1" name=""/>
+        <p:cNvGrpSpPr/>
+        <p:nvPr/>
+      </p:nvGrpSpPr>
+      <p:grpSpPr>
+        <a:xfrm>
+          <a:off x="0" y="0"/>
+          <a:ext cx="0" cy="0"/>
+          <a:chOff x="0" y="0"/>
+          <a:chExt cx="0" cy="0"/>
+        </a:xfrm>
+      </p:grpSpPr>
+      <p:pic>
+        <p:nvPicPr>
+          <p:cNvPr id="5" name="圖片 4">
+            <a:extLst>
+              <a:ext uri="{FF2B5EF4-FFF2-40B4-BE49-F238E27FC236}">
+                <a16:creationId xmlns:a16="http://schemas.microsoft.com/office/drawing/2014/main" id="{2796177B-FEA1-051E-DE94-E7DDBA1D28AE}"/>
+              </a:ext>
+            </a:extLst>
+          </p:cNvPr>
+          <p:cNvPicPr>
+            <a:picLocks noChangeAspect="1"/>
+          </p:cNvPicPr>
+          <p:nvPr/>
+        </p:nvPicPr>
+        <p:blipFill>
+          <a:blip r:embed="rId2"/>
+          <a:stretch>
+            <a:fillRect/>
+          </a:stretch>
+        </p:blipFill>
+        <p:spPr>
+          <a:xfrm>
+            <a:off x="0" y="1211792"/>
+            <a:ext cx="12192000" cy="3392000"/>
+          </a:xfrm>
+          <a:prstGeom prst="rect">
+            <a:avLst/>
+          </a:prstGeom>
+        </p:spPr>
+      </p:pic>
+      <p:sp>
+        <p:nvSpPr>
+          <p:cNvPr id="6" name="文字方塊 5">
+            <a:extLst>
+              <a:ext uri="{FF2B5EF4-FFF2-40B4-BE49-F238E27FC236}">
+                <a16:creationId xmlns:a16="http://schemas.microsoft.com/office/drawing/2014/main" id="{1E9A572B-AA2E-7182-0347-B24AE74E39E1}"/>
+              </a:ext>
+            </a:extLst>
+          </p:cNvPr>
+          <p:cNvSpPr txBox="1"/>
+          <p:nvPr/>
+        </p:nvSpPr>
+        <p:spPr>
+          <a:xfrm>
+            <a:off x="1990725" y="333375"/>
+            <a:ext cx="2165978" cy="369332"/>
+          </a:xfrm>
+          <a:prstGeom prst="rect">
+            <a:avLst/>
+          </a:prstGeom>
+          <a:noFill/>
+        </p:spPr>
+        <p:txBody>
+          <a:bodyPr wrap="none" rtlCol="0">
+            <a:spAutoFit/>
+          </a:bodyPr>
+          <a:lstStyle/>
+          <a:p>
+            <a:r>
+              <a:rPr lang="zh-TW" altLang="en-US" dirty="0"/>
+              <a:t>測試數據</a:t>
+            </a:r>
+            <a:r>
+              <a:rPr lang="en-US" altLang="zh-TW" dirty="0"/>
+              <a:t>(</a:t>
+            </a:r>
+            <a:r>
+              <a:rPr lang="zh-TW" altLang="en-US" dirty="0"/>
+              <a:t>暫無結果</a:t>
+            </a:r>
+            <a:r>
+              <a:rPr lang="en-US" altLang="zh-TW" dirty="0"/>
+              <a:t>)</a:t>
+            </a:r>
+            <a:endParaRPr lang="zh-TW" altLang="en-US" dirty="0"/>
+          </a:p>
+        </p:txBody>
+      </p:sp>
+    </p:spTree>
+    <p:extLst>
+      <p:ext uri="{BB962C8B-B14F-4D97-AF65-F5344CB8AC3E}">
+        <p14:creationId xmlns:p14="http://schemas.microsoft.com/office/powerpoint/2010/main" val="12356757"/>
+      </p:ext>
+    </p:extLst>
+  </p:cSld>
+  <p:clrMapOvr>
+    <a:masterClrMapping/>
+  </p:clrMapOvr>
+</p:sld>
+</file>
+
 <file path=ppt/slides/slide4.xml><?xml version="1.0" encoding="utf-8"?>
 <p:sld xmlns:a="http://schemas.openxmlformats.org/drawingml/2006/main" xmlns:r="http://schemas.openxmlformats.org/officeDocument/2006/relationships" xmlns:p="http://schemas.openxmlformats.org/presentationml/2006/main">
   <p:cSld>
@@ -6696,17 +9413,303 @@
         </p:nvPicPr>
         <p:blipFill>
           <a:blip r:embed="rId2"/>
-          <a:stretch>
-            <a:fillRect/>
-          </a:stretch>
+          <a:srcRect r="12007"/>
+          <a:stretch/>
         </p:blipFill>
         <p:spPr>
           <a:xfrm>
-            <a:off x="2632922" y="1690688"/>
-            <a:ext cx="6926156" cy="4365689"/>
+            <a:off x="6096000" y="1356872"/>
+            <a:ext cx="6094476" cy="4365689"/>
           </a:xfrm>
         </p:spPr>
       </p:pic>
+      <p:sp>
+        <p:nvSpPr>
+          <p:cNvPr id="7" name="文字方塊 6">
+            <a:extLst>
+              <a:ext uri="{FF2B5EF4-FFF2-40B4-BE49-F238E27FC236}">
+                <a16:creationId xmlns:a16="http://schemas.microsoft.com/office/drawing/2014/main" id="{E6731358-F122-91DF-F90B-39C9F48B6018}"/>
+              </a:ext>
+            </a:extLst>
+          </p:cNvPr>
+          <p:cNvSpPr txBox="1"/>
+          <p:nvPr/>
+        </p:nvSpPr>
+        <p:spPr>
+          <a:xfrm>
+            <a:off x="0" y="1881760"/>
+            <a:ext cx="6094476" cy="3416320"/>
+          </a:xfrm>
+          <a:prstGeom prst="rect">
+            <a:avLst/>
+          </a:prstGeom>
+          <a:noFill/>
+        </p:spPr>
+        <p:txBody>
+          <a:bodyPr wrap="square">
+            <a:spAutoFit/>
+          </a:bodyPr>
+          <a:lstStyle/>
+          <a:p>
+            <a:pPr marL="0" marR="0" lvl="0" indent="0" algn="l" defTabSz="914400" rtl="0" eaLnBrk="1" fontAlgn="auto" latinLnBrk="0" hangingPunct="1">
+              <a:lnSpc>
+                <a:spcPct val="100000"/>
+              </a:lnSpc>
+              <a:spcBef>
+                <a:spcPts val="0"/>
+              </a:spcBef>
+              <a:spcAft>
+                <a:spcPts val="0"/>
+              </a:spcAft>
+              <a:buClrTx/>
+              <a:buSzTx/>
+              <a:buFontTx/>
+              <a:buNone/>
+              <a:tabLst/>
+              <a:defRPr/>
+            </a:pPr>
+            <a:r>
+              <a:rPr lang="zh-TW" altLang="en-US" sz="2400" dirty="0"/>
+              <a:t>紀錄最新的下降</a:t>
+            </a:r>
+            <a:r>
+              <a:rPr lang="en-US" altLang="zh-TW" sz="2400" dirty="0"/>
+              <a:t>k</a:t>
+            </a:r>
+            <a:r>
+              <a:rPr lang="zh-TW" altLang="en-US" sz="2400" dirty="0"/>
+              <a:t>棒的最低價，</a:t>
+            </a:r>
+            <a:endParaRPr lang="en-US" altLang="zh-TW" sz="2400" dirty="0"/>
+          </a:p>
+          <a:p>
+            <a:pPr marL="0" marR="0" lvl="0" indent="0" algn="l" defTabSz="914400" rtl="0" eaLnBrk="1" fontAlgn="auto" latinLnBrk="0" hangingPunct="1">
+              <a:lnSpc>
+                <a:spcPct val="100000"/>
+              </a:lnSpc>
+              <a:spcBef>
+                <a:spcPts val="0"/>
+              </a:spcBef>
+              <a:spcAft>
+                <a:spcPts val="0"/>
+              </a:spcAft>
+              <a:buClrTx/>
+              <a:buSzTx/>
+              <a:buFontTx/>
+              <a:buNone/>
+              <a:tabLst/>
+              <a:defRPr/>
+            </a:pPr>
+            <a:r>
+              <a:rPr lang="zh-TW" altLang="en-US" sz="2400" dirty="0"/>
+              <a:t>如果遇到新的下降</a:t>
+            </a:r>
+            <a:r>
+              <a:rPr lang="en-US" altLang="zh-TW" sz="2400" dirty="0"/>
+              <a:t>k</a:t>
+            </a:r>
+            <a:r>
+              <a:rPr lang="zh-TW" altLang="en-US" sz="2400" dirty="0"/>
+              <a:t>棒則覆蓋掉前一個紀錄。</a:t>
+            </a:r>
+            <a:endParaRPr lang="en-US" altLang="zh-TW" sz="2400" dirty="0"/>
+          </a:p>
+          <a:p>
+            <a:pPr marL="0" marR="0" lvl="0" indent="0" algn="l" defTabSz="914400" rtl="0" eaLnBrk="1" fontAlgn="auto" latinLnBrk="0" hangingPunct="1">
+              <a:lnSpc>
+                <a:spcPct val="100000"/>
+              </a:lnSpc>
+              <a:spcBef>
+                <a:spcPts val="0"/>
+              </a:spcBef>
+              <a:spcAft>
+                <a:spcPts val="0"/>
+              </a:spcAft>
+              <a:buClrTx/>
+              <a:buSzTx/>
+              <a:buFontTx/>
+              <a:buNone/>
+              <a:tabLst/>
+              <a:defRPr/>
+            </a:pPr>
+            <a:r>
+              <a:rPr lang="zh-TW" altLang="en-US" sz="2400" dirty="0"/>
+              <a:t>當前一根</a:t>
+            </a:r>
+            <a:r>
+              <a:rPr lang="en-US" altLang="zh-TW" sz="2400" dirty="0"/>
+              <a:t>k</a:t>
+            </a:r>
+            <a:r>
+              <a:rPr lang="zh-TW" altLang="en-US" sz="2400" dirty="0"/>
+              <a:t>棒為上升</a:t>
+            </a:r>
+            <a:r>
+              <a:rPr lang="en-US" altLang="zh-TW" sz="2400" dirty="0"/>
+              <a:t>k</a:t>
+            </a:r>
+            <a:r>
+              <a:rPr lang="zh-TW" altLang="en-US" sz="2400" dirty="0"/>
+              <a:t>棒且收盤價高於紀錄的最高價，</a:t>
+            </a:r>
+            <a:endParaRPr lang="en-US" altLang="zh-TW" sz="2400" dirty="0"/>
+          </a:p>
+          <a:p>
+            <a:pPr marL="0" marR="0" lvl="0" indent="0" algn="l" defTabSz="914400" rtl="0" eaLnBrk="1" fontAlgn="auto" latinLnBrk="0" hangingPunct="1">
+              <a:lnSpc>
+                <a:spcPct val="100000"/>
+              </a:lnSpc>
+              <a:spcBef>
+                <a:spcPts val="0"/>
+              </a:spcBef>
+              <a:spcAft>
+                <a:spcPts val="0"/>
+              </a:spcAft>
+              <a:buClrTx/>
+              <a:buSzTx/>
+              <a:buFontTx/>
+              <a:buNone/>
+              <a:tabLst/>
+              <a:defRPr/>
+            </a:pPr>
+            <a:r>
+              <a:rPr lang="zh-TW" altLang="en-US" sz="2400" dirty="0"/>
+              <a:t>指標</a:t>
+            </a:r>
+            <a:r>
+              <a:rPr lang="en-US" altLang="zh-TW" sz="2400" dirty="0"/>
+              <a:t>EMA5&gt;EMA8&gt;EMA13</a:t>
+            </a:r>
+            <a:r>
+              <a:rPr lang="zh-TW" altLang="en-US" sz="2400" dirty="0"/>
+              <a:t>以及存在紀錄的下降</a:t>
+            </a:r>
+            <a:r>
+              <a:rPr lang="en-US" altLang="zh-TW" sz="2400" dirty="0"/>
+              <a:t>k</a:t>
+            </a:r>
+            <a:r>
+              <a:rPr lang="zh-TW" altLang="en-US" sz="2400" dirty="0"/>
+              <a:t>棒時，</a:t>
+            </a:r>
+            <a:endParaRPr lang="en-US" altLang="zh-TW" sz="2400" dirty="0"/>
+          </a:p>
+          <a:p>
+            <a:pPr marL="0" marR="0" lvl="0" indent="0" algn="l" defTabSz="914400" rtl="0" eaLnBrk="1" fontAlgn="auto" latinLnBrk="0" hangingPunct="1">
+              <a:lnSpc>
+                <a:spcPct val="100000"/>
+              </a:lnSpc>
+              <a:spcBef>
+                <a:spcPts val="0"/>
+              </a:spcBef>
+              <a:spcAft>
+                <a:spcPts val="0"/>
+              </a:spcAft>
+              <a:buClrTx/>
+              <a:buSzTx/>
+              <a:buFontTx/>
+              <a:buNone/>
+              <a:tabLst/>
+              <a:defRPr/>
+            </a:pPr>
+            <a:r>
+              <a:rPr lang="zh-TW" altLang="en-US" sz="2400" dirty="0"/>
+              <a:t>以現</a:t>
+            </a:r>
+            <a:r>
+              <a:rPr lang="en-US" altLang="zh-TW" sz="2400" dirty="0"/>
+              <a:t>k</a:t>
+            </a:r>
+            <a:r>
+              <a:rPr lang="zh-TW" altLang="en-US" sz="2400" dirty="0"/>
+              <a:t>棒開盤價作買進，前三根根</a:t>
+            </a:r>
+            <a:r>
+              <a:rPr lang="en-US" altLang="zh-TW" sz="2400" dirty="0"/>
+              <a:t>k</a:t>
+            </a:r>
+            <a:r>
+              <a:rPr lang="zh-TW" altLang="en-US" sz="2400" dirty="0"/>
+              <a:t>棒的最低價作為止損，</a:t>
+            </a:r>
+            <a:endParaRPr lang="en-US" altLang="zh-TW" sz="2400" dirty="0"/>
+          </a:p>
+          <a:p>
+            <a:pPr marL="0" marR="0" lvl="0" indent="0" algn="l" defTabSz="914400" rtl="0" eaLnBrk="1" fontAlgn="auto" latinLnBrk="0" hangingPunct="1">
+              <a:lnSpc>
+                <a:spcPct val="100000"/>
+              </a:lnSpc>
+              <a:spcBef>
+                <a:spcPts val="0"/>
+              </a:spcBef>
+              <a:spcAft>
+                <a:spcPts val="0"/>
+              </a:spcAft>
+              <a:buClrTx/>
+              <a:buSzTx/>
+              <a:buFontTx/>
+              <a:buNone/>
+              <a:tabLst/>
+              <a:defRPr/>
+            </a:pPr>
+            <a:r>
+              <a:rPr lang="zh-TW" altLang="en-US" sz="2400" dirty="0"/>
+              <a:t>買進價與止損價差的兩倍做止盈</a:t>
+            </a:r>
+          </a:p>
+        </p:txBody>
+      </p:sp>
+      <mc:AlternateContent xmlns:mc="http://schemas.openxmlformats.org/markup-compatibility/2006" xmlns:p14="http://schemas.microsoft.com/office/powerpoint/2010/main" xmlns:aink="http://schemas.microsoft.com/office/drawing/2016/ink">
+        <mc:Choice Requires="p14 aink">
+          <p:contentPart p14:bwMode="auto" r:id="rId3">
+            <p14:nvContentPartPr>
+              <p14:cNvPr id="3" name="筆跡 2">
+                <a:extLst>
+                  <a:ext uri="{FF2B5EF4-FFF2-40B4-BE49-F238E27FC236}">
+                    <a16:creationId xmlns:a16="http://schemas.microsoft.com/office/drawing/2014/main" id="{4CD8F8E6-612B-B608-C0A3-A9326313EC0B}"/>
+                  </a:ext>
+                </a:extLst>
+              </p14:cNvPr>
+              <p14:cNvContentPartPr/>
+              <p14:nvPr/>
+            </p14:nvContentPartPr>
+            <p14:xfrm>
+              <a:off x="1408032" y="2898360"/>
+              <a:ext cx="360" cy="360"/>
+            </p14:xfrm>
+          </p:contentPart>
+        </mc:Choice>
+        <mc:Fallback xmlns="">
+          <p:pic>
+            <p:nvPicPr>
+              <p:cNvPr id="3" name="筆跡 2">
+                <a:extLst>
+                  <a:ext uri="{FF2B5EF4-FFF2-40B4-BE49-F238E27FC236}">
+                    <a16:creationId xmlns:a16="http://schemas.microsoft.com/office/drawing/2014/main" id="{4CD8F8E6-612B-B608-C0A3-A9326313EC0B}"/>
+                  </a:ext>
+                </a:extLst>
+              </p:cNvPr>
+              <p:cNvPicPr/>
+              <p:nvPr/>
+            </p:nvPicPr>
+            <p:blipFill>
+              <a:blip r:embed="rId4"/>
+              <a:stretch>
+                <a:fillRect/>
+              </a:stretch>
+            </p:blipFill>
+            <p:spPr>
+              <a:xfrm>
+                <a:off x="1390032" y="2880360"/>
+                <a:ext cx="36000" cy="36000"/>
+              </a:xfrm>
+              <a:prstGeom prst="rect">
+                <a:avLst/>
+              </a:prstGeom>
+            </p:spPr>
+          </p:pic>
+        </mc:Fallback>
+      </mc:AlternateContent>
     </p:spTree>
     <p:extLst>
       <p:ext uri="{BB962C8B-B14F-4D97-AF65-F5344CB8AC3E}">
@@ -6793,11 +9796,266 @@
         </p:blipFill>
         <p:spPr>
           <a:xfrm>
-            <a:off x="3770376" y="1690688"/>
+            <a:off x="7767828" y="2095790"/>
             <a:ext cx="3585972" cy="4397085"/>
           </a:xfrm>
         </p:spPr>
       </p:pic>
+      <p:sp>
+        <p:nvSpPr>
+          <p:cNvPr id="6" name="文字方塊 5">
+            <a:extLst>
+              <a:ext uri="{FF2B5EF4-FFF2-40B4-BE49-F238E27FC236}">
+                <a16:creationId xmlns:a16="http://schemas.microsoft.com/office/drawing/2014/main" id="{E3592205-77E0-40AF-48AB-89E8C495526A}"/>
+              </a:ext>
+            </a:extLst>
+          </p:cNvPr>
+          <p:cNvSpPr txBox="1"/>
+          <p:nvPr/>
+        </p:nvSpPr>
+        <p:spPr>
+          <a:xfrm>
+            <a:off x="496062" y="2095790"/>
+            <a:ext cx="7271766" cy="2677656"/>
+          </a:xfrm>
+          <a:prstGeom prst="rect">
+            <a:avLst/>
+          </a:prstGeom>
+          <a:noFill/>
+        </p:spPr>
+        <p:txBody>
+          <a:bodyPr wrap="square">
+            <a:spAutoFit/>
+          </a:bodyPr>
+          <a:lstStyle/>
+          <a:p>
+            <a:pPr marL="0" marR="0" lvl="0" indent="0" algn="l" defTabSz="914400" rtl="0" eaLnBrk="1" fontAlgn="auto" latinLnBrk="0" hangingPunct="1">
+              <a:lnSpc>
+                <a:spcPct val="100000"/>
+              </a:lnSpc>
+              <a:spcBef>
+                <a:spcPts val="0"/>
+              </a:spcBef>
+              <a:spcAft>
+                <a:spcPts val="0"/>
+              </a:spcAft>
+              <a:buClrTx/>
+              <a:buSzTx/>
+              <a:buFontTx/>
+              <a:buNone/>
+              <a:tabLst/>
+              <a:defRPr/>
+            </a:pPr>
+            <a:r>
+              <a:rPr lang="zh-TW" altLang="en-US" sz="2400" dirty="0"/>
+              <a:t>紀錄最新的上升</a:t>
+            </a:r>
+            <a:r>
+              <a:rPr lang="en-US" altLang="zh-TW" sz="2400" dirty="0"/>
+              <a:t>k</a:t>
+            </a:r>
+            <a:r>
+              <a:rPr lang="zh-TW" altLang="en-US" sz="2400" dirty="0"/>
+              <a:t>棒的最低價和最高價，</a:t>
+            </a:r>
+            <a:endParaRPr lang="en-US" altLang="zh-TW" sz="2400" dirty="0"/>
+          </a:p>
+          <a:p>
+            <a:pPr marL="0" marR="0" lvl="0" indent="0" algn="l" defTabSz="914400" rtl="0" eaLnBrk="1" fontAlgn="auto" latinLnBrk="0" hangingPunct="1">
+              <a:lnSpc>
+                <a:spcPct val="100000"/>
+              </a:lnSpc>
+              <a:spcBef>
+                <a:spcPts val="0"/>
+              </a:spcBef>
+              <a:spcAft>
+                <a:spcPts val="0"/>
+              </a:spcAft>
+              <a:buClrTx/>
+              <a:buSzTx/>
+              <a:buFontTx/>
+              <a:buNone/>
+              <a:tabLst/>
+              <a:defRPr/>
+            </a:pPr>
+            <a:r>
+              <a:rPr lang="zh-TW" altLang="en-US" sz="2400" dirty="0"/>
+              <a:t>如果遇到新的上升</a:t>
+            </a:r>
+            <a:r>
+              <a:rPr lang="en-US" altLang="zh-TW" sz="2400" dirty="0"/>
+              <a:t>k</a:t>
+            </a:r>
+            <a:r>
+              <a:rPr lang="zh-TW" altLang="en-US" sz="2400" dirty="0"/>
+              <a:t>棒則覆蓋掉前一個紀錄。</a:t>
+            </a:r>
+            <a:endParaRPr lang="en-US" altLang="zh-TW" sz="2400" dirty="0"/>
+          </a:p>
+          <a:p>
+            <a:pPr marL="0" marR="0" lvl="0" indent="0" algn="l" defTabSz="914400" rtl="0" eaLnBrk="1" fontAlgn="auto" latinLnBrk="0" hangingPunct="1">
+              <a:lnSpc>
+                <a:spcPct val="100000"/>
+              </a:lnSpc>
+              <a:spcBef>
+                <a:spcPts val="0"/>
+              </a:spcBef>
+              <a:spcAft>
+                <a:spcPts val="0"/>
+              </a:spcAft>
+              <a:buClrTx/>
+              <a:buSzTx/>
+              <a:buFontTx/>
+              <a:buNone/>
+              <a:tabLst/>
+              <a:defRPr/>
+            </a:pPr>
+            <a:r>
+              <a:rPr lang="zh-TW" altLang="en-US" sz="2400" dirty="0"/>
+              <a:t>當前一根</a:t>
+            </a:r>
+            <a:r>
+              <a:rPr lang="en-US" altLang="zh-TW" sz="2400" dirty="0"/>
+              <a:t>k</a:t>
+            </a:r>
+            <a:r>
+              <a:rPr lang="zh-TW" altLang="en-US" sz="2400" dirty="0"/>
+              <a:t>棒為下降</a:t>
+            </a:r>
+            <a:r>
+              <a:rPr lang="en-US" altLang="zh-TW" sz="2400" dirty="0"/>
+              <a:t>k</a:t>
+            </a:r>
+            <a:r>
+              <a:rPr lang="zh-TW" altLang="en-US" sz="2400" dirty="0"/>
+              <a:t>棒且收盤價高於紀錄的最低價，</a:t>
+            </a:r>
+            <a:endParaRPr lang="en-US" altLang="zh-TW" sz="2400" dirty="0"/>
+          </a:p>
+          <a:p>
+            <a:pPr marL="0" marR="0" lvl="0" indent="0" algn="l" defTabSz="914400" rtl="0" eaLnBrk="1" fontAlgn="auto" latinLnBrk="0" hangingPunct="1">
+              <a:lnSpc>
+                <a:spcPct val="100000"/>
+              </a:lnSpc>
+              <a:spcBef>
+                <a:spcPts val="0"/>
+              </a:spcBef>
+              <a:spcAft>
+                <a:spcPts val="0"/>
+              </a:spcAft>
+              <a:buClrTx/>
+              <a:buSzTx/>
+              <a:buFontTx/>
+              <a:buNone/>
+              <a:tabLst/>
+              <a:defRPr/>
+            </a:pPr>
+            <a:r>
+              <a:rPr lang="zh-TW" altLang="en-US" sz="2400" dirty="0"/>
+              <a:t>指標</a:t>
+            </a:r>
+            <a:r>
+              <a:rPr lang="en-US" altLang="zh-TW" sz="2400" dirty="0"/>
+              <a:t>EMA5&lt;EMA8&lt;EMA13</a:t>
+            </a:r>
+          </a:p>
+          <a:p>
+            <a:pPr marL="0" marR="0" lvl="0" indent="0" algn="l" defTabSz="914400" rtl="0" eaLnBrk="1" fontAlgn="auto" latinLnBrk="0" hangingPunct="1">
+              <a:lnSpc>
+                <a:spcPct val="100000"/>
+              </a:lnSpc>
+              <a:spcBef>
+                <a:spcPts val="0"/>
+              </a:spcBef>
+              <a:spcAft>
+                <a:spcPts val="0"/>
+              </a:spcAft>
+              <a:buClrTx/>
+              <a:buSzTx/>
+              <a:buFontTx/>
+              <a:buNone/>
+              <a:tabLst/>
+              <a:defRPr/>
+            </a:pPr>
+            <a:r>
+              <a:rPr lang="zh-TW" altLang="en-US" sz="2400" dirty="0"/>
+              <a:t>且存在紀錄的上升</a:t>
+            </a:r>
+            <a:r>
+              <a:rPr lang="en-US" altLang="zh-TW" sz="2400" dirty="0"/>
+              <a:t>k</a:t>
+            </a:r>
+            <a:r>
+              <a:rPr lang="zh-TW" altLang="en-US" sz="2400" dirty="0"/>
+              <a:t>棒時，以現</a:t>
+            </a:r>
+            <a:r>
+              <a:rPr lang="en-US" altLang="zh-TW" sz="2400" dirty="0"/>
+              <a:t>k</a:t>
+            </a:r>
+            <a:r>
+              <a:rPr lang="zh-TW" altLang="en-US" sz="2400" dirty="0"/>
+              <a:t>棒開盤價作賣出，</a:t>
+            </a:r>
+            <a:endParaRPr lang="en-US" altLang="zh-TW" sz="2400" dirty="0"/>
+          </a:p>
+          <a:p>
+            <a:pPr marL="0" marR="0" lvl="0" indent="0" algn="l" defTabSz="914400" rtl="0" eaLnBrk="1" fontAlgn="auto" latinLnBrk="0" hangingPunct="1">
+              <a:lnSpc>
+                <a:spcPct val="100000"/>
+              </a:lnSpc>
+              <a:spcBef>
+                <a:spcPts val="0"/>
+              </a:spcBef>
+              <a:spcAft>
+                <a:spcPts val="0"/>
+              </a:spcAft>
+              <a:buClrTx/>
+              <a:buSzTx/>
+              <a:buFontTx/>
+              <a:buNone/>
+              <a:tabLst/>
+              <a:defRPr/>
+            </a:pPr>
+            <a:r>
+              <a:rPr lang="zh-TW" altLang="en-US" sz="2400" dirty="0"/>
+              <a:t>前三根根</a:t>
+            </a:r>
+            <a:r>
+              <a:rPr lang="en-US" altLang="zh-TW" sz="2400" dirty="0"/>
+              <a:t>k</a:t>
+            </a:r>
+            <a:r>
+              <a:rPr lang="zh-TW" altLang="en-US" sz="2400" dirty="0"/>
+              <a:t>棒的最高價作為止損，</a:t>
+            </a:r>
+            <a:endParaRPr lang="en-US" altLang="zh-TW" sz="2400" dirty="0"/>
+          </a:p>
+          <a:p>
+            <a:pPr marL="0" marR="0" lvl="0" indent="0" algn="l" defTabSz="914400" rtl="0" eaLnBrk="1" fontAlgn="auto" latinLnBrk="0" hangingPunct="1">
+              <a:lnSpc>
+                <a:spcPct val="100000"/>
+              </a:lnSpc>
+              <a:spcBef>
+                <a:spcPts val="0"/>
+              </a:spcBef>
+              <a:spcAft>
+                <a:spcPts val="0"/>
+              </a:spcAft>
+              <a:buClrTx/>
+              <a:buSzTx/>
+              <a:buFontTx/>
+              <a:buNone/>
+              <a:tabLst/>
+              <a:defRPr/>
+            </a:pPr>
+            <a:r>
+              <a:rPr lang="zh-TW" altLang="en-US" sz="2400" dirty="0"/>
+              <a:t>買進價與止損價差的兩倍做止盈</a:t>
+            </a:r>
+          </a:p>
+        </p:txBody>
+      </p:sp>
     </p:spTree>
     <p:extLst>
       <p:ext uri="{BB962C8B-B14F-4D97-AF65-F5344CB8AC3E}">
@@ -6843,7 +10101,7 @@
         <p:spPr>
           <a:xfrm>
             <a:off x="585421" y="1364885"/>
-            <a:ext cx="11021158" cy="5016758"/>
+            <a:ext cx="11021158" cy="4524315"/>
           </a:xfrm>
           <a:prstGeom prst="rect">
             <a:avLst/>
@@ -6904,6 +10162,21 @@
           <a:p>
             <a:r>
               <a:rPr lang="zh-TW" altLang="en-US" sz="3200" dirty="0"/>
+              <a:t>持續記錄最新的上升與下降</a:t>
+            </a:r>
+            <a:r>
+              <a:rPr lang="en-US" altLang="zh-TW" sz="3200" dirty="0"/>
+              <a:t>k</a:t>
+            </a:r>
+            <a:r>
+              <a:rPr lang="zh-TW" altLang="en-US" sz="3200" dirty="0"/>
+              <a:t>棒</a:t>
+            </a:r>
+            <a:endParaRPr lang="en-US" altLang="zh-TW" sz="3200" dirty="0"/>
+          </a:p>
+          <a:p>
+            <a:r>
+              <a:rPr lang="zh-TW" altLang="en-US" sz="3200" dirty="0"/>
               <a:t>當</a:t>
             </a:r>
             <a:r>
@@ -6912,14 +10185,7 @@
             </a:r>
             <a:r>
               <a:rPr lang="zh-TW" altLang="en-US" sz="3200" dirty="0"/>
-              <a:t>時，</a:t>
-            </a:r>
-            <a:endParaRPr lang="en-US" altLang="zh-TW" sz="3200" dirty="0"/>
-          </a:p>
-          <a:p>
-            <a:r>
-              <a:rPr lang="zh-TW" altLang="en-US" sz="3200" dirty="0"/>
-              <a:t>往後找第一根白色</a:t>
+              <a:t>且前跟</a:t>
             </a:r>
             <a:r>
               <a:rPr lang="en-US" altLang="zh-TW" sz="3200" dirty="0"/>
@@ -6927,7 +10193,15 @@
             </a:r>
             <a:r>
               <a:rPr lang="zh-TW" altLang="en-US" sz="3200" dirty="0"/>
-              <a:t>棒，</a:t>
+              <a:t>棒為上升</a:t>
+            </a:r>
+            <a:r>
+              <a:rPr lang="en-US" altLang="zh-TW" sz="3200" dirty="0"/>
+              <a:t>k</a:t>
+            </a:r>
+            <a:r>
+              <a:rPr lang="zh-TW" altLang="en-US" sz="3200" dirty="0"/>
+              <a:t>棒時，</a:t>
             </a:r>
             <a:endParaRPr lang="en-US" altLang="zh-TW" sz="3200" dirty="0"/>
           </a:p>
@@ -6942,14 +10216,7 @@
             </a:r>
             <a:r>
               <a:rPr lang="zh-TW" altLang="en-US" sz="3200" dirty="0"/>
-              <a:t>棒的收盤價進行買入，</a:t>
-            </a:r>
-            <a:endParaRPr lang="en-US" altLang="zh-TW" sz="3200" dirty="0"/>
-          </a:p>
-          <a:p>
-            <a:r>
-              <a:rPr lang="zh-TW" altLang="en-US" sz="3200" dirty="0"/>
-              <a:t>當根</a:t>
+              <a:t>棒的收盤價進行買入，前三根</a:t>
             </a:r>
             <a:r>
               <a:rPr lang="en-US" altLang="zh-TW" sz="3200" dirty="0"/>
@@ -6982,14 +10249,7 @@
             </a:r>
             <a:r>
               <a:rPr lang="zh-TW" altLang="en-US" sz="3200" dirty="0"/>
-              <a:t>時，</a:t>
-            </a:r>
-            <a:endParaRPr lang="en-US" altLang="zh-TW" sz="3200" dirty="0"/>
-          </a:p>
-          <a:p>
-            <a:r>
-              <a:rPr lang="zh-TW" altLang="en-US" sz="3200" dirty="0"/>
-              <a:t>往後找第一根黑色</a:t>
+              <a:t>時且前跟</a:t>
             </a:r>
             <a:r>
               <a:rPr lang="en-US" altLang="zh-TW" sz="3200" dirty="0"/>
@@ -6997,7 +10257,7 @@
             </a:r>
             <a:r>
               <a:rPr lang="zh-TW" altLang="en-US" sz="3200" dirty="0"/>
-              <a:t>棒，以當根</a:t>
+              <a:t>棒為下降</a:t>
             </a:r>
             <a:r>
               <a:rPr lang="en-US" altLang="zh-TW" sz="3200" dirty="0"/>
@@ -7005,14 +10265,14 @@
             </a:r>
             <a:r>
               <a:rPr lang="zh-TW" altLang="en-US" sz="3200" dirty="0"/>
-              <a:t>棒的收盤價進行買入，</a:t>
+              <a:t>棒時，</a:t>
             </a:r>
             <a:endParaRPr lang="en-US" altLang="zh-TW" sz="3200" dirty="0"/>
           </a:p>
           <a:p>
             <a:r>
               <a:rPr lang="zh-TW" altLang="en-US" sz="3200" dirty="0"/>
-              <a:t>當根</a:t>
+              <a:t>以當根</a:t>
             </a:r>
             <a:r>
               <a:rPr lang="en-US" altLang="zh-TW" sz="3200" dirty="0"/>
@@ -7020,7 +10280,22 @@
             </a:r>
             <a:r>
               <a:rPr lang="zh-TW" altLang="en-US" sz="3200" dirty="0"/>
-              <a:t>棒最高價為止損，買進價和止損差距的兩倍量作為止盈。</a:t>
+              <a:t>棒的收盤價進行買入，前三根</a:t>
+            </a:r>
+            <a:r>
+              <a:rPr lang="en-US" altLang="zh-TW" sz="3200" dirty="0"/>
+              <a:t>k</a:t>
+            </a:r>
+            <a:r>
+              <a:rPr lang="zh-TW" altLang="en-US" sz="3200" dirty="0"/>
+              <a:t>棒最高價為止損，</a:t>
+            </a:r>
+            <a:endParaRPr lang="en-US" altLang="zh-TW" sz="3200" dirty="0"/>
+          </a:p>
+          <a:p>
+            <a:r>
+              <a:rPr lang="zh-TW" altLang="en-US" sz="3200" dirty="0"/>
+              <a:t>買進價和止損差距的兩倍量作為止盈。</a:t>
             </a:r>
           </a:p>
         </p:txBody>
@@ -7153,7 +10428,9 @@
         </p:nvSpPr>
         <p:spPr/>
         <p:txBody>
-          <a:bodyPr/>
+          <a:bodyPr>
+            <a:normAutofit lnSpcReduction="10000"/>
+          </a:bodyPr>
           <a:lstStyle/>
           <a:p>
             <a:r>
@@ -7172,6 +10449,145 @@
               <a:rPr lang="zh-TW" altLang="en-US" dirty="0"/>
               <a:t>和變數宣告，需要自行補齊</a:t>
             </a:r>
+            <a:endParaRPr lang="en-US" altLang="zh-TW" dirty="0"/>
+          </a:p>
+          <a:p>
+            <a:pPr marL="0" indent="0">
+              <a:buNone/>
+            </a:pPr>
+            <a:r>
+              <a:rPr lang="zh-TW" altLang="en-US" dirty="0"/>
+              <a:t>   </a:t>
+            </a:r>
+            <a:r>
+              <a:rPr lang="en-US" altLang="zh-TW" dirty="0"/>
+              <a:t>ENUM_TIMEFRAMES   timeframe;</a:t>
+            </a:r>
+          </a:p>
+          <a:p>
+            <a:pPr marL="0" indent="0">
+              <a:buNone/>
+            </a:pPr>
+            <a:r>
+              <a:rPr lang="zh-TW" altLang="en-US" dirty="0"/>
+              <a:t>   </a:t>
+            </a:r>
+            <a:r>
+              <a:rPr lang="en-US" altLang="zh-TW" dirty="0"/>
+              <a:t>timeframe = PERIOD_H4;</a:t>
+            </a:r>
+          </a:p>
+          <a:p>
+            <a:pPr marL="0" indent="0">
+              <a:buNone/>
+            </a:pPr>
+            <a:r>
+              <a:rPr lang="zh-TW" altLang="en-US" dirty="0"/>
+              <a:t>   </a:t>
+            </a:r>
+            <a:r>
+              <a:rPr lang="en-US" altLang="zh-TW" dirty="0"/>
+              <a:t>(</a:t>
+            </a:r>
+            <a:r>
+              <a:rPr lang="zh-TW" altLang="en-US" dirty="0"/>
+              <a:t>注</a:t>
+            </a:r>
+            <a:r>
+              <a:rPr lang="en-US" altLang="zh-TW" dirty="0"/>
+              <a:t>:handle</a:t>
+            </a:r>
+            <a:r>
+              <a:rPr lang="zh-TW" altLang="en-US" dirty="0"/>
+              <a:t>宣告須改為</a:t>
+            </a:r>
+            <a:endParaRPr lang="en-US" altLang="zh-TW" dirty="0"/>
+          </a:p>
+          <a:p>
+            <a:pPr marL="0" indent="0">
+              <a:buNone/>
+            </a:pPr>
+            <a:r>
+              <a:rPr lang="zh-TW" altLang="en-US" dirty="0"/>
+              <a:t>   </a:t>
+            </a:r>
+            <a:r>
+              <a:rPr lang="en-US" altLang="zh-TW" dirty="0"/>
+              <a:t>int ema5_handle = </a:t>
+            </a:r>
+            <a:r>
+              <a:rPr lang="en-US" altLang="zh-TW" dirty="0" err="1"/>
+              <a:t>iMA</a:t>
+            </a:r>
+            <a:r>
+              <a:rPr lang="en-US" altLang="zh-TW" dirty="0"/>
+              <a:t>(NULL, </a:t>
+            </a:r>
+            <a:r>
+              <a:rPr lang="en-US" altLang="zh-TW" dirty="0">
+                <a:solidFill>
+                  <a:srgbClr val="FF0000"/>
+                </a:solidFill>
+              </a:rPr>
+              <a:t>timeframe</a:t>
+            </a:r>
+            <a:r>
+              <a:rPr lang="en-US" altLang="zh-TW" dirty="0"/>
+              <a:t>, 5, 0…….</a:t>
+            </a:r>
+          </a:p>
+          <a:p>
+            <a:pPr marL="0" indent="0">
+              <a:buNone/>
+            </a:pPr>
+            <a:r>
+              <a:rPr lang="zh-TW" altLang="en-US" dirty="0"/>
+              <a:t>   </a:t>
+            </a:r>
+            <a:r>
+              <a:rPr lang="en-US" altLang="zh-TW" dirty="0"/>
+              <a:t>#define OP_BUY 0</a:t>
+            </a:r>
+          </a:p>
+          <a:p>
+            <a:pPr marL="0" indent="0">
+              <a:buNone/>
+            </a:pPr>
+            <a:r>
+              <a:rPr lang="zh-TW" altLang="en-US" dirty="0"/>
+              <a:t>   </a:t>
+            </a:r>
+            <a:r>
+              <a:rPr lang="en-US" altLang="zh-TW" dirty="0"/>
+              <a:t>#define OP_SELL 0</a:t>
+            </a:r>
+          </a:p>
+          <a:p>
+            <a:pPr marL="0" indent="0">
+              <a:buNone/>
+            </a:pPr>
+            <a:r>
+              <a:rPr lang="zh-TW" altLang="en-US" dirty="0"/>
+              <a:t>   </a:t>
+            </a:r>
+            <a:r>
+              <a:rPr lang="en-US" altLang="zh-TW" dirty="0"/>
+              <a:t>input int a=3;</a:t>
+            </a:r>
+          </a:p>
+          <a:p>
+            <a:pPr marL="0" indent="0">
+              <a:buNone/>
+            </a:pPr>
+            <a:r>
+              <a:rPr lang="zh-TW" altLang="en-US" dirty="0"/>
+              <a:t>   </a:t>
+            </a:r>
+            <a:r>
+              <a:rPr lang="en-US" altLang="zh-TW" dirty="0"/>
+              <a:t>input float b=0.01;</a:t>
+            </a:r>
+            <a:endParaRPr lang="zh-TW" altLang="en-US" dirty="0"/>
           </a:p>
         </p:txBody>
       </p:sp>
@@ -7205,12 +10621,49 @@
           <a:chExt cx="0" cy="0"/>
         </a:xfrm>
       </p:grpSpPr>
+      <p:sp>
+        <p:nvSpPr>
+          <p:cNvPr id="3" name="標題 1">
+            <a:extLst>
+              <a:ext uri="{FF2B5EF4-FFF2-40B4-BE49-F238E27FC236}">
+                <a16:creationId xmlns:a16="http://schemas.microsoft.com/office/drawing/2014/main" id="{9EFB2AD0-79CE-4047-445C-C8B63EFA0B23}"/>
+              </a:ext>
+            </a:extLst>
+          </p:cNvPr>
+          <p:cNvSpPr>
+            <a:spLocks noGrp="1"/>
+          </p:cNvSpPr>
+          <p:nvPr>
+            <p:ph type="title"/>
+          </p:nvPr>
+        </p:nvSpPr>
+        <p:spPr>
+          <a:xfrm>
+            <a:off x="838200" y="365125"/>
+            <a:ext cx="10515600" cy="1325563"/>
+          </a:xfrm>
+        </p:spPr>
+        <p:txBody>
+          <a:bodyPr/>
+          <a:lstStyle/>
+          <a:p>
+            <a:r>
+              <a:rPr lang="en-US" altLang="zh-TW" dirty="0"/>
+              <a:t>1.5</a:t>
+            </a:r>
+            <a:r>
+              <a:rPr lang="zh-TW" altLang="en-US" dirty="0"/>
+              <a:t> 回測輸入與結果</a:t>
+            </a:r>
+          </a:p>
+        </p:txBody>
+      </p:sp>
       <p:pic>
         <p:nvPicPr>
-          <p:cNvPr id="5" name="圖片 4">
-            <a:extLst>
-              <a:ext uri="{FF2B5EF4-FFF2-40B4-BE49-F238E27FC236}">
-                <a16:creationId xmlns:a16="http://schemas.microsoft.com/office/drawing/2014/main" id="{353B4A7F-768C-DB10-A6B3-0C50FDE80552}"/>
+          <p:cNvPr id="6" name="圖片 5">
+            <a:extLst>
+              <a:ext uri="{FF2B5EF4-FFF2-40B4-BE49-F238E27FC236}">
+                <a16:creationId xmlns:a16="http://schemas.microsoft.com/office/drawing/2014/main" id="{344E2396-28EC-BE14-BA44-9B0690C4CBE9}"/>
               </a:ext>
             </a:extLst>
           </p:cNvPr>
@@ -7227,81 +10680,14 @@
         </p:blipFill>
         <p:spPr>
           <a:xfrm>
-            <a:off x="0" y="5007135"/>
-            <a:ext cx="12192000" cy="1850865"/>
+            <a:off x="866775" y="2173009"/>
+            <a:ext cx="10487025" cy="3190875"/>
           </a:xfrm>
           <a:prstGeom prst="rect">
             <a:avLst/>
           </a:prstGeom>
         </p:spPr>
       </p:pic>
-      <p:pic>
-        <p:nvPicPr>
-          <p:cNvPr id="2" name="圖片 1">
-            <a:extLst>
-              <a:ext uri="{FF2B5EF4-FFF2-40B4-BE49-F238E27FC236}">
-                <a16:creationId xmlns:a16="http://schemas.microsoft.com/office/drawing/2014/main" id="{6F01F3B2-14C9-A717-7E0D-DA04CD9B2276}"/>
-              </a:ext>
-            </a:extLst>
-          </p:cNvPr>
-          <p:cNvPicPr>
-            <a:picLocks noChangeAspect="1"/>
-          </p:cNvPicPr>
-          <p:nvPr/>
-        </p:nvPicPr>
-        <p:blipFill>
-          <a:blip r:embed="rId3"/>
-          <a:stretch>
-            <a:fillRect/>
-          </a:stretch>
-        </p:blipFill>
-        <p:spPr>
-          <a:xfrm>
-            <a:off x="1728787" y="2057781"/>
-            <a:ext cx="8734425" cy="2505075"/>
-          </a:xfrm>
-          <a:prstGeom prst="rect">
-            <a:avLst/>
-          </a:prstGeom>
-        </p:spPr>
-      </p:pic>
-      <p:sp>
-        <p:nvSpPr>
-          <p:cNvPr id="3" name="標題 1">
-            <a:extLst>
-              <a:ext uri="{FF2B5EF4-FFF2-40B4-BE49-F238E27FC236}">
-                <a16:creationId xmlns:a16="http://schemas.microsoft.com/office/drawing/2014/main" id="{9EFB2AD0-79CE-4047-445C-C8B63EFA0B23}"/>
-              </a:ext>
-            </a:extLst>
-          </p:cNvPr>
-          <p:cNvSpPr>
-            <a:spLocks noGrp="1"/>
-          </p:cNvSpPr>
-          <p:nvPr>
-            <p:ph type="title"/>
-          </p:nvPr>
-        </p:nvSpPr>
-        <p:spPr>
-          <a:xfrm>
-            <a:off x="838200" y="365125"/>
-            <a:ext cx="10515600" cy="1325563"/>
-          </a:xfrm>
-        </p:spPr>
-        <p:txBody>
-          <a:bodyPr/>
-          <a:lstStyle/>
-          <a:p>
-            <a:r>
-              <a:rPr lang="en-US" altLang="zh-TW" dirty="0"/>
-              <a:t>1.5</a:t>
-            </a:r>
-            <a:r>
-              <a:rPr lang="zh-TW" altLang="en-US" dirty="0"/>
-              <a:t> 回測輸入與結果</a:t>
-            </a:r>
-          </a:p>
-        </p:txBody>
-      </p:sp>
     </p:spTree>
     <p:extLst>
       <p:ext uri="{BB962C8B-B14F-4D97-AF65-F5344CB8AC3E}">
@@ -7334,10 +10720,73 @@
       </p:grpSpPr>
       <p:sp>
         <p:nvSpPr>
-          <p:cNvPr id="4" name="文字方塊 3">
-            <a:extLst>
-              <a:ext uri="{FF2B5EF4-FFF2-40B4-BE49-F238E27FC236}">
-                <a16:creationId xmlns:a16="http://schemas.microsoft.com/office/drawing/2014/main" id="{8FEC911B-36F1-1CFD-0216-FF109C2665AD}"/>
+          <p:cNvPr id="2" name="標題 1">
+            <a:extLst>
+              <a:ext uri="{FF2B5EF4-FFF2-40B4-BE49-F238E27FC236}">
+                <a16:creationId xmlns:a16="http://schemas.microsoft.com/office/drawing/2014/main" id="{4F5260EF-96A2-4534-3255-20233E0BEF8A}"/>
+              </a:ext>
+            </a:extLst>
+          </p:cNvPr>
+          <p:cNvSpPr>
+            <a:spLocks noGrp="1"/>
+          </p:cNvSpPr>
+          <p:nvPr>
+            <p:ph type="title"/>
+          </p:nvPr>
+        </p:nvSpPr>
+        <p:spPr>
+          <a:xfrm>
+            <a:off x="838200" y="365125"/>
+            <a:ext cx="10515600" cy="830629"/>
+          </a:xfrm>
+        </p:spPr>
+        <p:txBody>
+          <a:bodyPr/>
+          <a:lstStyle/>
+          <a:p>
+            <a:r>
+              <a:rPr lang="zh-TW" altLang="en-US" dirty="0"/>
+              <a:t>買單範例</a:t>
+            </a:r>
+          </a:p>
+        </p:txBody>
+      </p:sp>
+      <p:pic>
+        <p:nvPicPr>
+          <p:cNvPr id="5" name="圖片 4">
+            <a:extLst>
+              <a:ext uri="{FF2B5EF4-FFF2-40B4-BE49-F238E27FC236}">
+                <a16:creationId xmlns:a16="http://schemas.microsoft.com/office/drawing/2014/main" id="{3B19EFF1-7019-03AD-EEFD-AE4A35671938}"/>
+              </a:ext>
+            </a:extLst>
+          </p:cNvPr>
+          <p:cNvPicPr>
+            <a:picLocks noChangeAspect="1"/>
+          </p:cNvPicPr>
+          <p:nvPr/>
+        </p:nvPicPr>
+        <p:blipFill>
+          <a:blip r:embed="rId3"/>
+          <a:stretch>
+            <a:fillRect/>
+          </a:stretch>
+        </p:blipFill>
+        <p:spPr>
+          <a:xfrm>
+            <a:off x="568150" y="1319212"/>
+            <a:ext cx="2514600" cy="4219575"/>
+          </a:xfrm>
+          <a:prstGeom prst="rect">
+            <a:avLst/>
+          </a:prstGeom>
+        </p:spPr>
+      </p:pic>
+      <p:sp>
+        <p:nvSpPr>
+          <p:cNvPr id="6" name="文字方塊 5">
+            <a:extLst>
+              <a:ext uri="{FF2B5EF4-FFF2-40B4-BE49-F238E27FC236}">
+                <a16:creationId xmlns:a16="http://schemas.microsoft.com/office/drawing/2014/main" id="{BF8D6D6A-32CE-5552-7019-C746800A03AD}"/>
               </a:ext>
             </a:extLst>
           </p:cNvPr>
@@ -7346,8 +10795,8 @@
         </p:nvSpPr>
         <p:spPr>
           <a:xfrm>
-            <a:off x="386862" y="1072662"/>
-            <a:ext cx="9417963" cy="3416320"/>
+            <a:off x="1048210" y="5983473"/>
+            <a:ext cx="777240" cy="369332"/>
           </a:xfrm>
           <a:prstGeom prst="rect">
             <a:avLst/>
@@ -7355,65 +10804,459 @@
           <a:noFill/>
         </p:spPr>
         <p:txBody>
-          <a:bodyPr wrap="none" rtlCol="0">
+          <a:bodyPr wrap="square" rtlCol="0">
             <a:spAutoFit/>
           </a:bodyPr>
           <a:lstStyle/>
           <a:p>
             <a:r>
-              <a:rPr lang="zh-TW" altLang="en-US" sz="3600" dirty="0"/>
-              <a:t>這個交易方式依然有涉及一部份趨勢的概念，</a:t>
-            </a:r>
-            <a:endParaRPr lang="en-US" altLang="zh-TW" sz="3600" dirty="0"/>
-          </a:p>
-          <a:p>
-            <a:r>
-              <a:rPr lang="zh-TW" altLang="en-US" sz="3600" dirty="0"/>
-              <a:t>用程式碼可能較難表達，</a:t>
-            </a:r>
-            <a:endParaRPr lang="en-US" altLang="zh-TW" sz="3600" dirty="0"/>
-          </a:p>
-          <a:p>
-            <a:r>
-              <a:rPr lang="zh-TW" altLang="en-US" sz="3600" dirty="0"/>
-              <a:t>在不修改</a:t>
-            </a:r>
-            <a:r>
-              <a:rPr lang="en-US" altLang="zh-TW" sz="3600" dirty="0" err="1"/>
-              <a:t>gpt</a:t>
-            </a:r>
-            <a:r>
-              <a:rPr lang="zh-TW" altLang="en-US" sz="3600" dirty="0"/>
-              <a:t>編寫的結構的情況下，</a:t>
-            </a:r>
-            <a:endParaRPr lang="en-US" altLang="zh-TW" sz="3600" dirty="0"/>
-          </a:p>
-          <a:p>
-            <a:r>
-              <a:rPr lang="zh-TW" altLang="en-US" sz="3600" dirty="0"/>
-              <a:t>交易結果依然是賠錢的，</a:t>
-            </a:r>
-            <a:endParaRPr lang="en-US" altLang="zh-TW" sz="3600" dirty="0"/>
-          </a:p>
-          <a:p>
-            <a:r>
-              <a:rPr lang="zh-TW" altLang="en-US" sz="3600" dirty="0"/>
-              <a:t>我認為是因為有些交易沒有正常的結束，</a:t>
-            </a:r>
-            <a:endParaRPr lang="en-US" altLang="zh-TW" sz="3600" dirty="0"/>
-          </a:p>
-          <a:p>
-            <a:r>
-              <a:rPr lang="zh-TW" altLang="en-US" sz="3600" dirty="0"/>
-              <a:t>但還未找到解決方式</a:t>
-            </a:r>
-          </a:p>
-        </p:txBody>
-      </p:sp>
+              <a:rPr lang="zh-TW" altLang="en-US" dirty="0"/>
+              <a:t>止損</a:t>
+            </a:r>
+          </a:p>
+        </p:txBody>
+      </p:sp>
+      <p:cxnSp>
+        <p:nvCxnSpPr>
+          <p:cNvPr id="8" name="直線單箭頭接點 7">
+            <a:extLst>
+              <a:ext uri="{FF2B5EF4-FFF2-40B4-BE49-F238E27FC236}">
+                <a16:creationId xmlns:a16="http://schemas.microsoft.com/office/drawing/2014/main" id="{44403497-5576-5E0F-274B-16CE026787FA}"/>
+              </a:ext>
+            </a:extLst>
+          </p:cNvPr>
+          <p:cNvCxnSpPr>
+            <a:cxnSpLocks/>
+          </p:cNvCxnSpPr>
+          <p:nvPr/>
+        </p:nvCxnSpPr>
+        <p:spPr>
+          <a:xfrm flipV="1">
+            <a:off x="1353010" y="5372413"/>
+            <a:ext cx="0" cy="694051"/>
+          </a:xfrm>
+          <a:prstGeom prst="straightConnector1">
+            <a:avLst/>
+          </a:prstGeom>
+          <a:ln>
+            <a:tailEnd type="triangle"/>
+          </a:ln>
+        </p:spPr>
+        <p:style>
+          <a:lnRef idx="3">
+            <a:schemeClr val="accent2"/>
+          </a:lnRef>
+          <a:fillRef idx="0">
+            <a:schemeClr val="accent2"/>
+          </a:fillRef>
+          <a:effectRef idx="2">
+            <a:schemeClr val="accent2"/>
+          </a:effectRef>
+          <a:fontRef idx="minor">
+            <a:schemeClr val="tx1"/>
+          </a:fontRef>
+        </p:style>
+      </p:cxnSp>
+      <p:sp>
+        <p:nvSpPr>
+          <p:cNvPr id="13" name="文字方塊 12">
+            <a:extLst>
+              <a:ext uri="{FF2B5EF4-FFF2-40B4-BE49-F238E27FC236}">
+                <a16:creationId xmlns:a16="http://schemas.microsoft.com/office/drawing/2014/main" id="{E919A987-A533-8E85-8386-881613AD4ED0}"/>
+              </a:ext>
+            </a:extLst>
+          </p:cNvPr>
+          <p:cNvSpPr txBox="1"/>
+          <p:nvPr/>
+        </p:nvSpPr>
+        <p:spPr>
+          <a:xfrm>
+            <a:off x="8386572" y="4499264"/>
+            <a:ext cx="777240" cy="369332"/>
+          </a:xfrm>
+          <a:prstGeom prst="rect">
+            <a:avLst/>
+          </a:prstGeom>
+          <a:noFill/>
+        </p:spPr>
+        <p:txBody>
+          <a:bodyPr wrap="square" rtlCol="0">
+            <a:spAutoFit/>
+          </a:bodyPr>
+          <a:lstStyle/>
+          <a:p>
+            <a:r>
+              <a:rPr lang="zh-TW" altLang="en-US" dirty="0"/>
+              <a:t>止損</a:t>
+            </a:r>
+          </a:p>
+        </p:txBody>
+      </p:sp>
+      <p:sp>
+        <p:nvSpPr>
+          <p:cNvPr id="15" name="文字方塊 14">
+            <a:extLst>
+              <a:ext uri="{FF2B5EF4-FFF2-40B4-BE49-F238E27FC236}">
+                <a16:creationId xmlns:a16="http://schemas.microsoft.com/office/drawing/2014/main" id="{58713552-BDA2-28BA-3196-D1489E3B4E2F}"/>
+              </a:ext>
+            </a:extLst>
+          </p:cNvPr>
+          <p:cNvSpPr txBox="1"/>
+          <p:nvPr/>
+        </p:nvSpPr>
+        <p:spPr>
+          <a:xfrm>
+            <a:off x="4461970" y="4290024"/>
+            <a:ext cx="777240" cy="369332"/>
+          </a:xfrm>
+          <a:prstGeom prst="rect">
+            <a:avLst/>
+          </a:prstGeom>
+          <a:noFill/>
+        </p:spPr>
+        <p:txBody>
+          <a:bodyPr wrap="square" rtlCol="0">
+            <a:spAutoFit/>
+          </a:bodyPr>
+          <a:lstStyle/>
+          <a:p>
+            <a:r>
+              <a:rPr lang="zh-TW" altLang="en-US" dirty="0"/>
+              <a:t>止損</a:t>
+            </a:r>
+          </a:p>
+        </p:txBody>
+      </p:sp>
+      <p:pic>
+        <p:nvPicPr>
+          <p:cNvPr id="18" name="圖片 17">
+            <a:extLst>
+              <a:ext uri="{FF2B5EF4-FFF2-40B4-BE49-F238E27FC236}">
+                <a16:creationId xmlns:a16="http://schemas.microsoft.com/office/drawing/2014/main" id="{7B714C0D-B5F1-6F87-7713-6B7127E92F97}"/>
+              </a:ext>
+            </a:extLst>
+          </p:cNvPr>
+          <p:cNvPicPr>
+            <a:picLocks noChangeAspect="1"/>
+          </p:cNvPicPr>
+          <p:nvPr/>
+        </p:nvPicPr>
+        <p:blipFill>
+          <a:blip r:embed="rId4"/>
+          <a:stretch>
+            <a:fillRect/>
+          </a:stretch>
+        </p:blipFill>
+        <p:spPr>
+          <a:xfrm>
+            <a:off x="4169473" y="1850182"/>
+            <a:ext cx="3553190" cy="2154746"/>
+          </a:xfrm>
+          <a:prstGeom prst="rect">
+            <a:avLst/>
+          </a:prstGeom>
+        </p:spPr>
+      </p:pic>
+      <p:cxnSp>
+        <p:nvCxnSpPr>
+          <p:cNvPr id="16" name="直線單箭頭接點 15">
+            <a:extLst>
+              <a:ext uri="{FF2B5EF4-FFF2-40B4-BE49-F238E27FC236}">
+                <a16:creationId xmlns:a16="http://schemas.microsoft.com/office/drawing/2014/main" id="{162B9B6F-0D9C-D892-81A3-1FC33E293190}"/>
+              </a:ext>
+            </a:extLst>
+          </p:cNvPr>
+          <p:cNvCxnSpPr>
+            <a:cxnSpLocks/>
+          </p:cNvCxnSpPr>
+          <p:nvPr/>
+        </p:nvCxnSpPr>
+        <p:spPr>
+          <a:xfrm flipV="1">
+            <a:off x="4827428" y="3674452"/>
+            <a:ext cx="0" cy="694051"/>
+          </a:xfrm>
+          <a:prstGeom prst="straightConnector1">
+            <a:avLst/>
+          </a:prstGeom>
+          <a:ln>
+            <a:tailEnd type="triangle"/>
+          </a:ln>
+        </p:spPr>
+        <p:style>
+          <a:lnRef idx="3">
+            <a:schemeClr val="accent2"/>
+          </a:lnRef>
+          <a:fillRef idx="0">
+            <a:schemeClr val="accent2"/>
+          </a:fillRef>
+          <a:effectRef idx="2">
+            <a:schemeClr val="accent2"/>
+          </a:effectRef>
+          <a:fontRef idx="minor">
+            <a:schemeClr val="tx1"/>
+          </a:fontRef>
+        </p:style>
+      </p:cxnSp>
+      <p:sp>
+        <p:nvSpPr>
+          <p:cNvPr id="21" name="文字方塊 20">
+            <a:extLst>
+              <a:ext uri="{FF2B5EF4-FFF2-40B4-BE49-F238E27FC236}">
+                <a16:creationId xmlns:a16="http://schemas.microsoft.com/office/drawing/2014/main" id="{72D34F03-1671-53D3-5FD9-10A412FD1E40}"/>
+              </a:ext>
+            </a:extLst>
+          </p:cNvPr>
+          <p:cNvSpPr txBox="1"/>
+          <p:nvPr/>
+        </p:nvSpPr>
+        <p:spPr>
+          <a:xfrm>
+            <a:off x="-77113" y="1758001"/>
+            <a:ext cx="777240" cy="369332"/>
+          </a:xfrm>
+          <a:prstGeom prst="rect">
+            <a:avLst/>
+          </a:prstGeom>
+          <a:noFill/>
+        </p:spPr>
+        <p:txBody>
+          <a:bodyPr wrap="square" rtlCol="0">
+            <a:spAutoFit/>
+          </a:bodyPr>
+          <a:lstStyle/>
+          <a:p>
+            <a:r>
+              <a:rPr lang="zh-TW" altLang="en-US" dirty="0"/>
+              <a:t>止盈</a:t>
+            </a:r>
+          </a:p>
+        </p:txBody>
+      </p:sp>
+      <p:cxnSp>
+        <p:nvCxnSpPr>
+          <p:cNvPr id="26" name="直線接點 25">
+            <a:extLst>
+              <a:ext uri="{FF2B5EF4-FFF2-40B4-BE49-F238E27FC236}">
+                <a16:creationId xmlns:a16="http://schemas.microsoft.com/office/drawing/2014/main" id="{58DE640A-0F98-0E7F-B084-D0EC9703D394}"/>
+              </a:ext>
+            </a:extLst>
+          </p:cNvPr>
+          <p:cNvCxnSpPr/>
+          <p:nvPr/>
+        </p:nvCxnSpPr>
+        <p:spPr>
+          <a:xfrm flipV="1">
+            <a:off x="1609344" y="4138489"/>
+            <a:ext cx="0" cy="1233924"/>
+          </a:xfrm>
+          <a:prstGeom prst="line">
+            <a:avLst/>
+          </a:prstGeom>
+        </p:spPr>
+        <p:style>
+          <a:lnRef idx="2">
+            <a:schemeClr val="accent4"/>
+          </a:lnRef>
+          <a:fillRef idx="0">
+            <a:schemeClr val="accent4"/>
+          </a:fillRef>
+          <a:effectRef idx="1">
+            <a:schemeClr val="accent4"/>
+          </a:effectRef>
+          <a:fontRef idx="minor">
+            <a:schemeClr val="tx1"/>
+          </a:fontRef>
+        </p:style>
+      </p:cxnSp>
+      <p:cxnSp>
+        <p:nvCxnSpPr>
+          <p:cNvPr id="27" name="直線接點 26">
+            <a:extLst>
+              <a:ext uri="{FF2B5EF4-FFF2-40B4-BE49-F238E27FC236}">
+                <a16:creationId xmlns:a16="http://schemas.microsoft.com/office/drawing/2014/main" id="{0C916253-18F3-A30B-12B3-F399595F8266}"/>
+              </a:ext>
+            </a:extLst>
+          </p:cNvPr>
+          <p:cNvCxnSpPr/>
+          <p:nvPr/>
+        </p:nvCxnSpPr>
+        <p:spPr>
+          <a:xfrm flipV="1">
+            <a:off x="1609344" y="2904565"/>
+            <a:ext cx="0" cy="1233924"/>
+          </a:xfrm>
+          <a:prstGeom prst="line">
+            <a:avLst/>
+          </a:prstGeom>
+        </p:spPr>
+        <p:style>
+          <a:lnRef idx="2">
+            <a:schemeClr val="accent5"/>
+          </a:lnRef>
+          <a:fillRef idx="0">
+            <a:schemeClr val="accent5"/>
+          </a:fillRef>
+          <a:effectRef idx="1">
+            <a:schemeClr val="accent5"/>
+          </a:effectRef>
+          <a:fontRef idx="minor">
+            <a:schemeClr val="tx1"/>
+          </a:fontRef>
+        </p:style>
+      </p:cxnSp>
+      <p:cxnSp>
+        <p:nvCxnSpPr>
+          <p:cNvPr id="28" name="直線接點 27">
+            <a:extLst>
+              <a:ext uri="{FF2B5EF4-FFF2-40B4-BE49-F238E27FC236}">
+                <a16:creationId xmlns:a16="http://schemas.microsoft.com/office/drawing/2014/main" id="{3DAE0165-AA77-D0BD-D4A3-ABB0C8B3FEA5}"/>
+              </a:ext>
+            </a:extLst>
+          </p:cNvPr>
+          <p:cNvCxnSpPr/>
+          <p:nvPr/>
+        </p:nvCxnSpPr>
+        <p:spPr>
+          <a:xfrm flipV="1">
+            <a:off x="1609344" y="1758001"/>
+            <a:ext cx="0" cy="1233924"/>
+          </a:xfrm>
+          <a:prstGeom prst="line">
+            <a:avLst/>
+          </a:prstGeom>
+        </p:spPr>
+        <p:style>
+          <a:lnRef idx="2">
+            <a:schemeClr val="accent5"/>
+          </a:lnRef>
+          <a:fillRef idx="0">
+            <a:schemeClr val="accent5"/>
+          </a:fillRef>
+          <a:effectRef idx="1">
+            <a:schemeClr val="accent5"/>
+          </a:effectRef>
+          <a:fontRef idx="minor">
+            <a:schemeClr val="tx1"/>
+          </a:fontRef>
+        </p:style>
+      </p:cxnSp>
+      <p:cxnSp>
+        <p:nvCxnSpPr>
+          <p:cNvPr id="22" name="直線單箭頭接點 21">
+            <a:extLst>
+              <a:ext uri="{FF2B5EF4-FFF2-40B4-BE49-F238E27FC236}">
+                <a16:creationId xmlns:a16="http://schemas.microsoft.com/office/drawing/2014/main" id="{849BB260-7202-328D-1545-E7D7B25B21B8}"/>
+              </a:ext>
+            </a:extLst>
+          </p:cNvPr>
+          <p:cNvCxnSpPr>
+            <a:cxnSpLocks/>
+          </p:cNvCxnSpPr>
+          <p:nvPr/>
+        </p:nvCxnSpPr>
+        <p:spPr>
+          <a:xfrm flipV="1">
+            <a:off x="302363" y="1758001"/>
+            <a:ext cx="1197253" cy="1794"/>
+          </a:xfrm>
+          <a:prstGeom prst="straightConnector1">
+            <a:avLst/>
+          </a:prstGeom>
+          <a:ln>
+            <a:tailEnd type="triangle"/>
+          </a:ln>
+        </p:spPr>
+        <p:style>
+          <a:lnRef idx="3">
+            <a:schemeClr val="accent2"/>
+          </a:lnRef>
+          <a:fillRef idx="0">
+            <a:schemeClr val="accent2"/>
+          </a:fillRef>
+          <a:effectRef idx="2">
+            <a:schemeClr val="accent2"/>
+          </a:effectRef>
+          <a:fontRef idx="minor">
+            <a:schemeClr val="tx1"/>
+          </a:fontRef>
+        </p:style>
+      </p:cxnSp>
+      <p:pic>
+        <p:nvPicPr>
+          <p:cNvPr id="33" name="圖片 32">
+            <a:extLst>
+              <a:ext uri="{FF2B5EF4-FFF2-40B4-BE49-F238E27FC236}">
+                <a16:creationId xmlns:a16="http://schemas.microsoft.com/office/drawing/2014/main" id="{CB06071A-52A4-1141-BFB4-4A2BA5E8CBEC}"/>
+              </a:ext>
+            </a:extLst>
+          </p:cNvPr>
+          <p:cNvPicPr>
+            <a:picLocks noChangeAspect="1"/>
+          </p:cNvPicPr>
+          <p:nvPr/>
+        </p:nvPicPr>
+        <p:blipFill>
+          <a:blip r:embed="rId5"/>
+          <a:stretch>
+            <a:fillRect/>
+          </a:stretch>
+        </p:blipFill>
+        <p:spPr>
+          <a:xfrm>
+            <a:off x="8231835" y="1351762"/>
+            <a:ext cx="3079959" cy="3151586"/>
+          </a:xfrm>
+          <a:prstGeom prst="rect">
+            <a:avLst/>
+          </a:prstGeom>
+        </p:spPr>
+      </p:pic>
+      <p:cxnSp>
+        <p:nvCxnSpPr>
+          <p:cNvPr id="14" name="直線單箭頭接點 13">
+            <a:extLst>
+              <a:ext uri="{FF2B5EF4-FFF2-40B4-BE49-F238E27FC236}">
+                <a16:creationId xmlns:a16="http://schemas.microsoft.com/office/drawing/2014/main" id="{3325E4DE-81DD-281A-D899-265A6C88E211}"/>
+              </a:ext>
+            </a:extLst>
+          </p:cNvPr>
+          <p:cNvCxnSpPr>
+            <a:cxnSpLocks/>
+          </p:cNvCxnSpPr>
+          <p:nvPr/>
+        </p:nvCxnSpPr>
+        <p:spPr>
+          <a:xfrm flipV="1">
+            <a:off x="8775192" y="3595973"/>
+            <a:ext cx="0" cy="878717"/>
+          </a:xfrm>
+          <a:prstGeom prst="straightConnector1">
+            <a:avLst/>
+          </a:prstGeom>
+          <a:ln>
+            <a:tailEnd type="triangle"/>
+          </a:ln>
+        </p:spPr>
+        <p:style>
+          <a:lnRef idx="3">
+            <a:schemeClr val="accent2"/>
+          </a:lnRef>
+          <a:fillRef idx="0">
+            <a:schemeClr val="accent2"/>
+          </a:fillRef>
+          <a:effectRef idx="2">
+            <a:schemeClr val="accent2"/>
+          </a:effectRef>
+          <a:fontRef idx="minor">
+            <a:schemeClr val="tx1"/>
+          </a:fontRef>
+        </p:style>
+      </p:cxnSp>
     </p:spTree>
     <p:extLst>
       <p:ext uri="{BB962C8B-B14F-4D97-AF65-F5344CB8AC3E}">
-        <p14:creationId xmlns:p14="http://schemas.microsoft.com/office/powerpoint/2010/main" val="1265714151"/>
+        <p14:creationId xmlns:p14="http://schemas.microsoft.com/office/powerpoint/2010/main" val="1294268311"/>
       </p:ext>
     </p:extLst>
   </p:cSld>
@@ -7736,4 +11579,319 @@
     </a:ext>
   </a:extLst>
 </a:theme>
+</file>
+
+<file path=ppt/theme/theme2.xml><?xml version="1.0" encoding="utf-8"?>
+<a:theme xmlns:a="http://schemas.openxmlformats.org/drawingml/2006/main" name="Office 佈景主題">
+  <a:themeElements>
+    <a:clrScheme name="Office">
+      <a:dk1>
+        <a:sysClr val="windowText" lastClr="000000"/>
+      </a:dk1>
+      <a:lt1>
+        <a:sysClr val="window" lastClr="FFFFFF"/>
+      </a:lt1>
+      <a:dk2>
+        <a:srgbClr val="0E2841"/>
+      </a:dk2>
+      <a:lt2>
+        <a:srgbClr val="E8E8E8"/>
+      </a:lt2>
+      <a:accent1>
+        <a:srgbClr val="156082"/>
+      </a:accent1>
+      <a:accent2>
+        <a:srgbClr val="E97132"/>
+      </a:accent2>
+      <a:accent3>
+        <a:srgbClr val="196B24"/>
+      </a:accent3>
+      <a:accent4>
+        <a:srgbClr val="0F9ED5"/>
+      </a:accent4>
+      <a:accent5>
+        <a:srgbClr val="A02B93"/>
+      </a:accent5>
+      <a:accent6>
+        <a:srgbClr val="4EA72E"/>
+      </a:accent6>
+      <a:hlink>
+        <a:srgbClr val="467886"/>
+      </a:hlink>
+      <a:folHlink>
+        <a:srgbClr val="96607D"/>
+      </a:folHlink>
+    </a:clrScheme>
+    <a:fontScheme name="Office">
+      <a:majorFont>
+        <a:latin typeface="Aptos Display" panose="02110004020202020204"/>
+        <a:ea typeface=""/>
+        <a:cs typeface=""/>
+        <a:font script="Jpan" typeface="游ゴシック Light"/>
+        <a:font script="Hang" typeface="맑은 고딕"/>
+        <a:font script="Hans" typeface="等线 Light"/>
+        <a:font script="Hant" typeface="新細明體"/>
+        <a:font script="Arab" typeface="Times New Roman"/>
+        <a:font script="Hebr" typeface="Times New Roman"/>
+        <a:font script="Thai" typeface="Angsana New"/>
+        <a:font script="Ethi" typeface="Nyala"/>
+        <a:font script="Beng" typeface="Vrinda"/>
+        <a:font script="Gujr" typeface="Shruti"/>
+        <a:font script="Khmr" typeface="MoolBoran"/>
+        <a:font script="Knda" typeface="Tunga"/>
+        <a:font script="Guru" typeface="Raavi"/>
+        <a:font script="Cans" typeface="Euphemia"/>
+        <a:font script="Cher" typeface="Plantagenet Cherokee"/>
+        <a:font script="Yiii" typeface="Microsoft Yi Baiti"/>
+        <a:font script="Tibt" typeface="Microsoft Himalaya"/>
+        <a:font script="Thaa" typeface="MV Boli"/>
+        <a:font script="Deva" typeface="Mangal"/>
+        <a:font script="Telu" typeface="Gautami"/>
+        <a:font script="Taml" typeface="Latha"/>
+        <a:font script="Syrc" typeface="Estrangelo Edessa"/>
+        <a:font script="Orya" typeface="Kalinga"/>
+        <a:font script="Mlym" typeface="Kartika"/>
+        <a:font script="Laoo" typeface="DokChampa"/>
+        <a:font script="Sinh" typeface="Iskoola Pota"/>
+        <a:font script="Mong" typeface="Mongolian Baiti"/>
+        <a:font script="Viet" typeface="Times New Roman"/>
+        <a:font script="Uigh" typeface="Microsoft Uighur"/>
+        <a:font script="Geor" typeface="Sylfaen"/>
+        <a:font script="Armn" typeface="Arial"/>
+        <a:font script="Bugi" typeface="Leelawadee UI"/>
+        <a:font script="Bopo" typeface="Microsoft JhengHei"/>
+        <a:font script="Java" typeface="Javanese Text"/>
+        <a:font script="Lisu" typeface="Segoe UI"/>
+        <a:font script="Mymr" typeface="Myanmar Text"/>
+        <a:font script="Nkoo" typeface="Ebrima"/>
+        <a:font script="Olck" typeface="Nirmala UI"/>
+        <a:font script="Osma" typeface="Ebrima"/>
+        <a:font script="Phag" typeface="Phagspa"/>
+        <a:font script="Syrn" typeface="Estrangelo Edessa"/>
+        <a:font script="Syrj" typeface="Estrangelo Edessa"/>
+        <a:font script="Syre" typeface="Estrangelo Edessa"/>
+        <a:font script="Sora" typeface="Nirmala UI"/>
+        <a:font script="Tale" typeface="Microsoft Tai Le"/>
+        <a:font script="Talu" typeface="Microsoft New Tai Lue"/>
+        <a:font script="Tfng" typeface="Ebrima"/>
+      </a:majorFont>
+      <a:minorFont>
+        <a:latin typeface="Aptos" panose="02110004020202020204"/>
+        <a:ea typeface=""/>
+        <a:cs typeface=""/>
+        <a:font script="Jpan" typeface="游ゴシック"/>
+        <a:font script="Hang" typeface="맑은 고딕"/>
+        <a:font script="Hans" typeface="等线"/>
+        <a:font script="Hant" typeface="新細明體"/>
+        <a:font script="Arab" typeface="Arial"/>
+        <a:font script="Hebr" typeface="Arial"/>
+        <a:font script="Thai" typeface="Cordia New"/>
+        <a:font script="Ethi" typeface="Nyala"/>
+        <a:font script="Beng" typeface="Vrinda"/>
+        <a:font script="Gujr" typeface="Shruti"/>
+        <a:font script="Khmr" typeface="DaunPenh"/>
+        <a:font script="Knda" typeface="Tunga"/>
+        <a:font script="Guru" typeface="Raavi"/>
+        <a:font script="Cans" typeface="Euphemia"/>
+        <a:font script="Cher" typeface="Plantagenet Cherokee"/>
+        <a:font script="Yiii" typeface="Microsoft Yi Baiti"/>
+        <a:font script="Tibt" typeface="Microsoft Himalaya"/>
+        <a:font script="Thaa" typeface="MV Boli"/>
+        <a:font script="Deva" typeface="Mangal"/>
+        <a:font script="Telu" typeface="Gautami"/>
+        <a:font script="Taml" typeface="Latha"/>
+        <a:font script="Syrc" typeface="Estrangelo Edessa"/>
+        <a:font script="Orya" typeface="Kalinga"/>
+        <a:font script="Mlym" typeface="Kartika"/>
+        <a:font script="Laoo" typeface="DokChampa"/>
+        <a:font script="Sinh" typeface="Iskoola Pota"/>
+        <a:font script="Mong" typeface="Mongolian Baiti"/>
+        <a:font script="Viet" typeface="Arial"/>
+        <a:font script="Uigh" typeface="Microsoft Uighur"/>
+        <a:font script="Geor" typeface="Sylfaen"/>
+        <a:font script="Armn" typeface="Arial"/>
+        <a:font script="Bugi" typeface="Leelawadee UI"/>
+        <a:font script="Bopo" typeface="Microsoft JhengHei"/>
+        <a:font script="Java" typeface="Javanese Text"/>
+        <a:font script="Lisu" typeface="Segoe UI"/>
+        <a:font script="Mymr" typeface="Myanmar Text"/>
+        <a:font script="Nkoo" typeface="Ebrima"/>
+        <a:font script="Olck" typeface="Nirmala UI"/>
+        <a:font script="Osma" typeface="Ebrima"/>
+        <a:font script="Phag" typeface="Phagspa"/>
+        <a:font script="Syrn" typeface="Estrangelo Edessa"/>
+        <a:font script="Syrj" typeface="Estrangelo Edessa"/>
+        <a:font script="Syre" typeface="Estrangelo Edessa"/>
+        <a:font script="Sora" typeface="Nirmala UI"/>
+        <a:font script="Tale" typeface="Microsoft Tai Le"/>
+        <a:font script="Talu" typeface="Microsoft New Tai Lue"/>
+        <a:font script="Tfng" typeface="Ebrima"/>
+      </a:minorFont>
+    </a:fontScheme>
+    <a:fmtScheme name="Office">
+      <a:fillStyleLst>
+        <a:solidFill>
+          <a:schemeClr val="phClr"/>
+        </a:solidFill>
+        <a:gradFill rotWithShape="1">
+          <a:gsLst>
+            <a:gs pos="0">
+              <a:schemeClr val="phClr">
+                <a:lumMod val="110000"/>
+                <a:satMod val="105000"/>
+                <a:tint val="67000"/>
+              </a:schemeClr>
+            </a:gs>
+            <a:gs pos="50000">
+              <a:schemeClr val="phClr">
+                <a:lumMod val="105000"/>
+                <a:satMod val="103000"/>
+                <a:tint val="73000"/>
+              </a:schemeClr>
+            </a:gs>
+            <a:gs pos="100000">
+              <a:schemeClr val="phClr">
+                <a:lumMod val="105000"/>
+                <a:satMod val="109000"/>
+                <a:tint val="81000"/>
+              </a:schemeClr>
+            </a:gs>
+          </a:gsLst>
+          <a:lin ang="5400000" scaled="0"/>
+        </a:gradFill>
+        <a:gradFill rotWithShape="1">
+          <a:gsLst>
+            <a:gs pos="0">
+              <a:schemeClr val="phClr">
+                <a:satMod val="103000"/>
+                <a:lumMod val="102000"/>
+                <a:tint val="94000"/>
+              </a:schemeClr>
+            </a:gs>
+            <a:gs pos="50000">
+              <a:schemeClr val="phClr">
+                <a:satMod val="110000"/>
+                <a:lumMod val="100000"/>
+                <a:shade val="100000"/>
+              </a:schemeClr>
+            </a:gs>
+            <a:gs pos="100000">
+              <a:schemeClr val="phClr">
+                <a:lumMod val="99000"/>
+                <a:satMod val="120000"/>
+                <a:shade val="78000"/>
+              </a:schemeClr>
+            </a:gs>
+          </a:gsLst>
+          <a:lin ang="5400000" scaled="0"/>
+        </a:gradFill>
+      </a:fillStyleLst>
+      <a:lnStyleLst>
+        <a:ln w="12700" cap="flat" cmpd="sng" algn="ctr">
+          <a:solidFill>
+            <a:schemeClr val="phClr"/>
+          </a:solidFill>
+          <a:prstDash val="solid"/>
+          <a:miter lim="800000"/>
+        </a:ln>
+        <a:ln w="19050" cap="flat" cmpd="sng" algn="ctr">
+          <a:solidFill>
+            <a:schemeClr val="phClr"/>
+          </a:solidFill>
+          <a:prstDash val="solid"/>
+          <a:miter lim="800000"/>
+        </a:ln>
+        <a:ln w="25400" cap="flat" cmpd="sng" algn="ctr">
+          <a:solidFill>
+            <a:schemeClr val="phClr"/>
+          </a:solidFill>
+          <a:prstDash val="solid"/>
+          <a:miter lim="800000"/>
+        </a:ln>
+      </a:lnStyleLst>
+      <a:effectStyleLst>
+        <a:effectStyle>
+          <a:effectLst/>
+        </a:effectStyle>
+        <a:effectStyle>
+          <a:effectLst/>
+        </a:effectStyle>
+        <a:effectStyle>
+          <a:effectLst>
+            <a:outerShdw blurRad="57150" dist="19050" dir="5400000" algn="ctr" rotWithShape="0">
+              <a:srgbClr val="000000">
+                <a:alpha val="63000"/>
+              </a:srgbClr>
+            </a:outerShdw>
+          </a:effectLst>
+        </a:effectStyle>
+      </a:effectStyleLst>
+      <a:bgFillStyleLst>
+        <a:solidFill>
+          <a:schemeClr val="phClr"/>
+        </a:solidFill>
+        <a:solidFill>
+          <a:schemeClr val="phClr">
+            <a:tint val="95000"/>
+            <a:satMod val="170000"/>
+          </a:schemeClr>
+        </a:solidFill>
+        <a:gradFill rotWithShape="1">
+          <a:gsLst>
+            <a:gs pos="0">
+              <a:schemeClr val="phClr">
+                <a:tint val="93000"/>
+                <a:satMod val="150000"/>
+                <a:shade val="98000"/>
+                <a:lumMod val="102000"/>
+              </a:schemeClr>
+            </a:gs>
+            <a:gs pos="50000">
+              <a:schemeClr val="phClr">
+                <a:tint val="98000"/>
+                <a:satMod val="130000"/>
+                <a:shade val="90000"/>
+                <a:lumMod val="103000"/>
+              </a:schemeClr>
+            </a:gs>
+            <a:gs pos="100000">
+              <a:schemeClr val="phClr">
+                <a:shade val="63000"/>
+                <a:satMod val="120000"/>
+              </a:schemeClr>
+            </a:gs>
+          </a:gsLst>
+          <a:lin ang="5400000" scaled="0"/>
+        </a:gradFill>
+      </a:bgFillStyleLst>
+    </a:fmtScheme>
+  </a:themeElements>
+  <a:objectDefaults>
+    <a:lnDef>
+      <a:spPr/>
+      <a:bodyPr/>
+      <a:lstStyle/>
+      <a:style>
+        <a:lnRef idx="2">
+          <a:schemeClr val="accent1"/>
+        </a:lnRef>
+        <a:fillRef idx="0">
+          <a:schemeClr val="accent1"/>
+        </a:fillRef>
+        <a:effectRef idx="1">
+          <a:schemeClr val="accent1"/>
+        </a:effectRef>
+        <a:fontRef idx="minor">
+          <a:schemeClr val="tx1"/>
+        </a:fontRef>
+      </a:style>
+    </a:lnDef>
+  </a:objectDefaults>
+  <a:extraClrSchemeLst/>
+  <a:extLst>
+    <a:ext uri="{05A4C25C-085E-4340-85A3-A5531E510DB2}">
+      <thm15:themeFamily xmlns:thm15="http://schemas.microsoft.com/office/thememl/2012/main" name="Office Theme" id="{2E142A2C-CD16-42D6-873A-C26D2A0506FA}" vid="{1BDDFF52-6CD6-40A5-AB3C-68EB2F1E4D0A}"/>
+    </a:ext>
+  </a:extLst>
+</a:theme>
 </file>